--- a/Breznau_Open_Science_P_Values.pptx
+++ b/Breznau_Open_Science_P_Values.pptx
@@ -5,44 +5,45 @@
     <p:sldMasterId id="2147483648" r:id="rId1"/>
   </p:sldMasterIdLst>
   <p:notesMasterIdLst>
-    <p:notesMasterId r:id="rId37"/>
+    <p:notesMasterId r:id="rId38"/>
   </p:notesMasterIdLst>
   <p:sldIdLst>
     <p:sldId id="256" r:id="rId2"/>
     <p:sldId id="257" r:id="rId3"/>
     <p:sldId id="258" r:id="rId4"/>
-    <p:sldId id="259" r:id="rId5"/>
-    <p:sldId id="260" r:id="rId6"/>
-    <p:sldId id="263" r:id="rId7"/>
-    <p:sldId id="265" r:id="rId8"/>
-    <p:sldId id="261" r:id="rId9"/>
-    <p:sldId id="266" r:id="rId10"/>
-    <p:sldId id="274" r:id="rId11"/>
-    <p:sldId id="275" r:id="rId12"/>
-    <p:sldId id="262" r:id="rId13"/>
-    <p:sldId id="270" r:id="rId14"/>
-    <p:sldId id="269" r:id="rId15"/>
-    <p:sldId id="271" r:id="rId16"/>
-    <p:sldId id="272" r:id="rId17"/>
-    <p:sldId id="267" r:id="rId18"/>
-    <p:sldId id="280" r:id="rId19"/>
-    <p:sldId id="281" r:id="rId20"/>
-    <p:sldId id="273" r:id="rId21"/>
-    <p:sldId id="276" r:id="rId22"/>
-    <p:sldId id="283" r:id="rId23"/>
-    <p:sldId id="268" r:id="rId24"/>
-    <p:sldId id="277" r:id="rId25"/>
-    <p:sldId id="279" r:id="rId26"/>
-    <p:sldId id="278" r:id="rId27"/>
-    <p:sldId id="282" r:id="rId28"/>
-    <p:sldId id="284" r:id="rId29"/>
-    <p:sldId id="285" r:id="rId30"/>
-    <p:sldId id="286" r:id="rId31"/>
-    <p:sldId id="287" r:id="rId32"/>
-    <p:sldId id="288" r:id="rId33"/>
-    <p:sldId id="289" r:id="rId34"/>
-    <p:sldId id="290" r:id="rId35"/>
-    <p:sldId id="291" r:id="rId36"/>
+    <p:sldId id="292" r:id="rId5"/>
+    <p:sldId id="259" r:id="rId6"/>
+    <p:sldId id="260" r:id="rId7"/>
+    <p:sldId id="263" r:id="rId8"/>
+    <p:sldId id="265" r:id="rId9"/>
+    <p:sldId id="261" r:id="rId10"/>
+    <p:sldId id="266" r:id="rId11"/>
+    <p:sldId id="274" r:id="rId12"/>
+    <p:sldId id="275" r:id="rId13"/>
+    <p:sldId id="262" r:id="rId14"/>
+    <p:sldId id="270" r:id="rId15"/>
+    <p:sldId id="269" r:id="rId16"/>
+    <p:sldId id="271" r:id="rId17"/>
+    <p:sldId id="272" r:id="rId18"/>
+    <p:sldId id="267" r:id="rId19"/>
+    <p:sldId id="280" r:id="rId20"/>
+    <p:sldId id="281" r:id="rId21"/>
+    <p:sldId id="273" r:id="rId22"/>
+    <p:sldId id="276" r:id="rId23"/>
+    <p:sldId id="283" r:id="rId24"/>
+    <p:sldId id="268" r:id="rId25"/>
+    <p:sldId id="277" r:id="rId26"/>
+    <p:sldId id="279" r:id="rId27"/>
+    <p:sldId id="278" r:id="rId28"/>
+    <p:sldId id="282" r:id="rId29"/>
+    <p:sldId id="284" r:id="rId30"/>
+    <p:sldId id="285" r:id="rId31"/>
+    <p:sldId id="286" r:id="rId32"/>
+    <p:sldId id="287" r:id="rId33"/>
+    <p:sldId id="288" r:id="rId34"/>
+    <p:sldId id="289" r:id="rId35"/>
+    <p:sldId id="290" r:id="rId36"/>
+    <p:sldId id="291" r:id="rId37"/>
   </p:sldIdLst>
   <p:sldSz cx="12192000" cy="6858000"/>
   <p:notesSz cx="6858000" cy="9144000"/>
@@ -242,7 +243,7 @@
           <a:p>
             <a:fld id="{50ACB44F-430F-49FD-B561-48ED81EECF75}" type="datetimeFigureOut">
               <a:rPr lang="en-US" smtClean="0"/>
-              <a:t>25-Sep-21</a:t>
+              <a:t>25-Oct-21</a:t>
             </a:fld>
             <a:endParaRPr lang="en-US"/>
           </a:p>
@@ -848,7 +849,7 @@
           <a:p>
             <a:fld id="{F9DB1203-D10D-42D1-A619-738F4F351BC0}" type="datetime1">
               <a:rPr lang="en-US" smtClean="0"/>
-              <a:t>25-Sep-21</a:t>
+              <a:t>25-Oct-21</a:t>
             </a:fld>
             <a:endParaRPr lang="en-US"/>
           </a:p>
@@ -1028,7 +1029,7 @@
           <a:p>
             <a:fld id="{37F1EB1F-438D-4167-B1FE-A1094BA37090}" type="datetime1">
               <a:rPr lang="en-US" smtClean="0"/>
-              <a:t>25-Sep-21</a:t>
+              <a:t>25-Oct-21</a:t>
             </a:fld>
             <a:endParaRPr lang="en-US"/>
           </a:p>
@@ -1198,7 +1199,7 @@
           <a:p>
             <a:fld id="{D8F3CC78-7857-45A0-A30F-69847EBB9028}" type="datetime1">
               <a:rPr lang="en-US" smtClean="0"/>
-              <a:t>25-Sep-21</a:t>
+              <a:t>25-Oct-21</a:t>
             </a:fld>
             <a:endParaRPr lang="en-US"/>
           </a:p>
@@ -1504,7 +1505,7 @@
           <a:p>
             <a:fld id="{526971D8-9D18-48FF-832D-DE6076BE01BE}" type="datetime1">
               <a:rPr lang="en-US" smtClean="0"/>
-              <a:t>25-Sep-21</a:t>
+              <a:t>25-Oct-21</a:t>
             </a:fld>
             <a:endParaRPr lang="en-US"/>
           </a:p>
@@ -1736,7 +1737,7 @@
           <a:p>
             <a:fld id="{29B1CD0C-90F1-4845-B650-D647D490CF03}" type="datetime1">
               <a:rPr lang="en-US" smtClean="0"/>
-              <a:t>25-Sep-21</a:t>
+              <a:t>25-Oct-21</a:t>
             </a:fld>
             <a:endParaRPr lang="en-US"/>
           </a:p>
@@ -2103,7 +2104,7 @@
           <a:p>
             <a:fld id="{289F6CD0-65F7-4D5D-9664-C4EB140B3C76}" type="datetime1">
               <a:rPr lang="en-US" smtClean="0"/>
-              <a:t>25-Sep-21</a:t>
+              <a:t>25-Oct-21</a:t>
             </a:fld>
             <a:endParaRPr lang="en-US"/>
           </a:p>
@@ -2221,7 +2222,7 @@
           <a:p>
             <a:fld id="{A9AA8F4C-4327-40FE-A067-ABA974CCD329}" type="datetime1">
               <a:rPr lang="en-US" smtClean="0"/>
-              <a:t>25-Sep-21</a:t>
+              <a:t>25-Oct-21</a:t>
             </a:fld>
             <a:endParaRPr lang="en-US"/>
           </a:p>
@@ -2316,7 +2317,7 @@
           <a:p>
             <a:fld id="{BACA24D5-6A1E-46E1-AD30-9AB869114CBE}" type="datetime1">
               <a:rPr lang="en-US" smtClean="0"/>
-              <a:t>25-Sep-21</a:t>
+              <a:t>25-Oct-21</a:t>
             </a:fld>
             <a:endParaRPr lang="en-US"/>
           </a:p>
@@ -2593,7 +2594,7 @@
           <a:p>
             <a:fld id="{16766582-61F8-4379-8743-D19DC8308C1B}" type="datetime1">
               <a:rPr lang="en-US" smtClean="0"/>
-              <a:t>25-Sep-21</a:t>
+              <a:t>25-Oct-21</a:t>
             </a:fld>
             <a:endParaRPr lang="en-US"/>
           </a:p>
@@ -2846,7 +2847,7 @@
           <a:p>
             <a:fld id="{85EE13E4-E712-4C19-962A-D4C57539FE24}" type="datetime1">
               <a:rPr lang="en-US" smtClean="0"/>
-              <a:t>25-Sep-21</a:t>
+              <a:t>25-Oct-21</a:t>
             </a:fld>
             <a:endParaRPr lang="en-US"/>
           </a:p>
@@ -3059,7 +3060,7 @@
           <a:p>
             <a:fld id="{66A8A8D8-15AC-4A57-B304-9F60BAC933A0}" type="datetime1">
               <a:rPr lang="en-US" smtClean="0"/>
-              <a:t>25-Sep-21</a:t>
+              <a:t>25-Oct-21</a:t>
             </a:fld>
             <a:endParaRPr lang="en-US"/>
           </a:p>
@@ -3671,29 +3672,6 @@
           <a:chExt cx="0" cy="0"/>
         </a:xfrm>
       </p:grpSpPr>
-      <p:pic>
-        <p:nvPicPr>
-          <p:cNvPr id="5" name="Picture 4"/>
-          <p:cNvPicPr>
-            <a:picLocks noChangeAspect="1"/>
-          </p:cNvPicPr>
-          <p:nvPr/>
-        </p:nvPicPr>
-        <p:blipFill rotWithShape="1">
-          <a:blip r:embed="rId2"/>
-          <a:srcRect l="1158" t="11544" r="30000" b="13229"/>
-          <a:stretch/>
-        </p:blipFill>
-        <p:spPr>
-          <a:xfrm>
-            <a:off x="1407698" y="266700"/>
-            <a:ext cx="10756382" cy="6611722"/>
-          </a:xfrm>
-          <a:prstGeom prst="rect">
-            <a:avLst/>
-          </a:prstGeom>
-        </p:spPr>
-      </p:pic>
       <p:sp>
         <p:nvSpPr>
           <p:cNvPr id="2" name="Title 1"/>
@@ -3704,19 +3682,14 @@
             <p:ph type="title"/>
           </p:nvPr>
         </p:nvSpPr>
-        <p:spPr>
-          <a:xfrm>
-            <a:off x="104273" y="-38185"/>
-            <a:ext cx="10515600" cy="1325563"/>
-          </a:xfrm>
-        </p:spPr>
+        <p:spPr/>
         <p:txBody>
           <a:bodyPr/>
           <a:lstStyle/>
           <a:p>
             <a:r>
               <a:rPr lang="en-US" dirty="0" smtClean="0"/>
-              <a:t>What is a normal distribution?</a:t>
+              <a:t>What is a p-value?</a:t>
             </a:r>
             <a:endParaRPr lang="en-US" dirty="0"/>
           </a:p>
@@ -3724,64 +3697,111 @@
       </p:sp>
       <p:sp>
         <p:nvSpPr>
-          <p:cNvPr id="6" name="TextBox 5"/>
-          <p:cNvSpPr txBox="1"/>
-          <p:nvPr/>
-        </p:nvSpPr>
-        <p:spPr>
-          <a:xfrm>
-            <a:off x="38771" y="6388100"/>
-            <a:ext cx="637867" cy="461665"/>
-          </a:xfrm>
-          <a:prstGeom prst="rect">
-            <a:avLst/>
-          </a:prstGeom>
-          <a:noFill/>
-        </p:spPr>
-        <p:txBody>
-          <a:bodyPr wrap="none" rtlCol="0">
-            <a:spAutoFit/>
-          </a:bodyPr>
-          <a:lstStyle/>
-          <a:p>
-            <a:r>
-              <a:rPr lang="en-US" sz="1200" dirty="0" smtClean="0"/>
-              <a:t>Credit: </a:t>
-            </a:r>
-          </a:p>
-          <a:p>
-            <a:r>
-              <a:rPr lang="en-US" sz="1200" dirty="0" err="1" smtClean="0">
-                <a:hlinkClick r:id="rId3"/>
+          <p:cNvPr id="3" name="Content Placeholder 2"/>
+          <p:cNvSpPr>
+            <a:spLocks noGrp="1"/>
+          </p:cNvSpPr>
+          <p:nvPr>
+            <p:ph idx="1"/>
+          </p:nvPr>
+        </p:nvSpPr>
+        <p:spPr/>
+        <p:txBody>
+          <a:bodyPr/>
+          <a:lstStyle/>
+          <a:p>
+            <a:r>
+              <a:rPr lang="en-US" dirty="0" smtClean="0"/>
+              <a:t>A statistical test result used to evaluate the </a:t>
+            </a:r>
+            <a:r>
+              <a:rPr lang="en-US" b="1" dirty="0" smtClean="0"/>
+              <a:t>null hypothesis</a:t>
+            </a:r>
+          </a:p>
+          <a:p>
+            <a:r>
+              <a:rPr lang="en-US" dirty="0" smtClean="0"/>
+              <a:t>It is based entirely on </a:t>
+            </a:r>
+            <a:r>
+              <a:rPr lang="en-US" b="1" dirty="0" smtClean="0"/>
+              <a:t>probability</a:t>
+            </a:r>
+          </a:p>
+          <a:p>
+            <a:r>
+              <a:rPr lang="en-US" dirty="0" smtClean="0"/>
+              <a:t>It is the </a:t>
+            </a:r>
+            <a:r>
+              <a:rPr lang="en-US" b="1" dirty="0" smtClean="0"/>
+              <a:t>probability of observing the data</a:t>
+            </a:r>
+            <a:r>
+              <a:rPr lang="en-US" dirty="0" smtClean="0"/>
+              <a:t> assuming the null hypothesis is correct</a:t>
+            </a:r>
+          </a:p>
+          <a:p>
+            <a:pPr lvl="1"/>
+            <a:r>
+              <a:rPr lang="en-US" dirty="0" smtClean="0"/>
+              <a:t>Assumes that the data were randomly sampled from a population</a:t>
+            </a:r>
+          </a:p>
+          <a:p>
+            <a:pPr lvl="1"/>
+            <a:r>
+              <a:rPr lang="en-US" dirty="0" smtClean="0"/>
+              <a:t>Assumes that the test is properly modeled </a:t>
+            </a:r>
+            <a:r>
+              <a:rPr lang="en-US" dirty="0" smtClean="0">
+                <a:solidFill>
+                  <a:schemeClr val="tx1">
+                    <a:lumMod val="50000"/>
+                    <a:lumOff val="50000"/>
+                  </a:schemeClr>
+                </a:solidFill>
               </a:rPr>
-              <a:t>Heds</a:t>
-            </a:r>
-            <a:r>
-              <a:rPr lang="en-US" sz="1200" dirty="0" smtClean="0">
-                <a:hlinkClick r:id="rId3"/>
-              </a:rPr>
-              <a:t> 1</a:t>
-            </a:r>
-            <a:endParaRPr lang="en-US" sz="1200" dirty="0"/>
-          </a:p>
-        </p:txBody>
-      </p:sp>
-      <p:sp>
-        <p:nvSpPr>
-          <p:cNvPr id="3" name="Rectangle 2"/>
+              <a:t>(e.g., improper: testing if getting sick or not makes one more likely to get a vaccine)</a:t>
+            </a:r>
+          </a:p>
+          <a:p>
+            <a:pPr lvl="1"/>
+            <a:r>
+              <a:rPr lang="en-US" dirty="0" smtClean="0"/>
+              <a:t>Assumes a </a:t>
+            </a:r>
+            <a:r>
+              <a:rPr lang="en-US" b="1" dirty="0" smtClean="0"/>
+              <a:t>normal distribution</a:t>
+            </a:r>
+            <a:r>
+              <a:rPr lang="en-US" dirty="0" smtClean="0"/>
+              <a:t> of observing the null hypothesis if it were true</a:t>
+            </a:r>
+            <a:endParaRPr lang="en-US" dirty="0"/>
+          </a:p>
+        </p:txBody>
+      </p:sp>
+      <p:sp>
+        <p:nvSpPr>
+          <p:cNvPr id="5" name="U-Turn Arrow 4"/>
           <p:cNvSpPr/>
           <p:nvPr/>
         </p:nvSpPr>
         <p:spPr>
-          <a:xfrm>
-            <a:off x="2870200" y="1287378"/>
-            <a:ext cx="1993900" cy="2731911"/>
-          </a:xfrm>
-          <a:prstGeom prst="rect">
+          <a:xfrm flipH="1">
+            <a:off x="8759378" y="1331462"/>
+            <a:ext cx="1676400" cy="696912"/>
+          </a:xfrm>
+          <a:prstGeom prst="uturnArrow">
             <a:avLst/>
           </a:prstGeom>
           <a:solidFill>
-            <a:schemeClr val="bg1"/>
+            <a:srgbClr val="7030A0"/>
           </a:solidFill>
           <a:ln>
             <a:noFill/>
@@ -3808,13 +3828,78 @@
           <a:lstStyle/>
           <a:p>
             <a:pPr algn="ctr"/>
-            <a:endParaRPr lang="en-US"/>
-          </a:p>
-        </p:txBody>
-      </p:sp>
-      <p:sp>
-        <p:nvSpPr>
-          <p:cNvPr id="4" name="Slide Number Placeholder 3"/>
+            <a:endParaRPr lang="en-US">
+              <a:solidFill>
+                <a:schemeClr val="tx1"/>
+              </a:solidFill>
+            </a:endParaRPr>
+          </a:p>
+        </p:txBody>
+      </p:sp>
+      <p:sp>
+        <p:nvSpPr>
+          <p:cNvPr id="6" name="TextBox 5"/>
+          <p:cNvSpPr txBox="1"/>
+          <p:nvPr/>
+        </p:nvSpPr>
+        <p:spPr>
+          <a:xfrm rot="19957888">
+            <a:off x="8591106" y="1886205"/>
+            <a:ext cx="3689343" cy="1508105"/>
+          </a:xfrm>
+          <a:prstGeom prst="rect">
+            <a:avLst/>
+          </a:prstGeom>
+          <a:solidFill>
+            <a:schemeClr val="bg1">
+              <a:lumMod val="85000"/>
+            </a:schemeClr>
+          </a:solidFill>
+        </p:spPr>
+        <p:txBody>
+          <a:bodyPr wrap="none" rtlCol="0">
+            <a:spAutoFit/>
+          </a:bodyPr>
+          <a:lstStyle/>
+          <a:p>
+            <a:pPr algn="ctr"/>
+            <a:r>
+              <a:rPr lang="en-US" sz="2800" dirty="0" smtClean="0"/>
+              <a:t>Also known as “</a:t>
+            </a:r>
+            <a:r>
+              <a:rPr lang="en-US" sz="3600" b="1" dirty="0" smtClean="0">
+                <a:solidFill>
+                  <a:srgbClr val="7030A0"/>
+                </a:solidFill>
+              </a:rPr>
+              <a:t>NHST</a:t>
+            </a:r>
+            <a:r>
+              <a:rPr lang="en-US" sz="2800" dirty="0" smtClean="0"/>
+              <a:t>”</a:t>
+            </a:r>
+          </a:p>
+          <a:p>
+            <a:pPr algn="ctr"/>
+            <a:r>
+              <a:rPr lang="en-US" sz="2800" dirty="0" smtClean="0"/>
+              <a:t>(Null Hypothesis </a:t>
+            </a:r>
+          </a:p>
+          <a:p>
+            <a:pPr algn="ctr"/>
+            <a:r>
+              <a:rPr lang="en-US" sz="2800" dirty="0" smtClean="0"/>
+              <a:t>Significance Testing)</a:t>
+            </a:r>
+            <a:endParaRPr lang="en-US" sz="2800" dirty="0"/>
+          </a:p>
+        </p:txBody>
+      </p:sp>
+      <p:sp>
+        <p:nvSpPr>
+          <p:cNvPr id="7" name="Slide Number Placeholder 6"/>
           <p:cNvSpPr>
             <a:spLocks noGrp="1"/>
           </p:cNvSpPr>
@@ -3835,738 +3920,10 @@
           </a:p>
         </p:txBody>
       </p:sp>
-      <p:sp>
-        <p:nvSpPr>
-          <p:cNvPr id="8" name="TextBox 7"/>
-          <p:cNvSpPr txBox="1"/>
-          <p:nvPr/>
-        </p:nvSpPr>
-        <p:spPr>
-          <a:xfrm>
-            <a:off x="171217" y="3095959"/>
-            <a:ext cx="2472962" cy="923330"/>
-          </a:xfrm>
-          <a:prstGeom prst="rect">
-            <a:avLst/>
-          </a:prstGeom>
-          <a:solidFill>
-            <a:schemeClr val="bg1">
-              <a:lumMod val="95000"/>
-            </a:schemeClr>
-          </a:solidFill>
-          <a:ln>
-            <a:solidFill>
-              <a:srgbClr val="7030A0"/>
-            </a:solidFill>
-          </a:ln>
-        </p:spPr>
-        <p:txBody>
-          <a:bodyPr wrap="square" rtlCol="0">
-            <a:spAutoFit/>
-          </a:bodyPr>
-          <a:lstStyle/>
-          <a:p>
-            <a:pPr algn="ctr"/>
-            <a:r>
-              <a:rPr lang="en-US" dirty="0" smtClean="0">
-                <a:solidFill>
-                  <a:srgbClr val="7030A0"/>
-                </a:solidFill>
-              </a:rPr>
-              <a:t>P-Values</a:t>
-            </a:r>
-          </a:p>
-          <a:p>
-            <a:pPr algn="ctr"/>
-            <a:r>
-              <a:rPr lang="en-US" dirty="0" smtClean="0">
-                <a:solidFill>
-                  <a:srgbClr val="7030A0"/>
-                </a:solidFill>
-              </a:rPr>
-              <a:t>(if all assumptions are true)</a:t>
-            </a:r>
-          </a:p>
-        </p:txBody>
-      </p:sp>
-      <p:sp>
-        <p:nvSpPr>
-          <p:cNvPr id="9" name="Arc 8"/>
-          <p:cNvSpPr/>
-          <p:nvPr/>
-        </p:nvSpPr>
-        <p:spPr>
-          <a:xfrm>
-            <a:off x="357704" y="3210787"/>
-            <a:ext cx="3083139" cy="1617003"/>
-          </a:xfrm>
-          <a:prstGeom prst="arc">
-            <a:avLst>
-              <a:gd name="adj1" fmla="val 7444638"/>
-              <a:gd name="adj2" fmla="val 10800000"/>
-            </a:avLst>
-          </a:prstGeom>
-          <a:ln w="25400">
-            <a:solidFill>
-              <a:srgbClr val="7030A0"/>
-            </a:solidFill>
-            <a:headEnd type="triangle" w="lg" len="lg"/>
-            <a:tailEnd type="none" w="lg" len="lg"/>
-          </a:ln>
-        </p:spPr>
-        <p:style>
-          <a:lnRef idx="1">
-            <a:schemeClr val="accent1"/>
-          </a:lnRef>
-          <a:fillRef idx="0">
-            <a:schemeClr val="accent1"/>
-          </a:fillRef>
-          <a:effectRef idx="0">
-            <a:schemeClr val="accent1"/>
-          </a:effectRef>
-          <a:fontRef idx="minor">
-            <a:schemeClr val="tx1"/>
-          </a:fontRef>
-        </p:style>
-        <p:txBody>
-          <a:bodyPr rtlCol="0" anchor="ctr"/>
-          <a:lstStyle/>
-          <a:p>
-            <a:pPr algn="ctr"/>
-            <a:endParaRPr lang="en-US"/>
-          </a:p>
-        </p:txBody>
-      </p:sp>
-      <p:cxnSp>
-        <p:nvCxnSpPr>
-          <p:cNvPr id="11" name="Straight Connector 10"/>
-          <p:cNvCxnSpPr/>
-          <p:nvPr/>
-        </p:nvCxnSpPr>
-        <p:spPr>
-          <a:xfrm flipV="1">
-            <a:off x="1407698" y="5088153"/>
-            <a:ext cx="1754602" cy="0"/>
-          </a:xfrm>
-          <a:prstGeom prst="line">
-            <a:avLst/>
-          </a:prstGeom>
-          <a:ln w="22225">
-            <a:solidFill>
-              <a:srgbClr val="7030A0"/>
-            </a:solidFill>
-          </a:ln>
-        </p:spPr>
-        <p:style>
-          <a:lnRef idx="1">
-            <a:schemeClr val="accent1"/>
-          </a:lnRef>
-          <a:fillRef idx="0">
-            <a:schemeClr val="accent1"/>
-          </a:fillRef>
-          <a:effectRef idx="0">
-            <a:schemeClr val="accent1"/>
-          </a:effectRef>
-          <a:fontRef idx="minor">
-            <a:schemeClr val="tx1"/>
-          </a:fontRef>
-        </p:style>
-      </p:cxnSp>
-      <p:sp>
-        <p:nvSpPr>
-          <p:cNvPr id="13" name="Rectangle 12"/>
-          <p:cNvSpPr/>
-          <p:nvPr/>
-        </p:nvSpPr>
-        <p:spPr>
-          <a:xfrm>
-            <a:off x="0" y="5245100"/>
-            <a:ext cx="12065000" cy="1633322"/>
-          </a:xfrm>
-          <a:prstGeom prst="rect">
-            <a:avLst/>
-          </a:prstGeom>
-          <a:solidFill>
-            <a:schemeClr val="bg1"/>
-          </a:solidFill>
-          <a:ln>
-            <a:noFill/>
-          </a:ln>
-        </p:spPr>
-        <p:style>
-          <a:lnRef idx="2">
-            <a:schemeClr val="accent1">
-              <a:shade val="50000"/>
-            </a:schemeClr>
-          </a:lnRef>
-          <a:fillRef idx="1">
-            <a:schemeClr val="accent1"/>
-          </a:fillRef>
-          <a:effectRef idx="0">
-            <a:schemeClr val="accent1"/>
-          </a:effectRef>
-          <a:fontRef idx="minor">
-            <a:schemeClr val="lt1"/>
-          </a:fontRef>
-        </p:style>
-        <p:txBody>
-          <a:bodyPr rtlCol="0" anchor="ctr"/>
-          <a:lstStyle/>
-          <a:p>
-            <a:pPr algn="ctr"/>
-            <a:endParaRPr lang="en-US"/>
-          </a:p>
-        </p:txBody>
-      </p:sp>
-      <p:cxnSp>
-        <p:nvCxnSpPr>
-          <p:cNvPr id="15" name="Straight Connector 14"/>
-          <p:cNvCxnSpPr/>
-          <p:nvPr/>
-        </p:nvCxnSpPr>
-        <p:spPr>
-          <a:xfrm>
-            <a:off x="3440843" y="4948453"/>
-            <a:ext cx="8281257" cy="0"/>
-          </a:xfrm>
-          <a:prstGeom prst="line">
-            <a:avLst/>
-          </a:prstGeom>
-          <a:ln w="22225">
-            <a:solidFill>
-              <a:srgbClr val="7030A0"/>
-            </a:solidFill>
-          </a:ln>
-        </p:spPr>
-        <p:style>
-          <a:lnRef idx="1">
-            <a:schemeClr val="accent1"/>
-          </a:lnRef>
-          <a:fillRef idx="0">
-            <a:schemeClr val="accent1"/>
-          </a:fillRef>
-          <a:effectRef idx="0">
-            <a:schemeClr val="accent1"/>
-          </a:effectRef>
-          <a:fontRef idx="minor">
-            <a:schemeClr val="tx1"/>
-          </a:fontRef>
-        </p:style>
-      </p:cxnSp>
-      <p:cxnSp>
-        <p:nvCxnSpPr>
-          <p:cNvPr id="18" name="Straight Connector 17"/>
-          <p:cNvCxnSpPr/>
-          <p:nvPr/>
-        </p:nvCxnSpPr>
-        <p:spPr>
-          <a:xfrm>
-            <a:off x="6494628" y="5575751"/>
-            <a:ext cx="2115972" cy="0"/>
-          </a:xfrm>
-          <a:prstGeom prst="line">
-            <a:avLst/>
-          </a:prstGeom>
-          <a:ln w="22225">
-            <a:solidFill>
-              <a:srgbClr val="7030A0"/>
-            </a:solidFill>
-          </a:ln>
-        </p:spPr>
-        <p:style>
-          <a:lnRef idx="1">
-            <a:schemeClr val="accent1"/>
-          </a:lnRef>
-          <a:fillRef idx="0">
-            <a:schemeClr val="accent1"/>
-          </a:fillRef>
-          <a:effectRef idx="0">
-            <a:schemeClr val="accent1"/>
-          </a:effectRef>
-          <a:fontRef idx="minor">
-            <a:schemeClr val="tx1"/>
-          </a:fontRef>
-        </p:style>
-      </p:cxnSp>
-      <p:cxnSp>
-        <p:nvCxnSpPr>
-          <p:cNvPr id="21" name="Straight Connector 20"/>
-          <p:cNvCxnSpPr/>
-          <p:nvPr/>
-        </p:nvCxnSpPr>
-        <p:spPr>
-          <a:xfrm flipV="1">
-            <a:off x="8610600" y="5245100"/>
-            <a:ext cx="0" cy="330651"/>
-          </a:xfrm>
-          <a:prstGeom prst="line">
-            <a:avLst/>
-          </a:prstGeom>
-          <a:ln w="22225">
-            <a:solidFill>
-              <a:srgbClr val="7030A0"/>
-            </a:solidFill>
-          </a:ln>
-        </p:spPr>
-        <p:style>
-          <a:lnRef idx="1">
-            <a:schemeClr val="accent1"/>
-          </a:lnRef>
-          <a:fillRef idx="0">
-            <a:schemeClr val="accent1"/>
-          </a:fillRef>
-          <a:effectRef idx="0">
-            <a:schemeClr val="accent1"/>
-          </a:effectRef>
-          <a:fontRef idx="minor">
-            <a:schemeClr val="tx1"/>
-          </a:fontRef>
-        </p:style>
-      </p:cxnSp>
-      <p:cxnSp>
-        <p:nvCxnSpPr>
-          <p:cNvPr id="25" name="Straight Connector 24"/>
-          <p:cNvCxnSpPr/>
-          <p:nvPr/>
-        </p:nvCxnSpPr>
-        <p:spPr>
-          <a:xfrm flipV="1">
-            <a:off x="6494628" y="5255270"/>
-            <a:ext cx="0" cy="320481"/>
-          </a:xfrm>
-          <a:prstGeom prst="line">
-            <a:avLst/>
-          </a:prstGeom>
-          <a:ln w="22225">
-            <a:solidFill>
-              <a:srgbClr val="7030A0"/>
-            </a:solidFill>
-          </a:ln>
-        </p:spPr>
-        <p:style>
-          <a:lnRef idx="1">
-            <a:schemeClr val="accent1"/>
-          </a:lnRef>
-          <a:fillRef idx="0">
-            <a:schemeClr val="accent1"/>
-          </a:fillRef>
-          <a:effectRef idx="0">
-            <a:schemeClr val="accent1"/>
-          </a:effectRef>
-          <a:fontRef idx="minor">
-            <a:schemeClr val="tx1"/>
-          </a:fontRef>
-        </p:style>
-      </p:cxnSp>
-      <p:sp>
-        <p:nvSpPr>
-          <p:cNvPr id="27" name="TextBox 26"/>
-          <p:cNvSpPr txBox="1"/>
-          <p:nvPr/>
-        </p:nvSpPr>
-        <p:spPr>
-          <a:xfrm>
-            <a:off x="6737469" y="5213243"/>
-            <a:ext cx="1614308" cy="369332"/>
-          </a:xfrm>
-          <a:prstGeom prst="rect">
-            <a:avLst/>
-          </a:prstGeom>
-          <a:noFill/>
-        </p:spPr>
-        <p:txBody>
-          <a:bodyPr wrap="square" rtlCol="0">
-            <a:spAutoFit/>
-          </a:bodyPr>
-          <a:lstStyle/>
-          <a:p>
-            <a:pPr algn="ctr"/>
-            <a:r>
-              <a:rPr lang="en-US" b="1" i="1" dirty="0" smtClean="0">
-                <a:solidFill>
-                  <a:srgbClr val="7030A0"/>
-                </a:solidFill>
-              </a:rPr>
-              <a:t>P &gt; 0.68</a:t>
-            </a:r>
-            <a:endParaRPr lang="en-US" b="1" i="1" dirty="0">
-              <a:solidFill>
-                <a:srgbClr val="7030A0"/>
-              </a:solidFill>
-            </a:endParaRPr>
-          </a:p>
-        </p:txBody>
-      </p:sp>
-      <p:cxnSp>
-        <p:nvCxnSpPr>
-          <p:cNvPr id="30" name="Straight Connector 29"/>
-          <p:cNvCxnSpPr/>
-          <p:nvPr/>
-        </p:nvCxnSpPr>
-        <p:spPr>
-          <a:xfrm>
-            <a:off x="5436927" y="5936401"/>
-            <a:ext cx="4223667" cy="0"/>
-          </a:xfrm>
-          <a:prstGeom prst="line">
-            <a:avLst/>
-          </a:prstGeom>
-          <a:ln w="22225">
-            <a:solidFill>
-              <a:srgbClr val="7030A0"/>
-            </a:solidFill>
-          </a:ln>
-        </p:spPr>
-        <p:style>
-          <a:lnRef idx="1">
-            <a:schemeClr val="accent1"/>
-          </a:lnRef>
-          <a:fillRef idx="0">
-            <a:schemeClr val="accent1"/>
-          </a:fillRef>
-          <a:effectRef idx="0">
-            <a:schemeClr val="accent1"/>
-          </a:effectRef>
-          <a:fontRef idx="minor">
-            <a:schemeClr val="tx1"/>
-          </a:fontRef>
-        </p:style>
-      </p:cxnSp>
-      <p:cxnSp>
-        <p:nvCxnSpPr>
-          <p:cNvPr id="31" name="Straight Connector 30"/>
-          <p:cNvCxnSpPr/>
-          <p:nvPr/>
-        </p:nvCxnSpPr>
-        <p:spPr>
-          <a:xfrm flipV="1">
-            <a:off x="9660594" y="5245101"/>
-            <a:ext cx="0" cy="691300"/>
-          </a:xfrm>
-          <a:prstGeom prst="line">
-            <a:avLst/>
-          </a:prstGeom>
-          <a:ln w="22225">
-            <a:solidFill>
-              <a:srgbClr val="7030A0"/>
-            </a:solidFill>
-          </a:ln>
-        </p:spPr>
-        <p:style>
-          <a:lnRef idx="1">
-            <a:schemeClr val="accent1"/>
-          </a:lnRef>
-          <a:fillRef idx="0">
-            <a:schemeClr val="accent1"/>
-          </a:fillRef>
-          <a:effectRef idx="0">
-            <a:schemeClr val="accent1"/>
-          </a:effectRef>
-          <a:fontRef idx="minor">
-            <a:schemeClr val="tx1"/>
-          </a:fontRef>
-        </p:style>
-      </p:cxnSp>
-      <p:cxnSp>
-        <p:nvCxnSpPr>
-          <p:cNvPr id="32" name="Straight Connector 31"/>
-          <p:cNvCxnSpPr/>
-          <p:nvPr/>
-        </p:nvCxnSpPr>
-        <p:spPr>
-          <a:xfrm flipV="1">
-            <a:off x="5436927" y="5255270"/>
-            <a:ext cx="1706" cy="681131"/>
-          </a:xfrm>
-          <a:prstGeom prst="line">
-            <a:avLst/>
-          </a:prstGeom>
-          <a:ln w="22225">
-            <a:solidFill>
-              <a:srgbClr val="7030A0"/>
-            </a:solidFill>
-          </a:ln>
-        </p:spPr>
-        <p:style>
-          <a:lnRef idx="1">
-            <a:schemeClr val="accent1"/>
-          </a:lnRef>
-          <a:fillRef idx="0">
-            <a:schemeClr val="accent1"/>
-          </a:fillRef>
-          <a:effectRef idx="0">
-            <a:schemeClr val="accent1"/>
-          </a:effectRef>
-          <a:fontRef idx="minor">
-            <a:schemeClr val="tx1"/>
-          </a:fontRef>
-        </p:style>
-      </p:cxnSp>
-      <p:sp>
-        <p:nvSpPr>
-          <p:cNvPr id="33" name="TextBox 32"/>
-          <p:cNvSpPr txBox="1"/>
-          <p:nvPr/>
-        </p:nvSpPr>
-        <p:spPr>
-          <a:xfrm>
-            <a:off x="6737469" y="5587539"/>
-            <a:ext cx="1614308" cy="369332"/>
-          </a:xfrm>
-          <a:prstGeom prst="rect">
-            <a:avLst/>
-          </a:prstGeom>
-          <a:noFill/>
-        </p:spPr>
-        <p:txBody>
-          <a:bodyPr wrap="square" rtlCol="0">
-            <a:spAutoFit/>
-          </a:bodyPr>
-          <a:lstStyle/>
-          <a:p>
-            <a:pPr algn="ctr"/>
-            <a:r>
-              <a:rPr lang="en-US" b="1" i="1" dirty="0" smtClean="0">
-                <a:solidFill>
-                  <a:srgbClr val="7030A0"/>
-                </a:solidFill>
-              </a:rPr>
-              <a:t>0.68 &lt; P &gt; 0.05</a:t>
-            </a:r>
-            <a:endParaRPr lang="en-US" b="1" i="1" dirty="0">
-              <a:solidFill>
-                <a:srgbClr val="7030A0"/>
-              </a:solidFill>
-            </a:endParaRPr>
-          </a:p>
-        </p:txBody>
-      </p:sp>
-      <p:cxnSp>
-        <p:nvCxnSpPr>
-          <p:cNvPr id="45" name="Straight Connector 44"/>
-          <p:cNvCxnSpPr/>
-          <p:nvPr/>
-        </p:nvCxnSpPr>
-        <p:spPr>
-          <a:xfrm>
-            <a:off x="4380932" y="6309696"/>
-            <a:ext cx="6346208" cy="0"/>
-          </a:xfrm>
-          <a:prstGeom prst="line">
-            <a:avLst/>
-          </a:prstGeom>
-          <a:ln w="22225">
-            <a:solidFill>
-              <a:srgbClr val="7030A0"/>
-            </a:solidFill>
-          </a:ln>
-        </p:spPr>
-        <p:style>
-          <a:lnRef idx="1">
-            <a:schemeClr val="accent1"/>
-          </a:lnRef>
-          <a:fillRef idx="0">
-            <a:schemeClr val="accent1"/>
-          </a:fillRef>
-          <a:effectRef idx="0">
-            <a:schemeClr val="accent1"/>
-          </a:effectRef>
-          <a:fontRef idx="minor">
-            <a:schemeClr val="tx1"/>
-          </a:fontRef>
-        </p:style>
-      </p:cxnSp>
-      <p:cxnSp>
-        <p:nvCxnSpPr>
-          <p:cNvPr id="46" name="Straight Connector 45"/>
-          <p:cNvCxnSpPr/>
-          <p:nvPr/>
-        </p:nvCxnSpPr>
-        <p:spPr>
-          <a:xfrm flipV="1">
-            <a:off x="10727140" y="5245101"/>
-            <a:ext cx="0" cy="1064595"/>
-          </a:xfrm>
-          <a:prstGeom prst="line">
-            <a:avLst/>
-          </a:prstGeom>
-          <a:ln w="22225">
-            <a:solidFill>
-              <a:srgbClr val="7030A0"/>
-            </a:solidFill>
-          </a:ln>
-        </p:spPr>
-        <p:style>
-          <a:lnRef idx="1">
-            <a:schemeClr val="accent1"/>
-          </a:lnRef>
-          <a:fillRef idx="0">
-            <a:schemeClr val="accent1"/>
-          </a:fillRef>
-          <a:effectRef idx="0">
-            <a:schemeClr val="accent1"/>
-          </a:effectRef>
-          <a:fontRef idx="minor">
-            <a:schemeClr val="tx1"/>
-          </a:fontRef>
-        </p:style>
-      </p:cxnSp>
-      <p:cxnSp>
-        <p:nvCxnSpPr>
-          <p:cNvPr id="47" name="Straight Connector 46"/>
-          <p:cNvCxnSpPr/>
-          <p:nvPr/>
-        </p:nvCxnSpPr>
-        <p:spPr>
-          <a:xfrm flipH="1" flipV="1">
-            <a:off x="4380079" y="5253339"/>
-            <a:ext cx="853" cy="1056358"/>
-          </a:xfrm>
-          <a:prstGeom prst="line">
-            <a:avLst/>
-          </a:prstGeom>
-          <a:ln w="22225">
-            <a:solidFill>
-              <a:srgbClr val="7030A0"/>
-            </a:solidFill>
-          </a:ln>
-        </p:spPr>
-        <p:style>
-          <a:lnRef idx="1">
-            <a:schemeClr val="accent1"/>
-          </a:lnRef>
-          <a:fillRef idx="0">
-            <a:schemeClr val="accent1"/>
-          </a:fillRef>
-          <a:effectRef idx="0">
-            <a:schemeClr val="accent1"/>
-          </a:effectRef>
-          <a:fontRef idx="minor">
-            <a:schemeClr val="tx1"/>
-          </a:fontRef>
-        </p:style>
-      </p:cxnSp>
-      <p:sp>
-        <p:nvSpPr>
-          <p:cNvPr id="48" name="TextBox 47"/>
-          <p:cNvSpPr txBox="1"/>
-          <p:nvPr/>
-        </p:nvSpPr>
-        <p:spPr>
-          <a:xfrm>
-            <a:off x="6544101" y="5984379"/>
-            <a:ext cx="2066498" cy="369332"/>
-          </a:xfrm>
-          <a:prstGeom prst="rect">
-            <a:avLst/>
-          </a:prstGeom>
-          <a:noFill/>
-        </p:spPr>
-        <p:txBody>
-          <a:bodyPr wrap="square" rtlCol="0">
-            <a:spAutoFit/>
-          </a:bodyPr>
-          <a:lstStyle/>
-          <a:p>
-            <a:pPr algn="ctr"/>
-            <a:r>
-              <a:rPr lang="en-US" b="1" i="1" dirty="0" smtClean="0">
-                <a:solidFill>
-                  <a:srgbClr val="7030A0"/>
-                </a:solidFill>
-              </a:rPr>
-              <a:t>0.05 &lt; P &gt; 0.002</a:t>
-            </a:r>
-            <a:endParaRPr lang="en-US" b="1" i="1" dirty="0">
-              <a:solidFill>
-                <a:srgbClr val="7030A0"/>
-              </a:solidFill>
-            </a:endParaRPr>
-          </a:p>
-        </p:txBody>
-      </p:sp>
-      <p:sp>
-        <p:nvSpPr>
-          <p:cNvPr id="54" name="TextBox 53"/>
-          <p:cNvSpPr txBox="1"/>
-          <p:nvPr/>
-        </p:nvSpPr>
-        <p:spPr>
-          <a:xfrm>
-            <a:off x="3022589" y="5523053"/>
-            <a:ext cx="1614308" cy="369332"/>
-          </a:xfrm>
-          <a:prstGeom prst="rect">
-            <a:avLst/>
-          </a:prstGeom>
-          <a:noFill/>
-        </p:spPr>
-        <p:txBody>
-          <a:bodyPr wrap="square" rtlCol="0">
-            <a:spAutoFit/>
-          </a:bodyPr>
-          <a:lstStyle/>
-          <a:p>
-            <a:pPr algn="ctr"/>
-            <a:r>
-              <a:rPr lang="en-US" b="1" i="1" dirty="0" smtClean="0">
-                <a:solidFill>
-                  <a:srgbClr val="7030A0"/>
-                </a:solidFill>
-              </a:rPr>
-              <a:t>P &lt; 0.002</a:t>
-            </a:r>
-            <a:endParaRPr lang="en-US" b="1" i="1" dirty="0">
-              <a:solidFill>
-                <a:srgbClr val="7030A0"/>
-              </a:solidFill>
-            </a:endParaRPr>
-          </a:p>
-        </p:txBody>
-      </p:sp>
-      <p:sp>
-        <p:nvSpPr>
-          <p:cNvPr id="55" name="TextBox 54"/>
-          <p:cNvSpPr txBox="1"/>
-          <p:nvPr/>
-        </p:nvSpPr>
-        <p:spPr>
-          <a:xfrm>
-            <a:off x="10440784" y="5523052"/>
-            <a:ext cx="1614308" cy="369332"/>
-          </a:xfrm>
-          <a:prstGeom prst="rect">
-            <a:avLst/>
-          </a:prstGeom>
-          <a:noFill/>
-        </p:spPr>
-        <p:txBody>
-          <a:bodyPr wrap="square" rtlCol="0">
-            <a:spAutoFit/>
-          </a:bodyPr>
-          <a:lstStyle/>
-          <a:p>
-            <a:pPr algn="ctr"/>
-            <a:r>
-              <a:rPr lang="en-US" b="1" i="1" dirty="0" smtClean="0">
-                <a:solidFill>
-                  <a:srgbClr val="7030A0"/>
-                </a:solidFill>
-              </a:rPr>
-              <a:t>P &lt; 0.002</a:t>
-            </a:r>
-            <a:endParaRPr lang="en-US" b="1" i="1" dirty="0">
-              <a:solidFill>
-                <a:srgbClr val="7030A0"/>
-              </a:solidFill>
-            </a:endParaRPr>
-          </a:p>
-        </p:txBody>
-      </p:sp>
     </p:spTree>
     <p:extLst>
       <p:ext uri="{BB962C8B-B14F-4D97-AF65-F5344CB8AC3E}">
-        <p14:creationId xmlns:p14="http://schemas.microsoft.com/office/powerpoint/2010/main" val="2326634684"/>
+        <p14:creationId xmlns:p14="http://schemas.microsoft.com/office/powerpoint/2010/main" val="163718531"/>
       </p:ext>
     </p:extLst>
   </p:cSld>
@@ -5485,205 +4842,10 @@
           </a:p>
         </p:txBody>
       </p:sp>
-      <p:cxnSp>
-        <p:nvCxnSpPr>
-          <p:cNvPr id="26" name="Straight Connector 25"/>
-          <p:cNvCxnSpPr/>
-          <p:nvPr/>
-        </p:nvCxnSpPr>
-        <p:spPr>
-          <a:xfrm flipV="1">
-            <a:off x="5436927" y="2216542"/>
-            <a:ext cx="1" cy="1887474"/>
-          </a:xfrm>
-          <a:prstGeom prst="line">
-            <a:avLst/>
-          </a:prstGeom>
-          <a:ln w="34925">
-            <a:solidFill>
-              <a:schemeClr val="accent6">
-                <a:lumMod val="50000"/>
-              </a:schemeClr>
-            </a:solidFill>
-          </a:ln>
-        </p:spPr>
-        <p:style>
-          <a:lnRef idx="1">
-            <a:schemeClr val="accent1"/>
-          </a:lnRef>
-          <a:fillRef idx="0">
-            <a:schemeClr val="accent1"/>
-          </a:fillRef>
-          <a:effectRef idx="0">
-            <a:schemeClr val="accent1"/>
-          </a:effectRef>
-          <a:fontRef idx="minor">
-            <a:schemeClr val="tx1"/>
-          </a:fontRef>
-        </p:style>
-      </p:cxnSp>
-      <p:cxnSp>
-        <p:nvCxnSpPr>
-          <p:cNvPr id="28" name="Straight Connector 27"/>
-          <p:cNvCxnSpPr/>
-          <p:nvPr/>
-        </p:nvCxnSpPr>
-        <p:spPr>
-          <a:xfrm flipV="1">
-            <a:off x="9660594" y="2209881"/>
-            <a:ext cx="1" cy="1894135"/>
-          </a:xfrm>
-          <a:prstGeom prst="line">
-            <a:avLst/>
-          </a:prstGeom>
-          <a:ln w="34925">
-            <a:solidFill>
-              <a:schemeClr val="accent6">
-                <a:lumMod val="50000"/>
-              </a:schemeClr>
-            </a:solidFill>
-          </a:ln>
-        </p:spPr>
-        <p:style>
-          <a:lnRef idx="1">
-            <a:schemeClr val="accent1"/>
-          </a:lnRef>
-          <a:fillRef idx="0">
-            <a:schemeClr val="accent1"/>
-          </a:fillRef>
-          <a:effectRef idx="0">
-            <a:schemeClr val="accent1"/>
-          </a:effectRef>
-          <a:fontRef idx="minor">
-            <a:schemeClr val="tx1"/>
-          </a:fontRef>
-        </p:style>
-      </p:cxnSp>
-      <p:cxnSp>
-        <p:nvCxnSpPr>
-          <p:cNvPr id="29" name="Straight Connector 28"/>
-          <p:cNvCxnSpPr/>
-          <p:nvPr/>
-        </p:nvCxnSpPr>
-        <p:spPr>
-          <a:xfrm flipH="1">
-            <a:off x="4839067" y="2763946"/>
-            <a:ext cx="425833" cy="3163"/>
-          </a:xfrm>
-          <a:prstGeom prst="line">
-            <a:avLst/>
-          </a:prstGeom>
-          <a:ln w="34925">
-            <a:solidFill>
-              <a:schemeClr val="accent6">
-                <a:lumMod val="50000"/>
-              </a:schemeClr>
-            </a:solidFill>
-            <a:tailEnd type="triangle" w="lg" len="lg"/>
-          </a:ln>
-        </p:spPr>
-        <p:style>
-          <a:lnRef idx="1">
-            <a:schemeClr val="accent1"/>
-          </a:lnRef>
-          <a:fillRef idx="0">
-            <a:schemeClr val="accent1"/>
-          </a:fillRef>
-          <a:effectRef idx="0">
-            <a:schemeClr val="accent1"/>
-          </a:effectRef>
-          <a:fontRef idx="minor">
-            <a:schemeClr val="tx1"/>
-          </a:fontRef>
-        </p:style>
-      </p:cxnSp>
-      <p:cxnSp>
-        <p:nvCxnSpPr>
-          <p:cNvPr id="35" name="Straight Connector 34"/>
-          <p:cNvCxnSpPr/>
-          <p:nvPr/>
-        </p:nvCxnSpPr>
-        <p:spPr>
-          <a:xfrm>
-            <a:off x="9773493" y="2733208"/>
-            <a:ext cx="460781" cy="0"/>
-          </a:xfrm>
-          <a:prstGeom prst="line">
-            <a:avLst/>
-          </a:prstGeom>
-          <a:ln w="34925">
-            <a:solidFill>
-              <a:schemeClr val="accent6">
-                <a:lumMod val="50000"/>
-              </a:schemeClr>
-            </a:solidFill>
-            <a:tailEnd type="triangle" w="lg" len="lg"/>
-          </a:ln>
-        </p:spPr>
-        <p:style>
-          <a:lnRef idx="1">
-            <a:schemeClr val="accent1"/>
-          </a:lnRef>
-          <a:fillRef idx="0">
-            <a:schemeClr val="accent1"/>
-          </a:fillRef>
-          <a:effectRef idx="0">
-            <a:schemeClr val="accent1"/>
-          </a:effectRef>
-          <a:fontRef idx="minor">
-            <a:schemeClr val="tx1"/>
-          </a:fontRef>
-        </p:style>
-      </p:cxnSp>
-      <p:sp>
-        <p:nvSpPr>
-          <p:cNvPr id="12" name="TextBox 11"/>
-          <p:cNvSpPr txBox="1"/>
-          <p:nvPr/>
-        </p:nvSpPr>
-        <p:spPr>
-          <a:xfrm>
-            <a:off x="5524325" y="3668407"/>
-            <a:ext cx="4081985" cy="584775"/>
-          </a:xfrm>
-          <a:prstGeom prst="rect">
-            <a:avLst/>
-          </a:prstGeom>
-          <a:solidFill>
-            <a:schemeClr val="bg1"/>
-          </a:solidFill>
-        </p:spPr>
-        <p:txBody>
-          <a:bodyPr wrap="square" rtlCol="0">
-            <a:spAutoFit/>
-          </a:bodyPr>
-          <a:lstStyle/>
-          <a:p>
-            <a:pPr algn="ctr"/>
-            <a:r>
-              <a:rPr lang="en-US" sz="1600" b="1" dirty="0" smtClean="0">
-                <a:solidFill>
-                  <a:schemeClr val="accent6">
-                    <a:lumMod val="50000"/>
-                  </a:schemeClr>
-                </a:solidFill>
-              </a:rPr>
-              <a:t>Only 5 % of Null Hypothesis tests would be outside these lines (~ 95% confidence)</a:t>
-            </a:r>
-            <a:endParaRPr lang="en-US" sz="1600" b="1" dirty="0">
-              <a:solidFill>
-                <a:schemeClr val="accent6">
-                  <a:lumMod val="50000"/>
-                </a:schemeClr>
-              </a:solidFill>
-            </a:endParaRPr>
-          </a:p>
-        </p:txBody>
-      </p:sp>
     </p:spTree>
     <p:extLst>
       <p:ext uri="{BB962C8B-B14F-4D97-AF65-F5344CB8AC3E}">
-        <p14:creationId xmlns:p14="http://schemas.microsoft.com/office/powerpoint/2010/main" val="1022500776"/>
+        <p14:creationId xmlns:p14="http://schemas.microsoft.com/office/powerpoint/2010/main" val="2326634684"/>
       </p:ext>
     </p:extLst>
   </p:cSld>
@@ -5710,6 +4872,29 @@
           <a:chExt cx="0" cy="0"/>
         </a:xfrm>
       </p:grpSpPr>
+      <p:pic>
+        <p:nvPicPr>
+          <p:cNvPr id="5" name="Picture 4"/>
+          <p:cNvPicPr>
+            <a:picLocks noChangeAspect="1"/>
+          </p:cNvPicPr>
+          <p:nvPr/>
+        </p:nvPicPr>
+        <p:blipFill rotWithShape="1">
+          <a:blip r:embed="rId2"/>
+          <a:srcRect l="1158" t="11544" r="30000" b="13229"/>
+          <a:stretch/>
+        </p:blipFill>
+        <p:spPr>
+          <a:xfrm>
+            <a:off x="1407698" y="266700"/>
+            <a:ext cx="10756382" cy="6611722"/>
+          </a:xfrm>
+          <a:prstGeom prst="rect">
+            <a:avLst/>
+          </a:prstGeom>
+        </p:spPr>
+      </p:pic>
       <p:sp>
         <p:nvSpPr>
           <p:cNvPr id="2" name="Title 1"/>
@@ -5720,41 +4905,111 @@
             <p:ph type="title"/>
           </p:nvPr>
         </p:nvSpPr>
-        <p:spPr/>
-        <p:txBody>
-          <a:bodyPr>
-            <a:normAutofit/>
+        <p:spPr>
+          <a:xfrm>
+            <a:off x="104273" y="-38185"/>
+            <a:ext cx="10515600" cy="1325563"/>
+          </a:xfrm>
+        </p:spPr>
+        <p:txBody>
+          <a:bodyPr/>
+          <a:lstStyle/>
+          <a:p>
+            <a:r>
+              <a:rPr lang="en-US" dirty="0" smtClean="0"/>
+              <a:t>What is a normal distribution?</a:t>
+            </a:r>
+            <a:endParaRPr lang="en-US" dirty="0"/>
+          </a:p>
+        </p:txBody>
+      </p:sp>
+      <p:sp>
+        <p:nvSpPr>
+          <p:cNvPr id="6" name="TextBox 5"/>
+          <p:cNvSpPr txBox="1"/>
+          <p:nvPr/>
+        </p:nvSpPr>
+        <p:spPr>
+          <a:xfrm>
+            <a:off x="38771" y="6388100"/>
+            <a:ext cx="637867" cy="461665"/>
+          </a:xfrm>
+          <a:prstGeom prst="rect">
+            <a:avLst/>
+          </a:prstGeom>
+          <a:noFill/>
+        </p:spPr>
+        <p:txBody>
+          <a:bodyPr wrap="none" rtlCol="0">
+            <a:spAutoFit/>
           </a:bodyPr>
           <a:lstStyle/>
           <a:p>
             <a:r>
-              <a:rPr lang="en-US" b="1" i="1" dirty="0">
-                <a:solidFill>
-                  <a:schemeClr val="bg1"/>
-                </a:solidFill>
+              <a:rPr lang="en-US" sz="1200" dirty="0" smtClean="0"/>
+              <a:t>Credit: </a:t>
+            </a:r>
+          </a:p>
+          <a:p>
+            <a:r>
+              <a:rPr lang="en-US" sz="1200" dirty="0" err="1" smtClean="0">
+                <a:hlinkClick r:id="rId3"/>
               </a:rPr>
-              <a:t>Can Money Buy Happiness</a:t>
-            </a:r>
-            <a:r>
-              <a:rPr lang="en-US" b="1" i="1" dirty="0" smtClean="0">
-                <a:solidFill>
-                  <a:schemeClr val="bg1"/>
-                </a:solidFill>
+              <a:t>Heds</a:t>
+            </a:r>
+            <a:r>
+              <a:rPr lang="en-US" sz="1200" dirty="0" smtClean="0">
+                <a:hlinkClick r:id="rId3"/>
               </a:rPr>
-              <a:t>?</a:t>
-            </a:r>
-            <a:r>
-              <a:rPr lang="en-US" b="1" i="1" dirty="0" smtClean="0"/>
-              <a:t/>
-            </a:r>
-            <a:br>
-              <a:rPr lang="en-US" b="1" i="1" dirty="0" smtClean="0"/>
-            </a:br>
-            <a:r>
-              <a:rPr lang="en-US" sz="3600" dirty="0" smtClean="0"/>
-              <a:t>Example 1. NHST – Comparing Means</a:t>
-            </a:r>
-            <a:endParaRPr lang="en-US" sz="3600" b="1" dirty="0"/>
+              <a:t> 1</a:t>
+            </a:r>
+            <a:endParaRPr lang="en-US" sz="1200" dirty="0"/>
+          </a:p>
+        </p:txBody>
+      </p:sp>
+      <p:sp>
+        <p:nvSpPr>
+          <p:cNvPr id="3" name="Rectangle 2"/>
+          <p:cNvSpPr/>
+          <p:nvPr/>
+        </p:nvSpPr>
+        <p:spPr>
+          <a:xfrm>
+            <a:off x="2870200" y="1287378"/>
+            <a:ext cx="1993900" cy="2731911"/>
+          </a:xfrm>
+          <a:prstGeom prst="rect">
+            <a:avLst/>
+          </a:prstGeom>
+          <a:solidFill>
+            <a:schemeClr val="bg1"/>
+          </a:solidFill>
+          <a:ln>
+            <a:noFill/>
+          </a:ln>
+        </p:spPr>
+        <p:style>
+          <a:lnRef idx="2">
+            <a:schemeClr val="accent1">
+              <a:shade val="50000"/>
+            </a:schemeClr>
+          </a:lnRef>
+          <a:fillRef idx="1">
+            <a:schemeClr val="accent1"/>
+          </a:fillRef>
+          <a:effectRef idx="0">
+            <a:schemeClr val="accent1"/>
+          </a:effectRef>
+          <a:fontRef idx="minor">
+            <a:schemeClr val="lt1"/>
+          </a:fontRef>
+        </p:style>
+        <p:txBody>
+          <a:bodyPr rtlCol="0" anchor="ctr"/>
+          <a:lstStyle/>
+          <a:p>
+            <a:pPr algn="ctr"/>
+            <a:endParaRPr lang="en-US"/>
           </a:p>
         </p:txBody>
       </p:sp>
@@ -5783,19 +5038,28 @@
       </p:sp>
       <p:sp>
         <p:nvSpPr>
-          <p:cNvPr id="3" name="TextBox 2"/>
+          <p:cNvPr id="8" name="TextBox 7"/>
           <p:cNvSpPr txBox="1"/>
           <p:nvPr/>
         </p:nvSpPr>
         <p:spPr>
           <a:xfrm>
-            <a:off x="838200" y="1557554"/>
-            <a:ext cx="9993086" cy="3046988"/>
+            <a:off x="171217" y="3095959"/>
+            <a:ext cx="2472962" cy="923330"/>
           </a:xfrm>
           <a:prstGeom prst="rect">
             <a:avLst/>
           </a:prstGeom>
-          <a:noFill/>
+          <a:solidFill>
+            <a:schemeClr val="bg1">
+              <a:lumMod val="95000"/>
+            </a:schemeClr>
+          </a:solidFill>
+          <a:ln>
+            <a:solidFill>
+              <a:srgbClr val="7030A0"/>
+            </a:solidFill>
+          </a:ln>
         </p:spPr>
         <p:txBody>
           <a:bodyPr wrap="square" rtlCol="0">
@@ -5803,67 +5067,902 @@
           </a:bodyPr>
           <a:lstStyle/>
           <a:p>
-            <a:r>
-              <a:rPr lang="en-US" sz="2400" dirty="0" smtClean="0"/>
-              <a:t>Comparing means</a:t>
-            </a:r>
-          </a:p>
-          <a:p>
-            <a:pPr marL="342900" indent="-342900">
-              <a:buFont typeface="Arial" panose="020B0604020202020204" pitchFamily="34" charset="0"/>
-              <a:buChar char="•"/>
-            </a:pPr>
-            <a:r>
-              <a:rPr lang="en-US" sz="2400" dirty="0" smtClean="0"/>
-              <a:t>Experiment (randomized controlled trial)</a:t>
-            </a:r>
-          </a:p>
-          <a:p>
-            <a:pPr marL="800100" lvl="1" indent="-342900">
-              <a:buFont typeface="Arial" panose="020B0604020202020204" pitchFamily="34" charset="0"/>
-              <a:buChar char="•"/>
-            </a:pPr>
-            <a:r>
-              <a:rPr lang="en-US" sz="2400" dirty="0" smtClean="0"/>
-              <a:t>Zero difference in infection rates between vaccine and placebo groups</a:t>
-            </a:r>
-          </a:p>
-          <a:p>
-            <a:pPr marL="800100" lvl="1" indent="-342900">
-              <a:buFont typeface="Arial" panose="020B0604020202020204" pitchFamily="34" charset="0"/>
-              <a:buChar char="•"/>
-            </a:pPr>
-            <a:r>
-              <a:rPr lang="en-US" sz="2400" dirty="0" smtClean="0"/>
-              <a:t>Zero difference in employer call-back rates for job candidates with ethnic versus native surnames</a:t>
-            </a:r>
-          </a:p>
-          <a:p>
-            <a:pPr marL="342900" indent="-342900">
-              <a:buFont typeface="Arial" panose="020B0604020202020204" pitchFamily="34" charset="0"/>
-              <a:buChar char="•"/>
-            </a:pPr>
-            <a:r>
-              <a:rPr lang="en-US" sz="2400" dirty="0" smtClean="0"/>
-              <a:t>Experiment (intervention)</a:t>
-            </a:r>
-          </a:p>
-          <a:p>
-            <a:pPr marL="800100" lvl="1" indent="-342900">
-              <a:buFont typeface="Arial" panose="020B0604020202020204" pitchFamily="34" charset="0"/>
-              <a:buChar char="•"/>
-            </a:pPr>
-            <a:r>
-              <a:rPr lang="en-US" sz="2400" dirty="0" smtClean="0"/>
-              <a:t>Zero difference between adolescent test scores between schools with the introduction of different teaching techniques</a:t>
-            </a:r>
+            <a:pPr algn="ctr"/>
+            <a:r>
+              <a:rPr lang="en-US" dirty="0" smtClean="0">
+                <a:solidFill>
+                  <a:srgbClr val="7030A0"/>
+                </a:solidFill>
+              </a:rPr>
+              <a:t>P-Values</a:t>
+            </a:r>
+          </a:p>
+          <a:p>
+            <a:pPr algn="ctr"/>
+            <a:r>
+              <a:rPr lang="en-US" dirty="0" smtClean="0">
+                <a:solidFill>
+                  <a:srgbClr val="7030A0"/>
+                </a:solidFill>
+              </a:rPr>
+              <a:t>(if all assumptions are true)</a:t>
+            </a:r>
+          </a:p>
+        </p:txBody>
+      </p:sp>
+      <p:sp>
+        <p:nvSpPr>
+          <p:cNvPr id="9" name="Arc 8"/>
+          <p:cNvSpPr/>
+          <p:nvPr/>
+        </p:nvSpPr>
+        <p:spPr>
+          <a:xfrm>
+            <a:off x="357704" y="3210787"/>
+            <a:ext cx="3083139" cy="1617003"/>
+          </a:xfrm>
+          <a:prstGeom prst="arc">
+            <a:avLst>
+              <a:gd name="adj1" fmla="val 7444638"/>
+              <a:gd name="adj2" fmla="val 10800000"/>
+            </a:avLst>
+          </a:prstGeom>
+          <a:ln w="25400">
+            <a:solidFill>
+              <a:srgbClr val="7030A0"/>
+            </a:solidFill>
+            <a:headEnd type="triangle" w="lg" len="lg"/>
+            <a:tailEnd type="none" w="lg" len="lg"/>
+          </a:ln>
+        </p:spPr>
+        <p:style>
+          <a:lnRef idx="1">
+            <a:schemeClr val="accent1"/>
+          </a:lnRef>
+          <a:fillRef idx="0">
+            <a:schemeClr val="accent1"/>
+          </a:fillRef>
+          <a:effectRef idx="0">
+            <a:schemeClr val="accent1"/>
+          </a:effectRef>
+          <a:fontRef idx="minor">
+            <a:schemeClr val="tx1"/>
+          </a:fontRef>
+        </p:style>
+        <p:txBody>
+          <a:bodyPr rtlCol="0" anchor="ctr"/>
+          <a:lstStyle/>
+          <a:p>
+            <a:pPr algn="ctr"/>
+            <a:endParaRPr lang="en-US"/>
+          </a:p>
+        </p:txBody>
+      </p:sp>
+      <p:cxnSp>
+        <p:nvCxnSpPr>
+          <p:cNvPr id="11" name="Straight Connector 10"/>
+          <p:cNvCxnSpPr/>
+          <p:nvPr/>
+        </p:nvCxnSpPr>
+        <p:spPr>
+          <a:xfrm flipV="1">
+            <a:off x="1407698" y="5088153"/>
+            <a:ext cx="1754602" cy="0"/>
+          </a:xfrm>
+          <a:prstGeom prst="line">
+            <a:avLst/>
+          </a:prstGeom>
+          <a:ln w="22225">
+            <a:solidFill>
+              <a:srgbClr val="7030A0"/>
+            </a:solidFill>
+          </a:ln>
+        </p:spPr>
+        <p:style>
+          <a:lnRef idx="1">
+            <a:schemeClr val="accent1"/>
+          </a:lnRef>
+          <a:fillRef idx="0">
+            <a:schemeClr val="accent1"/>
+          </a:fillRef>
+          <a:effectRef idx="0">
+            <a:schemeClr val="accent1"/>
+          </a:effectRef>
+          <a:fontRef idx="minor">
+            <a:schemeClr val="tx1"/>
+          </a:fontRef>
+        </p:style>
+      </p:cxnSp>
+      <p:sp>
+        <p:nvSpPr>
+          <p:cNvPr id="13" name="Rectangle 12"/>
+          <p:cNvSpPr/>
+          <p:nvPr/>
+        </p:nvSpPr>
+        <p:spPr>
+          <a:xfrm>
+            <a:off x="0" y="5245100"/>
+            <a:ext cx="12065000" cy="1633322"/>
+          </a:xfrm>
+          <a:prstGeom prst="rect">
+            <a:avLst/>
+          </a:prstGeom>
+          <a:solidFill>
+            <a:schemeClr val="bg1"/>
+          </a:solidFill>
+          <a:ln>
+            <a:noFill/>
+          </a:ln>
+        </p:spPr>
+        <p:style>
+          <a:lnRef idx="2">
+            <a:schemeClr val="accent1">
+              <a:shade val="50000"/>
+            </a:schemeClr>
+          </a:lnRef>
+          <a:fillRef idx="1">
+            <a:schemeClr val="accent1"/>
+          </a:fillRef>
+          <a:effectRef idx="0">
+            <a:schemeClr val="accent1"/>
+          </a:effectRef>
+          <a:fontRef idx="minor">
+            <a:schemeClr val="lt1"/>
+          </a:fontRef>
+        </p:style>
+        <p:txBody>
+          <a:bodyPr rtlCol="0" anchor="ctr"/>
+          <a:lstStyle/>
+          <a:p>
+            <a:pPr algn="ctr"/>
+            <a:endParaRPr lang="en-US"/>
+          </a:p>
+        </p:txBody>
+      </p:sp>
+      <p:cxnSp>
+        <p:nvCxnSpPr>
+          <p:cNvPr id="15" name="Straight Connector 14"/>
+          <p:cNvCxnSpPr/>
+          <p:nvPr/>
+        </p:nvCxnSpPr>
+        <p:spPr>
+          <a:xfrm>
+            <a:off x="3440843" y="4948453"/>
+            <a:ext cx="8281257" cy="0"/>
+          </a:xfrm>
+          <a:prstGeom prst="line">
+            <a:avLst/>
+          </a:prstGeom>
+          <a:ln w="22225">
+            <a:solidFill>
+              <a:srgbClr val="7030A0"/>
+            </a:solidFill>
+          </a:ln>
+        </p:spPr>
+        <p:style>
+          <a:lnRef idx="1">
+            <a:schemeClr val="accent1"/>
+          </a:lnRef>
+          <a:fillRef idx="0">
+            <a:schemeClr val="accent1"/>
+          </a:fillRef>
+          <a:effectRef idx="0">
+            <a:schemeClr val="accent1"/>
+          </a:effectRef>
+          <a:fontRef idx="minor">
+            <a:schemeClr val="tx1"/>
+          </a:fontRef>
+        </p:style>
+      </p:cxnSp>
+      <p:cxnSp>
+        <p:nvCxnSpPr>
+          <p:cNvPr id="18" name="Straight Connector 17"/>
+          <p:cNvCxnSpPr/>
+          <p:nvPr/>
+        </p:nvCxnSpPr>
+        <p:spPr>
+          <a:xfrm>
+            <a:off x="6494628" y="5575751"/>
+            <a:ext cx="2115972" cy="0"/>
+          </a:xfrm>
+          <a:prstGeom prst="line">
+            <a:avLst/>
+          </a:prstGeom>
+          <a:ln w="22225">
+            <a:solidFill>
+              <a:srgbClr val="7030A0"/>
+            </a:solidFill>
+          </a:ln>
+        </p:spPr>
+        <p:style>
+          <a:lnRef idx="1">
+            <a:schemeClr val="accent1"/>
+          </a:lnRef>
+          <a:fillRef idx="0">
+            <a:schemeClr val="accent1"/>
+          </a:fillRef>
+          <a:effectRef idx="0">
+            <a:schemeClr val="accent1"/>
+          </a:effectRef>
+          <a:fontRef idx="minor">
+            <a:schemeClr val="tx1"/>
+          </a:fontRef>
+        </p:style>
+      </p:cxnSp>
+      <p:cxnSp>
+        <p:nvCxnSpPr>
+          <p:cNvPr id="21" name="Straight Connector 20"/>
+          <p:cNvCxnSpPr/>
+          <p:nvPr/>
+        </p:nvCxnSpPr>
+        <p:spPr>
+          <a:xfrm flipV="1">
+            <a:off x="8610600" y="5245100"/>
+            <a:ext cx="0" cy="330651"/>
+          </a:xfrm>
+          <a:prstGeom prst="line">
+            <a:avLst/>
+          </a:prstGeom>
+          <a:ln w="22225">
+            <a:solidFill>
+              <a:srgbClr val="7030A0"/>
+            </a:solidFill>
+          </a:ln>
+        </p:spPr>
+        <p:style>
+          <a:lnRef idx="1">
+            <a:schemeClr val="accent1"/>
+          </a:lnRef>
+          <a:fillRef idx="0">
+            <a:schemeClr val="accent1"/>
+          </a:fillRef>
+          <a:effectRef idx="0">
+            <a:schemeClr val="accent1"/>
+          </a:effectRef>
+          <a:fontRef idx="minor">
+            <a:schemeClr val="tx1"/>
+          </a:fontRef>
+        </p:style>
+      </p:cxnSp>
+      <p:cxnSp>
+        <p:nvCxnSpPr>
+          <p:cNvPr id="25" name="Straight Connector 24"/>
+          <p:cNvCxnSpPr/>
+          <p:nvPr/>
+        </p:nvCxnSpPr>
+        <p:spPr>
+          <a:xfrm flipV="1">
+            <a:off x="6494628" y="5255270"/>
+            <a:ext cx="0" cy="320481"/>
+          </a:xfrm>
+          <a:prstGeom prst="line">
+            <a:avLst/>
+          </a:prstGeom>
+          <a:ln w="22225">
+            <a:solidFill>
+              <a:srgbClr val="7030A0"/>
+            </a:solidFill>
+          </a:ln>
+        </p:spPr>
+        <p:style>
+          <a:lnRef idx="1">
+            <a:schemeClr val="accent1"/>
+          </a:lnRef>
+          <a:fillRef idx="0">
+            <a:schemeClr val="accent1"/>
+          </a:fillRef>
+          <a:effectRef idx="0">
+            <a:schemeClr val="accent1"/>
+          </a:effectRef>
+          <a:fontRef idx="minor">
+            <a:schemeClr val="tx1"/>
+          </a:fontRef>
+        </p:style>
+      </p:cxnSp>
+      <p:sp>
+        <p:nvSpPr>
+          <p:cNvPr id="27" name="TextBox 26"/>
+          <p:cNvSpPr txBox="1"/>
+          <p:nvPr/>
+        </p:nvSpPr>
+        <p:spPr>
+          <a:xfrm>
+            <a:off x="6737469" y="5213243"/>
+            <a:ext cx="1614308" cy="369332"/>
+          </a:xfrm>
+          <a:prstGeom prst="rect">
+            <a:avLst/>
+          </a:prstGeom>
+          <a:noFill/>
+        </p:spPr>
+        <p:txBody>
+          <a:bodyPr wrap="square" rtlCol="0">
+            <a:spAutoFit/>
+          </a:bodyPr>
+          <a:lstStyle/>
+          <a:p>
+            <a:pPr algn="ctr"/>
+            <a:r>
+              <a:rPr lang="en-US" b="1" i="1" dirty="0" smtClean="0">
+                <a:solidFill>
+                  <a:srgbClr val="7030A0"/>
+                </a:solidFill>
+              </a:rPr>
+              <a:t>P &gt; 0.68</a:t>
+            </a:r>
+            <a:endParaRPr lang="en-US" b="1" i="1" dirty="0">
+              <a:solidFill>
+                <a:srgbClr val="7030A0"/>
+              </a:solidFill>
+            </a:endParaRPr>
+          </a:p>
+        </p:txBody>
+      </p:sp>
+      <p:cxnSp>
+        <p:nvCxnSpPr>
+          <p:cNvPr id="30" name="Straight Connector 29"/>
+          <p:cNvCxnSpPr/>
+          <p:nvPr/>
+        </p:nvCxnSpPr>
+        <p:spPr>
+          <a:xfrm>
+            <a:off x="5436927" y="5936401"/>
+            <a:ext cx="4223667" cy="0"/>
+          </a:xfrm>
+          <a:prstGeom prst="line">
+            <a:avLst/>
+          </a:prstGeom>
+          <a:ln w="22225">
+            <a:solidFill>
+              <a:srgbClr val="7030A0"/>
+            </a:solidFill>
+          </a:ln>
+        </p:spPr>
+        <p:style>
+          <a:lnRef idx="1">
+            <a:schemeClr val="accent1"/>
+          </a:lnRef>
+          <a:fillRef idx="0">
+            <a:schemeClr val="accent1"/>
+          </a:fillRef>
+          <a:effectRef idx="0">
+            <a:schemeClr val="accent1"/>
+          </a:effectRef>
+          <a:fontRef idx="minor">
+            <a:schemeClr val="tx1"/>
+          </a:fontRef>
+        </p:style>
+      </p:cxnSp>
+      <p:cxnSp>
+        <p:nvCxnSpPr>
+          <p:cNvPr id="31" name="Straight Connector 30"/>
+          <p:cNvCxnSpPr/>
+          <p:nvPr/>
+        </p:nvCxnSpPr>
+        <p:spPr>
+          <a:xfrm flipV="1">
+            <a:off x="9660594" y="5245101"/>
+            <a:ext cx="0" cy="691300"/>
+          </a:xfrm>
+          <a:prstGeom prst="line">
+            <a:avLst/>
+          </a:prstGeom>
+          <a:ln w="22225">
+            <a:solidFill>
+              <a:srgbClr val="7030A0"/>
+            </a:solidFill>
+          </a:ln>
+        </p:spPr>
+        <p:style>
+          <a:lnRef idx="1">
+            <a:schemeClr val="accent1"/>
+          </a:lnRef>
+          <a:fillRef idx="0">
+            <a:schemeClr val="accent1"/>
+          </a:fillRef>
+          <a:effectRef idx="0">
+            <a:schemeClr val="accent1"/>
+          </a:effectRef>
+          <a:fontRef idx="minor">
+            <a:schemeClr val="tx1"/>
+          </a:fontRef>
+        </p:style>
+      </p:cxnSp>
+      <p:cxnSp>
+        <p:nvCxnSpPr>
+          <p:cNvPr id="32" name="Straight Connector 31"/>
+          <p:cNvCxnSpPr/>
+          <p:nvPr/>
+        </p:nvCxnSpPr>
+        <p:spPr>
+          <a:xfrm flipV="1">
+            <a:off x="5436927" y="5255270"/>
+            <a:ext cx="1706" cy="681131"/>
+          </a:xfrm>
+          <a:prstGeom prst="line">
+            <a:avLst/>
+          </a:prstGeom>
+          <a:ln w="22225">
+            <a:solidFill>
+              <a:srgbClr val="7030A0"/>
+            </a:solidFill>
+          </a:ln>
+        </p:spPr>
+        <p:style>
+          <a:lnRef idx="1">
+            <a:schemeClr val="accent1"/>
+          </a:lnRef>
+          <a:fillRef idx="0">
+            <a:schemeClr val="accent1"/>
+          </a:fillRef>
+          <a:effectRef idx="0">
+            <a:schemeClr val="accent1"/>
+          </a:effectRef>
+          <a:fontRef idx="minor">
+            <a:schemeClr val="tx1"/>
+          </a:fontRef>
+        </p:style>
+      </p:cxnSp>
+      <p:sp>
+        <p:nvSpPr>
+          <p:cNvPr id="33" name="TextBox 32"/>
+          <p:cNvSpPr txBox="1"/>
+          <p:nvPr/>
+        </p:nvSpPr>
+        <p:spPr>
+          <a:xfrm>
+            <a:off x="6737469" y="5587539"/>
+            <a:ext cx="1614308" cy="369332"/>
+          </a:xfrm>
+          <a:prstGeom prst="rect">
+            <a:avLst/>
+          </a:prstGeom>
+          <a:noFill/>
+        </p:spPr>
+        <p:txBody>
+          <a:bodyPr wrap="square" rtlCol="0">
+            <a:spAutoFit/>
+          </a:bodyPr>
+          <a:lstStyle/>
+          <a:p>
+            <a:pPr algn="ctr"/>
+            <a:r>
+              <a:rPr lang="en-US" b="1" i="1" dirty="0" smtClean="0">
+                <a:solidFill>
+                  <a:srgbClr val="7030A0"/>
+                </a:solidFill>
+              </a:rPr>
+              <a:t>0.68 &lt; P &gt; 0.05</a:t>
+            </a:r>
+            <a:endParaRPr lang="en-US" b="1" i="1" dirty="0">
+              <a:solidFill>
+                <a:srgbClr val="7030A0"/>
+              </a:solidFill>
+            </a:endParaRPr>
+          </a:p>
+        </p:txBody>
+      </p:sp>
+      <p:cxnSp>
+        <p:nvCxnSpPr>
+          <p:cNvPr id="45" name="Straight Connector 44"/>
+          <p:cNvCxnSpPr/>
+          <p:nvPr/>
+        </p:nvCxnSpPr>
+        <p:spPr>
+          <a:xfrm>
+            <a:off x="4380932" y="6309696"/>
+            <a:ext cx="6346208" cy="0"/>
+          </a:xfrm>
+          <a:prstGeom prst="line">
+            <a:avLst/>
+          </a:prstGeom>
+          <a:ln w="22225">
+            <a:solidFill>
+              <a:srgbClr val="7030A0"/>
+            </a:solidFill>
+          </a:ln>
+        </p:spPr>
+        <p:style>
+          <a:lnRef idx="1">
+            <a:schemeClr val="accent1"/>
+          </a:lnRef>
+          <a:fillRef idx="0">
+            <a:schemeClr val="accent1"/>
+          </a:fillRef>
+          <a:effectRef idx="0">
+            <a:schemeClr val="accent1"/>
+          </a:effectRef>
+          <a:fontRef idx="minor">
+            <a:schemeClr val="tx1"/>
+          </a:fontRef>
+        </p:style>
+      </p:cxnSp>
+      <p:cxnSp>
+        <p:nvCxnSpPr>
+          <p:cNvPr id="46" name="Straight Connector 45"/>
+          <p:cNvCxnSpPr/>
+          <p:nvPr/>
+        </p:nvCxnSpPr>
+        <p:spPr>
+          <a:xfrm flipV="1">
+            <a:off x="10727140" y="5245101"/>
+            <a:ext cx="0" cy="1064595"/>
+          </a:xfrm>
+          <a:prstGeom prst="line">
+            <a:avLst/>
+          </a:prstGeom>
+          <a:ln w="22225">
+            <a:solidFill>
+              <a:srgbClr val="7030A0"/>
+            </a:solidFill>
+          </a:ln>
+        </p:spPr>
+        <p:style>
+          <a:lnRef idx="1">
+            <a:schemeClr val="accent1"/>
+          </a:lnRef>
+          <a:fillRef idx="0">
+            <a:schemeClr val="accent1"/>
+          </a:fillRef>
+          <a:effectRef idx="0">
+            <a:schemeClr val="accent1"/>
+          </a:effectRef>
+          <a:fontRef idx="minor">
+            <a:schemeClr val="tx1"/>
+          </a:fontRef>
+        </p:style>
+      </p:cxnSp>
+      <p:cxnSp>
+        <p:nvCxnSpPr>
+          <p:cNvPr id="47" name="Straight Connector 46"/>
+          <p:cNvCxnSpPr/>
+          <p:nvPr/>
+        </p:nvCxnSpPr>
+        <p:spPr>
+          <a:xfrm flipH="1" flipV="1">
+            <a:off x="4380079" y="5253339"/>
+            <a:ext cx="853" cy="1056358"/>
+          </a:xfrm>
+          <a:prstGeom prst="line">
+            <a:avLst/>
+          </a:prstGeom>
+          <a:ln w="22225">
+            <a:solidFill>
+              <a:srgbClr val="7030A0"/>
+            </a:solidFill>
+          </a:ln>
+        </p:spPr>
+        <p:style>
+          <a:lnRef idx="1">
+            <a:schemeClr val="accent1"/>
+          </a:lnRef>
+          <a:fillRef idx="0">
+            <a:schemeClr val="accent1"/>
+          </a:fillRef>
+          <a:effectRef idx="0">
+            <a:schemeClr val="accent1"/>
+          </a:effectRef>
+          <a:fontRef idx="minor">
+            <a:schemeClr val="tx1"/>
+          </a:fontRef>
+        </p:style>
+      </p:cxnSp>
+      <p:sp>
+        <p:nvSpPr>
+          <p:cNvPr id="48" name="TextBox 47"/>
+          <p:cNvSpPr txBox="1"/>
+          <p:nvPr/>
+        </p:nvSpPr>
+        <p:spPr>
+          <a:xfrm>
+            <a:off x="6544101" y="5984379"/>
+            <a:ext cx="2066498" cy="369332"/>
+          </a:xfrm>
+          <a:prstGeom prst="rect">
+            <a:avLst/>
+          </a:prstGeom>
+          <a:noFill/>
+        </p:spPr>
+        <p:txBody>
+          <a:bodyPr wrap="square" rtlCol="0">
+            <a:spAutoFit/>
+          </a:bodyPr>
+          <a:lstStyle/>
+          <a:p>
+            <a:pPr algn="ctr"/>
+            <a:r>
+              <a:rPr lang="en-US" b="1" i="1" dirty="0" smtClean="0">
+                <a:solidFill>
+                  <a:srgbClr val="7030A0"/>
+                </a:solidFill>
+              </a:rPr>
+              <a:t>0.05 &lt; P &gt; 0.002</a:t>
+            </a:r>
+            <a:endParaRPr lang="en-US" b="1" i="1" dirty="0">
+              <a:solidFill>
+                <a:srgbClr val="7030A0"/>
+              </a:solidFill>
+            </a:endParaRPr>
+          </a:p>
+        </p:txBody>
+      </p:sp>
+      <p:sp>
+        <p:nvSpPr>
+          <p:cNvPr id="54" name="TextBox 53"/>
+          <p:cNvSpPr txBox="1"/>
+          <p:nvPr/>
+        </p:nvSpPr>
+        <p:spPr>
+          <a:xfrm>
+            <a:off x="3022589" y="5523053"/>
+            <a:ext cx="1614308" cy="369332"/>
+          </a:xfrm>
+          <a:prstGeom prst="rect">
+            <a:avLst/>
+          </a:prstGeom>
+          <a:noFill/>
+        </p:spPr>
+        <p:txBody>
+          <a:bodyPr wrap="square" rtlCol="0">
+            <a:spAutoFit/>
+          </a:bodyPr>
+          <a:lstStyle/>
+          <a:p>
+            <a:pPr algn="ctr"/>
+            <a:r>
+              <a:rPr lang="en-US" b="1" i="1" dirty="0" smtClean="0">
+                <a:solidFill>
+                  <a:srgbClr val="7030A0"/>
+                </a:solidFill>
+              </a:rPr>
+              <a:t>P &lt; 0.002</a:t>
+            </a:r>
+            <a:endParaRPr lang="en-US" b="1" i="1" dirty="0">
+              <a:solidFill>
+                <a:srgbClr val="7030A0"/>
+              </a:solidFill>
+            </a:endParaRPr>
+          </a:p>
+        </p:txBody>
+      </p:sp>
+      <p:sp>
+        <p:nvSpPr>
+          <p:cNvPr id="55" name="TextBox 54"/>
+          <p:cNvSpPr txBox="1"/>
+          <p:nvPr/>
+        </p:nvSpPr>
+        <p:spPr>
+          <a:xfrm>
+            <a:off x="10440784" y="5523052"/>
+            <a:ext cx="1614308" cy="369332"/>
+          </a:xfrm>
+          <a:prstGeom prst="rect">
+            <a:avLst/>
+          </a:prstGeom>
+          <a:noFill/>
+        </p:spPr>
+        <p:txBody>
+          <a:bodyPr wrap="square" rtlCol="0">
+            <a:spAutoFit/>
+          </a:bodyPr>
+          <a:lstStyle/>
+          <a:p>
+            <a:pPr algn="ctr"/>
+            <a:r>
+              <a:rPr lang="en-US" b="1" i="1" dirty="0" smtClean="0">
+                <a:solidFill>
+                  <a:srgbClr val="7030A0"/>
+                </a:solidFill>
+              </a:rPr>
+              <a:t>P &lt; 0.002</a:t>
+            </a:r>
+            <a:endParaRPr lang="en-US" b="1" i="1" dirty="0">
+              <a:solidFill>
+                <a:srgbClr val="7030A0"/>
+              </a:solidFill>
+            </a:endParaRPr>
+          </a:p>
+        </p:txBody>
+      </p:sp>
+      <p:cxnSp>
+        <p:nvCxnSpPr>
+          <p:cNvPr id="26" name="Straight Connector 25"/>
+          <p:cNvCxnSpPr/>
+          <p:nvPr/>
+        </p:nvCxnSpPr>
+        <p:spPr>
+          <a:xfrm flipV="1">
+            <a:off x="5436927" y="2216542"/>
+            <a:ext cx="1" cy="1887474"/>
+          </a:xfrm>
+          <a:prstGeom prst="line">
+            <a:avLst/>
+          </a:prstGeom>
+          <a:ln w="34925">
+            <a:solidFill>
+              <a:schemeClr val="accent6">
+                <a:lumMod val="50000"/>
+              </a:schemeClr>
+            </a:solidFill>
+          </a:ln>
+        </p:spPr>
+        <p:style>
+          <a:lnRef idx="1">
+            <a:schemeClr val="accent1"/>
+          </a:lnRef>
+          <a:fillRef idx="0">
+            <a:schemeClr val="accent1"/>
+          </a:fillRef>
+          <a:effectRef idx="0">
+            <a:schemeClr val="accent1"/>
+          </a:effectRef>
+          <a:fontRef idx="minor">
+            <a:schemeClr val="tx1"/>
+          </a:fontRef>
+        </p:style>
+      </p:cxnSp>
+      <p:cxnSp>
+        <p:nvCxnSpPr>
+          <p:cNvPr id="28" name="Straight Connector 27"/>
+          <p:cNvCxnSpPr/>
+          <p:nvPr/>
+        </p:nvCxnSpPr>
+        <p:spPr>
+          <a:xfrm flipV="1">
+            <a:off x="9660594" y="2209881"/>
+            <a:ext cx="1" cy="1894135"/>
+          </a:xfrm>
+          <a:prstGeom prst="line">
+            <a:avLst/>
+          </a:prstGeom>
+          <a:ln w="34925">
+            <a:solidFill>
+              <a:schemeClr val="accent6">
+                <a:lumMod val="50000"/>
+              </a:schemeClr>
+            </a:solidFill>
+          </a:ln>
+        </p:spPr>
+        <p:style>
+          <a:lnRef idx="1">
+            <a:schemeClr val="accent1"/>
+          </a:lnRef>
+          <a:fillRef idx="0">
+            <a:schemeClr val="accent1"/>
+          </a:fillRef>
+          <a:effectRef idx="0">
+            <a:schemeClr val="accent1"/>
+          </a:effectRef>
+          <a:fontRef idx="minor">
+            <a:schemeClr val="tx1"/>
+          </a:fontRef>
+        </p:style>
+      </p:cxnSp>
+      <p:cxnSp>
+        <p:nvCxnSpPr>
+          <p:cNvPr id="29" name="Straight Connector 28"/>
+          <p:cNvCxnSpPr/>
+          <p:nvPr/>
+        </p:nvCxnSpPr>
+        <p:spPr>
+          <a:xfrm flipH="1">
+            <a:off x="4839067" y="2763946"/>
+            <a:ext cx="425833" cy="3163"/>
+          </a:xfrm>
+          <a:prstGeom prst="line">
+            <a:avLst/>
+          </a:prstGeom>
+          <a:ln w="34925">
+            <a:solidFill>
+              <a:schemeClr val="accent6">
+                <a:lumMod val="50000"/>
+              </a:schemeClr>
+            </a:solidFill>
+            <a:tailEnd type="triangle" w="lg" len="lg"/>
+          </a:ln>
+        </p:spPr>
+        <p:style>
+          <a:lnRef idx="1">
+            <a:schemeClr val="accent1"/>
+          </a:lnRef>
+          <a:fillRef idx="0">
+            <a:schemeClr val="accent1"/>
+          </a:fillRef>
+          <a:effectRef idx="0">
+            <a:schemeClr val="accent1"/>
+          </a:effectRef>
+          <a:fontRef idx="minor">
+            <a:schemeClr val="tx1"/>
+          </a:fontRef>
+        </p:style>
+      </p:cxnSp>
+      <p:cxnSp>
+        <p:nvCxnSpPr>
+          <p:cNvPr id="35" name="Straight Connector 34"/>
+          <p:cNvCxnSpPr/>
+          <p:nvPr/>
+        </p:nvCxnSpPr>
+        <p:spPr>
+          <a:xfrm>
+            <a:off x="9773493" y="2733208"/>
+            <a:ext cx="460781" cy="0"/>
+          </a:xfrm>
+          <a:prstGeom prst="line">
+            <a:avLst/>
+          </a:prstGeom>
+          <a:ln w="34925">
+            <a:solidFill>
+              <a:schemeClr val="accent6">
+                <a:lumMod val="50000"/>
+              </a:schemeClr>
+            </a:solidFill>
+            <a:tailEnd type="triangle" w="lg" len="lg"/>
+          </a:ln>
+        </p:spPr>
+        <p:style>
+          <a:lnRef idx="1">
+            <a:schemeClr val="accent1"/>
+          </a:lnRef>
+          <a:fillRef idx="0">
+            <a:schemeClr val="accent1"/>
+          </a:fillRef>
+          <a:effectRef idx="0">
+            <a:schemeClr val="accent1"/>
+          </a:effectRef>
+          <a:fontRef idx="minor">
+            <a:schemeClr val="tx1"/>
+          </a:fontRef>
+        </p:style>
+      </p:cxnSp>
+      <p:sp>
+        <p:nvSpPr>
+          <p:cNvPr id="12" name="TextBox 11"/>
+          <p:cNvSpPr txBox="1"/>
+          <p:nvPr/>
+        </p:nvSpPr>
+        <p:spPr>
+          <a:xfrm>
+            <a:off x="5524325" y="3668407"/>
+            <a:ext cx="4081985" cy="584775"/>
+          </a:xfrm>
+          <a:prstGeom prst="rect">
+            <a:avLst/>
+          </a:prstGeom>
+          <a:solidFill>
+            <a:schemeClr val="bg1"/>
+          </a:solidFill>
+        </p:spPr>
+        <p:txBody>
+          <a:bodyPr wrap="square" rtlCol="0">
+            <a:spAutoFit/>
+          </a:bodyPr>
+          <a:lstStyle/>
+          <a:p>
+            <a:pPr algn="ctr"/>
+            <a:r>
+              <a:rPr lang="en-US" sz="1600" b="1" dirty="0" smtClean="0">
+                <a:solidFill>
+                  <a:schemeClr val="accent6">
+                    <a:lumMod val="50000"/>
+                  </a:schemeClr>
+                </a:solidFill>
+              </a:rPr>
+              <a:t>Only 5 % of Null Hypothesis tests would be outside these lines (~ 95% confidence)</a:t>
+            </a:r>
+            <a:endParaRPr lang="en-US" sz="1600" b="1" dirty="0">
+              <a:solidFill>
+                <a:schemeClr val="accent6">
+                  <a:lumMod val="50000"/>
+                </a:schemeClr>
+              </a:solidFill>
+            </a:endParaRPr>
           </a:p>
         </p:txBody>
       </p:sp>
     </p:spTree>
     <p:extLst>
       <p:ext uri="{BB962C8B-B14F-4D97-AF65-F5344CB8AC3E}">
-        <p14:creationId xmlns:p14="http://schemas.microsoft.com/office/powerpoint/2010/main" val="2269636943"/>
+        <p14:creationId xmlns:p14="http://schemas.microsoft.com/office/powerpoint/2010/main" val="1022500776"/>
       </p:ext>
     </p:extLst>
   </p:cSld>
@@ -5970,7 +6069,7 @@
         <p:spPr>
           <a:xfrm>
             <a:off x="838200" y="1557554"/>
-            <a:ext cx="9993086" cy="4524315"/>
+            <a:ext cx="9993086" cy="3046988"/>
           </a:xfrm>
           <a:prstGeom prst="rect">
             <a:avLst/>
@@ -6038,43 +6137,12 @@
               <a:t>Zero difference between adolescent test scores between schools with the introduction of different teaching techniques</a:t>
             </a:r>
           </a:p>
-          <a:p>
-            <a:pPr marL="342900" indent="-342900">
-              <a:buFont typeface="Arial" panose="020B0604020202020204" pitchFamily="34" charset="0"/>
-              <a:buChar char="•"/>
-            </a:pPr>
-            <a:r>
-              <a:rPr lang="en-US" sz="2400" dirty="0" smtClean="0"/>
-              <a:t>Demographic/population properties (non-experimental)</a:t>
-            </a:r>
-          </a:p>
-          <a:p>
-            <a:pPr marL="800100" lvl="1" indent="-342900">
-              <a:buFont typeface="Arial" panose="020B0604020202020204" pitchFamily="34" charset="0"/>
-              <a:buChar char="•"/>
-            </a:pPr>
-            <a:r>
-              <a:rPr lang="en-US" sz="2400" dirty="0" smtClean="0"/>
-              <a:t>Zero difference between height of girls and boys at age five</a:t>
-            </a:r>
-          </a:p>
-          <a:p>
-            <a:pPr marL="800100" lvl="1" indent="-342900">
-              <a:buFont typeface="Arial" panose="020B0604020202020204" pitchFamily="34" charset="0"/>
-              <a:buChar char="•"/>
-            </a:pPr>
-            <a:r>
-              <a:rPr lang="en-US" sz="2400" b="1" dirty="0" smtClean="0"/>
-              <a:t>Zero difference between happiness between those with high incomes and those with low incomes</a:t>
-            </a:r>
-            <a:endParaRPr lang="en-US" sz="2400" b="1" dirty="0"/>
-          </a:p>
         </p:txBody>
       </p:sp>
     </p:spTree>
     <p:extLst>
       <p:ext uri="{BB962C8B-B14F-4D97-AF65-F5344CB8AC3E}">
-        <p14:creationId xmlns:p14="http://schemas.microsoft.com/office/powerpoint/2010/main" val="228129401"/>
+        <p14:creationId xmlns:p14="http://schemas.microsoft.com/office/powerpoint/2010/main" val="2269636943"/>
       </p:ext>
     </p:extLst>
   </p:cSld>
@@ -6119,12 +6187,24 @@
           <a:lstStyle/>
           <a:p>
             <a:r>
-              <a:rPr lang="en-US" b="1" i="1" dirty="0"/>
+              <a:rPr lang="en-US" b="1" i="1" dirty="0">
+                <a:solidFill>
+                  <a:schemeClr val="bg1"/>
+                </a:solidFill>
+              </a:rPr>
               <a:t>Can Money Buy Happiness</a:t>
             </a:r>
             <a:r>
+              <a:rPr lang="en-US" b="1" i="1" dirty="0" smtClean="0">
+                <a:solidFill>
+                  <a:schemeClr val="bg1"/>
+                </a:solidFill>
+              </a:rPr>
+              <a:t>?</a:t>
+            </a:r>
+            <a:r>
               <a:rPr lang="en-US" b="1" i="1" dirty="0" smtClean="0"/>
-              <a:t>?</a:t>
+              <a:t/>
             </a:r>
             <a:br>
               <a:rPr lang="en-US" b="1" i="1" dirty="0" smtClean="0"/>
@@ -6168,8 +6248,8 @@
         </p:nvSpPr>
         <p:spPr>
           <a:xfrm>
-            <a:off x="838200" y="1970314"/>
-            <a:ext cx="7848600" cy="523220"/>
+            <a:off x="838200" y="1557554"/>
+            <a:ext cx="9993086" cy="4524315"/>
           </a:xfrm>
           <a:prstGeom prst="rect">
             <a:avLst/>
@@ -6183,17 +6263,97 @@
           <a:lstStyle/>
           <a:p>
             <a:r>
-              <a:rPr lang="en-US" sz="2800" dirty="0" smtClean="0"/>
-              <a:t>How would you test this?</a:t>
-            </a:r>
-            <a:endParaRPr lang="en-US" sz="2800" dirty="0"/>
+              <a:rPr lang="en-US" sz="2400" dirty="0" smtClean="0"/>
+              <a:t>Comparing means</a:t>
+            </a:r>
+          </a:p>
+          <a:p>
+            <a:pPr marL="342900" indent="-342900">
+              <a:buFont typeface="Arial" panose="020B0604020202020204" pitchFamily="34" charset="0"/>
+              <a:buChar char="•"/>
+            </a:pPr>
+            <a:r>
+              <a:rPr lang="en-US" sz="2400" dirty="0" smtClean="0"/>
+              <a:t>Experiment (randomized controlled trial)</a:t>
+            </a:r>
+          </a:p>
+          <a:p>
+            <a:pPr marL="800100" lvl="1" indent="-342900">
+              <a:buFont typeface="Arial" panose="020B0604020202020204" pitchFamily="34" charset="0"/>
+              <a:buChar char="•"/>
+            </a:pPr>
+            <a:r>
+              <a:rPr lang="en-US" sz="2400" dirty="0" smtClean="0"/>
+              <a:t>Zero difference in infection rates between vaccine and placebo groups</a:t>
+            </a:r>
+          </a:p>
+          <a:p>
+            <a:pPr marL="800100" lvl="1" indent="-342900">
+              <a:buFont typeface="Arial" panose="020B0604020202020204" pitchFamily="34" charset="0"/>
+              <a:buChar char="•"/>
+            </a:pPr>
+            <a:r>
+              <a:rPr lang="en-US" sz="2400" dirty="0" smtClean="0"/>
+              <a:t>Zero difference in employer call-back rates for job candidates with ethnic versus native surnames</a:t>
+            </a:r>
+          </a:p>
+          <a:p>
+            <a:pPr marL="342900" indent="-342900">
+              <a:buFont typeface="Arial" panose="020B0604020202020204" pitchFamily="34" charset="0"/>
+              <a:buChar char="•"/>
+            </a:pPr>
+            <a:r>
+              <a:rPr lang="en-US" sz="2400" dirty="0" smtClean="0"/>
+              <a:t>Experiment (intervention)</a:t>
+            </a:r>
+          </a:p>
+          <a:p>
+            <a:pPr marL="800100" lvl="1" indent="-342900">
+              <a:buFont typeface="Arial" panose="020B0604020202020204" pitchFamily="34" charset="0"/>
+              <a:buChar char="•"/>
+            </a:pPr>
+            <a:r>
+              <a:rPr lang="en-US" sz="2400" dirty="0" smtClean="0"/>
+              <a:t>Zero difference between adolescent test scores between schools with the introduction of different teaching techniques</a:t>
+            </a:r>
+          </a:p>
+          <a:p>
+            <a:pPr marL="342900" indent="-342900">
+              <a:buFont typeface="Arial" panose="020B0604020202020204" pitchFamily="34" charset="0"/>
+              <a:buChar char="•"/>
+            </a:pPr>
+            <a:r>
+              <a:rPr lang="en-US" sz="2400" dirty="0" smtClean="0"/>
+              <a:t>Demographic/population properties (non-experimental)</a:t>
+            </a:r>
+          </a:p>
+          <a:p>
+            <a:pPr marL="800100" lvl="1" indent="-342900">
+              <a:buFont typeface="Arial" panose="020B0604020202020204" pitchFamily="34" charset="0"/>
+              <a:buChar char="•"/>
+            </a:pPr>
+            <a:r>
+              <a:rPr lang="en-US" sz="2400" dirty="0" smtClean="0"/>
+              <a:t>Zero difference between height of girls and boys at age five</a:t>
+            </a:r>
+          </a:p>
+          <a:p>
+            <a:pPr marL="800100" lvl="1" indent="-342900">
+              <a:buFont typeface="Arial" panose="020B0604020202020204" pitchFamily="34" charset="0"/>
+              <a:buChar char="•"/>
+            </a:pPr>
+            <a:r>
+              <a:rPr lang="en-US" sz="2400" b="1" dirty="0" smtClean="0"/>
+              <a:t>Zero difference between happiness between those with high incomes and those with low incomes</a:t>
+            </a:r>
+            <a:endParaRPr lang="en-US" sz="2400" b="1" dirty="0"/>
           </a:p>
         </p:txBody>
       </p:sp>
     </p:spTree>
     <p:extLst>
       <p:ext uri="{BB962C8B-B14F-4D97-AF65-F5344CB8AC3E}">
-        <p14:creationId xmlns:p14="http://schemas.microsoft.com/office/powerpoint/2010/main" val="3734042983"/>
+        <p14:creationId xmlns:p14="http://schemas.microsoft.com/office/powerpoint/2010/main" val="228129401"/>
       </p:ext>
     </p:extLst>
   </p:cSld>
@@ -6288,7 +6448,7 @@
         <p:spPr>
           <a:xfrm>
             <a:off x="838200" y="1970314"/>
-            <a:ext cx="8828314" cy="2677656"/>
+            <a:ext cx="7848600" cy="523220"/>
           </a:xfrm>
           <a:prstGeom prst="rect">
             <a:avLst/>
@@ -6303,44 +6463,8 @@
           <a:p>
             <a:r>
               <a:rPr lang="en-US" sz="2800" dirty="0" smtClean="0"/>
-              <a:t>One idea:</a:t>
-            </a:r>
-          </a:p>
-          <a:p>
-            <a:pPr marL="457200" indent="-457200">
-              <a:buFont typeface="Arial" panose="020B0604020202020204" pitchFamily="34" charset="0"/>
-              <a:buChar char="•"/>
-            </a:pPr>
-            <a:r>
-              <a:rPr lang="en-US" sz="2800" dirty="0" smtClean="0"/>
-              <a:t>Sample from the populations of different countries</a:t>
-            </a:r>
-          </a:p>
-          <a:p>
-            <a:pPr marL="457200" indent="-457200">
-              <a:buFont typeface="Arial" panose="020B0604020202020204" pitchFamily="34" charset="0"/>
-              <a:buChar char="•"/>
-            </a:pPr>
-            <a:r>
-              <a:rPr lang="en-US" sz="2800" dirty="0" smtClean="0"/>
-              <a:t>Ask questions about happiness and income</a:t>
-            </a:r>
-          </a:p>
-          <a:p>
-            <a:pPr marL="457200" indent="-457200">
-              <a:buFont typeface="Arial" panose="020B0604020202020204" pitchFamily="34" charset="0"/>
-              <a:buChar char="•"/>
-            </a:pPr>
-            <a:r>
-              <a:rPr lang="en-US" sz="2800" dirty="0" smtClean="0"/>
-              <a:t>Compare the average happiness of those with high to those with low incomes</a:t>
-            </a:r>
-          </a:p>
-          <a:p>
-            <a:pPr marL="457200" indent="-457200">
-              <a:buFont typeface="Arial" panose="020B0604020202020204" pitchFamily="34" charset="0"/>
-              <a:buChar char="•"/>
-            </a:pPr>
+              <a:t>How would you test this?</a:t>
+            </a:r>
             <a:endParaRPr lang="en-US" sz="2800" dirty="0"/>
           </a:p>
         </p:txBody>
@@ -6348,7 +6472,7 @@
     </p:spTree>
     <p:extLst>
       <p:ext uri="{BB962C8B-B14F-4D97-AF65-F5344CB8AC3E}">
-        <p14:creationId xmlns:p14="http://schemas.microsoft.com/office/powerpoint/2010/main" val="2416003406"/>
+        <p14:creationId xmlns:p14="http://schemas.microsoft.com/office/powerpoint/2010/main" val="3734042983"/>
       </p:ext>
     </p:extLst>
   </p:cSld>
@@ -6457,12 +6581,9 @@
           <a:lstStyle/>
           <a:p>
             <a:r>
-              <a:rPr lang="en-US" sz="2800" dirty="0" smtClean="0">
-                <a:hlinkClick r:id="rId2"/>
-              </a:rPr>
-              <a:t>World Values Survey</a:t>
-            </a:r>
-            <a:endParaRPr lang="en-US" sz="2800" dirty="0" smtClean="0"/>
+              <a:rPr lang="en-US" sz="2800" dirty="0" smtClean="0"/>
+              <a:t>One idea:</a:t>
+            </a:r>
           </a:p>
           <a:p>
             <a:pPr marL="457200" indent="-457200">
@@ -6471,7 +6592,7 @@
             </a:pPr>
             <a:r>
               <a:rPr lang="en-US" sz="2800" dirty="0" smtClean="0"/>
-              <a:t>Up to 80 countries</a:t>
+              <a:t>Sample from the populations of different countries</a:t>
             </a:r>
           </a:p>
           <a:p>
@@ -6481,7 +6602,7 @@
             </a:pPr>
             <a:r>
               <a:rPr lang="en-US" sz="2800" dirty="0" smtClean="0"/>
-              <a:t>1985-2021 (7 waves)</a:t>
+              <a:t>Ask questions about happiness and income</a:t>
             </a:r>
           </a:p>
           <a:p>
@@ -6491,17 +6612,7 @@
             </a:pPr>
             <a:r>
               <a:rPr lang="en-US" sz="2800" dirty="0" smtClean="0"/>
-              <a:t>Basis for studies of societal values and change</a:t>
-            </a:r>
-          </a:p>
-          <a:p>
-            <a:pPr marL="457200" indent="-457200">
-              <a:buFont typeface="Arial" panose="020B0604020202020204" pitchFamily="34" charset="0"/>
-              <a:buChar char="•"/>
-            </a:pPr>
-            <a:r>
-              <a:rPr lang="en-US" sz="2800" dirty="0" smtClean="0"/>
-              <a:t>Roughly 1,000 or more respondents per country</a:t>
+              <a:t>Compare the average happiness of those with high to those with low incomes</a:t>
             </a:r>
           </a:p>
           <a:p>
@@ -6513,170 +6624,10 @@
           </a:p>
         </p:txBody>
       </p:sp>
-      <p:sp>
-        <p:nvSpPr>
-          <p:cNvPr id="5" name="Rectangle 4"/>
-          <p:cNvSpPr/>
-          <p:nvPr/>
-        </p:nvSpPr>
-        <p:spPr>
-          <a:xfrm>
-            <a:off x="2503714" y="5658078"/>
-            <a:ext cx="9372599" cy="1063397"/>
-          </a:xfrm>
-          <a:prstGeom prst="rect">
-            <a:avLst/>
-          </a:prstGeom>
-        </p:spPr>
-        <p:txBody>
-          <a:bodyPr vert="horz" lIns="91440" tIns="45720" rIns="91440" bIns="45720" rtlCol="0" anchor="ctr">
-            <a:normAutofit/>
-          </a:bodyPr>
-          <a:lstStyle/>
-          <a:p>
-            <a:pPr>
-              <a:lnSpc>
-                <a:spcPct val="90000"/>
-              </a:lnSpc>
-              <a:spcBef>
-                <a:spcPct val="0"/>
-              </a:spcBef>
-            </a:pPr>
-            <a:r>
-              <a:rPr lang="en-US" sz="1400" dirty="0" err="1">
-                <a:latin typeface="+mj-lt"/>
-                <a:ea typeface="+mj-ea"/>
-                <a:cs typeface="+mj-cs"/>
-              </a:rPr>
-              <a:t>Haerpfer</a:t>
-            </a:r>
-            <a:r>
-              <a:rPr lang="en-US" sz="1400" dirty="0">
-                <a:latin typeface="+mj-lt"/>
-                <a:ea typeface="+mj-ea"/>
-                <a:cs typeface="+mj-cs"/>
-              </a:rPr>
-              <a:t>, C., </a:t>
-            </a:r>
-            <a:r>
-              <a:rPr lang="en-US" sz="1400" dirty="0" err="1">
-                <a:latin typeface="+mj-lt"/>
-                <a:ea typeface="+mj-ea"/>
-                <a:cs typeface="+mj-cs"/>
-              </a:rPr>
-              <a:t>Inglehart</a:t>
-            </a:r>
-            <a:r>
-              <a:rPr lang="en-US" sz="1400" dirty="0">
-                <a:latin typeface="+mj-lt"/>
-                <a:ea typeface="+mj-ea"/>
-                <a:cs typeface="+mj-cs"/>
-              </a:rPr>
-              <a:t>, R., Moreno, A., </a:t>
-            </a:r>
-            <a:r>
-              <a:rPr lang="en-US" sz="1400" dirty="0" err="1">
-                <a:latin typeface="+mj-lt"/>
-                <a:ea typeface="+mj-ea"/>
-                <a:cs typeface="+mj-cs"/>
-              </a:rPr>
-              <a:t>Welzel</a:t>
-            </a:r>
-            <a:r>
-              <a:rPr lang="en-US" sz="1400" dirty="0">
-                <a:latin typeface="+mj-lt"/>
-                <a:ea typeface="+mj-ea"/>
-                <a:cs typeface="+mj-cs"/>
-              </a:rPr>
-              <a:t>, C., </a:t>
-            </a:r>
-            <a:r>
-              <a:rPr lang="en-US" sz="1400" dirty="0" err="1">
-                <a:latin typeface="+mj-lt"/>
-                <a:ea typeface="+mj-ea"/>
-                <a:cs typeface="+mj-cs"/>
-              </a:rPr>
-              <a:t>Kizilova</a:t>
-            </a:r>
-            <a:r>
-              <a:rPr lang="en-US" sz="1400" dirty="0">
-                <a:latin typeface="+mj-lt"/>
-                <a:ea typeface="+mj-ea"/>
-                <a:cs typeface="+mj-cs"/>
-              </a:rPr>
-              <a:t>, K., </a:t>
-            </a:r>
-            <a:r>
-              <a:rPr lang="en-US" sz="1400" dirty="0" err="1">
-                <a:latin typeface="+mj-lt"/>
-                <a:ea typeface="+mj-ea"/>
-                <a:cs typeface="+mj-cs"/>
-              </a:rPr>
-              <a:t>Diez</a:t>
-            </a:r>
-            <a:r>
-              <a:rPr lang="en-US" sz="1400" dirty="0">
-                <a:latin typeface="+mj-lt"/>
-                <a:ea typeface="+mj-ea"/>
-                <a:cs typeface="+mj-cs"/>
-              </a:rPr>
-              <a:t>-Medrano J., M. Lagos, P. Norris, E. </a:t>
-            </a:r>
-            <a:r>
-              <a:rPr lang="en-US" sz="1400" dirty="0" err="1">
-                <a:latin typeface="+mj-lt"/>
-                <a:ea typeface="+mj-ea"/>
-                <a:cs typeface="+mj-cs"/>
-              </a:rPr>
-              <a:t>Ponarin</a:t>
-            </a:r>
-            <a:r>
-              <a:rPr lang="en-US" sz="1400" dirty="0">
-                <a:latin typeface="+mj-lt"/>
-                <a:ea typeface="+mj-ea"/>
-                <a:cs typeface="+mj-cs"/>
-              </a:rPr>
-              <a:t> &amp; B. </a:t>
-            </a:r>
-            <a:r>
-              <a:rPr lang="en-US" sz="1400" dirty="0" err="1">
-                <a:latin typeface="+mj-lt"/>
-                <a:ea typeface="+mj-ea"/>
-                <a:cs typeface="+mj-cs"/>
-              </a:rPr>
-              <a:t>Puranen</a:t>
-            </a:r>
-            <a:r>
-              <a:rPr lang="en-US" sz="1400" dirty="0">
-                <a:latin typeface="+mj-lt"/>
-                <a:ea typeface="+mj-ea"/>
-                <a:cs typeface="+mj-cs"/>
-              </a:rPr>
-              <a:t> et al. (eds.). 2020. World Values Survey: Round Seven - Country-Pooled </a:t>
-            </a:r>
-            <a:r>
-              <a:rPr lang="en-US" sz="1400" dirty="0" err="1">
-                <a:latin typeface="+mj-lt"/>
-                <a:ea typeface="+mj-ea"/>
-                <a:cs typeface="+mj-cs"/>
-              </a:rPr>
-              <a:t>Datafile</a:t>
-            </a:r>
-            <a:r>
-              <a:rPr lang="en-US" sz="1400" dirty="0">
-                <a:latin typeface="+mj-lt"/>
-                <a:ea typeface="+mj-ea"/>
-                <a:cs typeface="+mj-cs"/>
-              </a:rPr>
-              <a:t>. Madrid, Spain &amp; Vienna, Austria: JD Systems Institute &amp; WVSA Secretariat. doi.org/10.14281/18241.13</a:t>
-            </a:r>
-          </a:p>
-        </p:txBody>
-      </p:sp>
     </p:spTree>
     <p:extLst>
       <p:ext uri="{BB962C8B-B14F-4D97-AF65-F5344CB8AC3E}">
-        <p14:creationId xmlns:p14="http://schemas.microsoft.com/office/powerpoint/2010/main" val="2236066495"/>
+        <p14:creationId xmlns:p14="http://schemas.microsoft.com/office/powerpoint/2010/main" val="2416003406"/>
       </p:ext>
     </p:extLst>
   </p:cSld>
@@ -6732,24 +6683,16 @@
               <a:rPr lang="en-US" b="1" i="1" dirty="0" smtClean="0"/>
             </a:br>
             <a:r>
-              <a:rPr lang="en-US" sz="3600" dirty="0" smtClean="0">
-                <a:solidFill>
-                  <a:schemeClr val="bg1"/>
-                </a:solidFill>
-              </a:rPr>
-              <a:t>Example 2. NHST – Test of Linear Association</a:t>
-            </a:r>
-            <a:endParaRPr lang="en-US" sz="3600" b="1" dirty="0">
-              <a:solidFill>
-                <a:schemeClr val="bg1"/>
-              </a:solidFill>
-            </a:endParaRPr>
-          </a:p>
-        </p:txBody>
-      </p:sp>
-      <p:sp>
-        <p:nvSpPr>
-          <p:cNvPr id="3" name="Slide Number Placeholder 2"/>
+              <a:rPr lang="en-US" sz="3600" dirty="0" smtClean="0"/>
+              <a:t>Example 1. NHST – Comparing Means</a:t>
+            </a:r>
+            <a:endParaRPr lang="en-US" sz="3600" b="1" dirty="0"/>
+          </a:p>
+        </p:txBody>
+      </p:sp>
+      <p:sp>
+        <p:nvSpPr>
+          <p:cNvPr id="4" name="Slide Number Placeholder 3"/>
           <p:cNvSpPr>
             <a:spLocks noGrp="1"/>
           </p:cNvSpPr>
@@ -6770,60 +6713,21 @@
           </a:p>
         </p:txBody>
       </p:sp>
-      <p:pic>
-        <p:nvPicPr>
-          <p:cNvPr id="4" name="Picture 3"/>
-          <p:cNvPicPr>
-            <a:picLocks noChangeAspect="1"/>
-          </p:cNvPicPr>
-          <p:nvPr/>
-        </p:nvPicPr>
-        <p:blipFill>
-          <a:blip r:embed="rId2">
-            <a:extLst>
-              <a:ext uri="{28A0092B-C50C-407E-A947-70E740481C1C}">
-                <a14:useLocalDpi xmlns:a14="http://schemas.microsoft.com/office/drawing/2010/main" val="0"/>
-              </a:ext>
-            </a:extLst>
-          </a:blip>
-          <a:stretch>
-            <a:fillRect/>
-          </a:stretch>
-        </p:blipFill>
-        <p:spPr>
-          <a:xfrm>
-            <a:off x="7273389" y="18619"/>
-            <a:ext cx="4798868" cy="6718414"/>
-          </a:xfrm>
-          <a:prstGeom prst="rect">
-            <a:avLst/>
-          </a:prstGeom>
-        </p:spPr>
-      </p:pic>
-      <p:sp>
-        <p:nvSpPr>
-          <p:cNvPr id="5" name="TextBox 4"/>
+      <p:sp>
+        <p:nvSpPr>
+          <p:cNvPr id="3" name="TextBox 2"/>
           <p:cNvSpPr txBox="1"/>
           <p:nvPr/>
         </p:nvSpPr>
         <p:spPr>
           <a:xfrm>
-            <a:off x="3458029" y="2037194"/>
-            <a:ext cx="2362200" cy="830997"/>
+            <a:off x="838200" y="1970314"/>
+            <a:ext cx="8828314" cy="2677656"/>
           </a:xfrm>
           <a:prstGeom prst="rect">
             <a:avLst/>
           </a:prstGeom>
-          <a:solidFill>
-            <a:schemeClr val="bg1">
-              <a:lumMod val="95000"/>
-            </a:schemeClr>
-          </a:solidFill>
-          <a:ln>
-            <a:solidFill>
-              <a:srgbClr val="7030A0"/>
-            </a:solidFill>
-          </a:ln>
+          <a:noFill/>
         </p:spPr>
         <p:txBody>
           <a:bodyPr wrap="square" rtlCol="0">
@@ -6831,173 +6735,227 @@
           </a:bodyPr>
           <a:lstStyle/>
           <a:p>
-            <a:pPr algn="ctr"/>
-            <a:r>
-              <a:rPr lang="en-US" sz="2400" dirty="0" smtClean="0">
-                <a:solidFill>
-                  <a:srgbClr val="7030A0"/>
-                </a:solidFill>
+            <a:r>
+              <a:rPr lang="en-US" sz="2800" dirty="0" smtClean="0">
+                <a:hlinkClick r:id="rId2"/>
               </a:rPr>
-              <a:t>Group average</a:t>
-            </a:r>
-          </a:p>
-          <a:p>
-            <a:pPr algn="ctr"/>
-            <a:r>
-              <a:rPr lang="en-US" sz="2400" dirty="0" smtClean="0">
-                <a:solidFill>
-                  <a:srgbClr val="7030A0"/>
-                </a:solidFill>
+              <a:t>World Values Survey</a:t>
+            </a:r>
+            <a:endParaRPr lang="en-US" sz="2800" dirty="0" smtClean="0"/>
+          </a:p>
+          <a:p>
+            <a:pPr marL="457200" indent="-457200">
+              <a:buFont typeface="Arial" panose="020B0604020202020204" pitchFamily="34" charset="0"/>
+              <a:buChar char="•"/>
+            </a:pPr>
+            <a:r>
+              <a:rPr lang="en-US" sz="2800" dirty="0" smtClean="0"/>
+              <a:t>Up to 80 countries</a:t>
+            </a:r>
+          </a:p>
+          <a:p>
+            <a:pPr marL="457200" indent="-457200">
+              <a:buFont typeface="Arial" panose="020B0604020202020204" pitchFamily="34" charset="0"/>
+              <a:buChar char="•"/>
+            </a:pPr>
+            <a:r>
+              <a:rPr lang="en-US" sz="2800" dirty="0" smtClean="0"/>
+              <a:t>1985-2021 (7 waves)</a:t>
+            </a:r>
+          </a:p>
+          <a:p>
+            <a:pPr marL="457200" indent="-457200">
+              <a:buFont typeface="Arial" panose="020B0604020202020204" pitchFamily="34" charset="0"/>
+              <a:buChar char="•"/>
+            </a:pPr>
+            <a:r>
+              <a:rPr lang="en-US" sz="2800" dirty="0" smtClean="0"/>
+              <a:t>Basis for studies of societal values and change</a:t>
+            </a:r>
+          </a:p>
+          <a:p>
+            <a:pPr marL="457200" indent="-457200">
+              <a:buFont typeface="Arial" panose="020B0604020202020204" pitchFamily="34" charset="0"/>
+              <a:buChar char="•"/>
+            </a:pPr>
+            <a:r>
+              <a:rPr lang="en-US" sz="2800" dirty="0" smtClean="0"/>
+              <a:t>Roughly 1,000 or more respondents per country</a:t>
+            </a:r>
+          </a:p>
+          <a:p>
+            <a:pPr marL="457200" indent="-457200">
+              <a:buFont typeface="Arial" panose="020B0604020202020204" pitchFamily="34" charset="0"/>
+              <a:buChar char="•"/>
+            </a:pPr>
+            <a:endParaRPr lang="en-US" sz="2800" dirty="0"/>
+          </a:p>
+        </p:txBody>
+      </p:sp>
+      <p:sp>
+        <p:nvSpPr>
+          <p:cNvPr id="5" name="Rectangle 4"/>
+          <p:cNvSpPr/>
+          <p:nvPr/>
+        </p:nvSpPr>
+        <p:spPr>
+          <a:xfrm>
+            <a:off x="2503714" y="5658078"/>
+            <a:ext cx="9372599" cy="1063397"/>
+          </a:xfrm>
+          <a:prstGeom prst="rect">
+            <a:avLst/>
+          </a:prstGeom>
+        </p:spPr>
+        <p:txBody>
+          <a:bodyPr vert="horz" lIns="91440" tIns="45720" rIns="91440" bIns="45720" rtlCol="0" anchor="ctr">
+            <a:normAutofit/>
+          </a:bodyPr>
+          <a:lstStyle/>
+          <a:p>
+            <a:pPr>
+              <a:lnSpc>
+                <a:spcPct val="90000"/>
+              </a:lnSpc>
+              <a:spcBef>
+                <a:spcPct val="0"/>
+              </a:spcBef>
+            </a:pPr>
+            <a:r>
+              <a:rPr lang="en-US" sz="1400" dirty="0" err="1">
+                <a:latin typeface="+mj-lt"/>
+                <a:ea typeface="+mj-ea"/>
+                <a:cs typeface="+mj-cs"/>
               </a:rPr>
-              <a:t>or mean</a:t>
-            </a:r>
-            <a:endParaRPr lang="en-US" sz="2400" dirty="0">
-              <a:solidFill>
-                <a:srgbClr val="7030A0"/>
-              </a:solidFill>
-            </a:endParaRPr>
-          </a:p>
-        </p:txBody>
-      </p:sp>
-      <p:cxnSp>
-        <p:nvCxnSpPr>
-          <p:cNvPr id="7" name="Straight Arrow Connector 6"/>
-          <p:cNvCxnSpPr>
-            <a:stCxn id="5" idx="3"/>
-          </p:cNvCxnSpPr>
-          <p:nvPr/>
-        </p:nvCxnSpPr>
-        <p:spPr>
-          <a:xfrm flipV="1">
-            <a:off x="5820229" y="2383130"/>
-            <a:ext cx="3399971" cy="69563"/>
-          </a:xfrm>
-          <a:prstGeom prst="straightConnector1">
-            <a:avLst/>
-          </a:prstGeom>
-          <a:ln w="25400">
-            <a:solidFill>
-              <a:srgbClr val="7030A0"/>
-            </a:solidFill>
-            <a:tailEnd type="triangle" w="lg" len="lg"/>
-          </a:ln>
-        </p:spPr>
-        <p:style>
-          <a:lnRef idx="1">
-            <a:schemeClr val="accent1"/>
-          </a:lnRef>
-          <a:fillRef idx="0">
-            <a:schemeClr val="accent1"/>
-          </a:fillRef>
-          <a:effectRef idx="0">
-            <a:schemeClr val="accent1"/>
-          </a:effectRef>
-          <a:fontRef idx="minor">
-            <a:schemeClr val="tx1"/>
-          </a:fontRef>
-        </p:style>
-      </p:cxnSp>
-      <p:sp>
-        <p:nvSpPr>
-          <p:cNvPr id="8" name="TextBox 7"/>
-          <p:cNvSpPr txBox="1"/>
-          <p:nvPr/>
-        </p:nvSpPr>
-        <p:spPr>
-          <a:xfrm>
-            <a:off x="2962729" y="4449093"/>
-            <a:ext cx="2362200" cy="1200329"/>
-          </a:xfrm>
-          <a:prstGeom prst="rect">
-            <a:avLst/>
-          </a:prstGeom>
-          <a:solidFill>
-            <a:schemeClr val="bg1">
-              <a:lumMod val="95000"/>
-            </a:schemeClr>
-          </a:solidFill>
-          <a:ln>
-            <a:solidFill>
-              <a:srgbClr val="7030A0"/>
-            </a:solidFill>
-          </a:ln>
-        </p:spPr>
-        <p:txBody>
-          <a:bodyPr wrap="square" rtlCol="0">
-            <a:spAutoFit/>
-          </a:bodyPr>
-          <a:lstStyle/>
-          <a:p>
-            <a:pPr algn="ctr"/>
-            <a:r>
-              <a:rPr lang="en-US" sz="2400" dirty="0" smtClean="0">
-                <a:solidFill>
-                  <a:srgbClr val="7030A0"/>
-                </a:solidFill>
+              <a:t>Haerpfer</a:t>
+            </a:r>
+            <a:r>
+              <a:rPr lang="en-US" sz="1400" dirty="0">
+                <a:latin typeface="+mj-lt"/>
+                <a:ea typeface="+mj-ea"/>
+                <a:cs typeface="+mj-cs"/>
               </a:rPr>
-              <a:t>Individual survey respondent</a:t>
-            </a:r>
-          </a:p>
-          <a:p>
-            <a:pPr algn="ctr"/>
-            <a:r>
-              <a:rPr lang="en-US" sz="2400" dirty="0" smtClean="0">
-                <a:solidFill>
-                  <a:srgbClr val="7030A0"/>
-                </a:solidFill>
+              <a:t>, C., </a:t>
+            </a:r>
+            <a:r>
+              <a:rPr lang="en-US" sz="1400" dirty="0" err="1">
+                <a:latin typeface="+mj-lt"/>
+                <a:ea typeface="+mj-ea"/>
+                <a:cs typeface="+mj-cs"/>
               </a:rPr>
-              <a:t>(data point)</a:t>
-            </a:r>
-            <a:endParaRPr lang="en-US" sz="2400" dirty="0">
-              <a:solidFill>
-                <a:srgbClr val="7030A0"/>
-              </a:solidFill>
-            </a:endParaRPr>
-          </a:p>
-        </p:txBody>
-      </p:sp>
-      <p:cxnSp>
-        <p:nvCxnSpPr>
-          <p:cNvPr id="9" name="Straight Arrow Connector 8"/>
-          <p:cNvCxnSpPr>
-            <a:stCxn id="8" idx="3"/>
-          </p:cNvCxnSpPr>
-          <p:nvPr/>
-        </p:nvCxnSpPr>
-        <p:spPr>
-          <a:xfrm flipV="1">
-            <a:off x="5324929" y="3733800"/>
-            <a:ext cx="3641271" cy="1315458"/>
-          </a:xfrm>
-          <a:prstGeom prst="straightConnector1">
-            <a:avLst/>
-          </a:prstGeom>
-          <a:ln w="25400">
-            <a:solidFill>
-              <a:srgbClr val="7030A0"/>
-            </a:solidFill>
-            <a:tailEnd type="triangle" w="lg" len="lg"/>
-          </a:ln>
-        </p:spPr>
-        <p:style>
-          <a:lnRef idx="1">
-            <a:schemeClr val="accent1"/>
-          </a:lnRef>
-          <a:fillRef idx="0">
-            <a:schemeClr val="accent1"/>
-          </a:fillRef>
-          <a:effectRef idx="0">
-            <a:schemeClr val="accent1"/>
-          </a:effectRef>
-          <a:fontRef idx="minor">
-            <a:schemeClr val="tx1"/>
-          </a:fontRef>
-        </p:style>
-      </p:cxnSp>
+              <a:t>Inglehart</a:t>
+            </a:r>
+            <a:r>
+              <a:rPr lang="en-US" sz="1400" dirty="0">
+                <a:latin typeface="+mj-lt"/>
+                <a:ea typeface="+mj-ea"/>
+                <a:cs typeface="+mj-cs"/>
+              </a:rPr>
+              <a:t>, R., Moreno, A., </a:t>
+            </a:r>
+            <a:r>
+              <a:rPr lang="en-US" sz="1400" dirty="0" err="1">
+                <a:latin typeface="+mj-lt"/>
+                <a:ea typeface="+mj-ea"/>
+                <a:cs typeface="+mj-cs"/>
+              </a:rPr>
+              <a:t>Welzel</a:t>
+            </a:r>
+            <a:r>
+              <a:rPr lang="en-US" sz="1400" dirty="0">
+                <a:latin typeface="+mj-lt"/>
+                <a:ea typeface="+mj-ea"/>
+                <a:cs typeface="+mj-cs"/>
+              </a:rPr>
+              <a:t>, C., </a:t>
+            </a:r>
+            <a:r>
+              <a:rPr lang="en-US" sz="1400" dirty="0" err="1">
+                <a:latin typeface="+mj-lt"/>
+                <a:ea typeface="+mj-ea"/>
+                <a:cs typeface="+mj-cs"/>
+              </a:rPr>
+              <a:t>Kizilova</a:t>
+            </a:r>
+            <a:r>
+              <a:rPr lang="en-US" sz="1400" dirty="0">
+                <a:latin typeface="+mj-lt"/>
+                <a:ea typeface="+mj-ea"/>
+                <a:cs typeface="+mj-cs"/>
+              </a:rPr>
+              <a:t>, K., </a:t>
+            </a:r>
+            <a:r>
+              <a:rPr lang="en-US" sz="1400" dirty="0" err="1">
+                <a:latin typeface="+mj-lt"/>
+                <a:ea typeface="+mj-ea"/>
+                <a:cs typeface="+mj-cs"/>
+              </a:rPr>
+              <a:t>Diez</a:t>
+            </a:r>
+            <a:r>
+              <a:rPr lang="en-US" sz="1400" dirty="0">
+                <a:latin typeface="+mj-lt"/>
+                <a:ea typeface="+mj-ea"/>
+                <a:cs typeface="+mj-cs"/>
+              </a:rPr>
+              <a:t>-Medrano J., M. Lagos, P. Norris, E. </a:t>
+            </a:r>
+            <a:r>
+              <a:rPr lang="en-US" sz="1400" dirty="0" err="1">
+                <a:latin typeface="+mj-lt"/>
+                <a:ea typeface="+mj-ea"/>
+                <a:cs typeface="+mj-cs"/>
+              </a:rPr>
+              <a:t>Ponarin</a:t>
+            </a:r>
+            <a:r>
+              <a:rPr lang="en-US" sz="1400" dirty="0">
+                <a:latin typeface="+mj-lt"/>
+                <a:ea typeface="+mj-ea"/>
+                <a:cs typeface="+mj-cs"/>
+              </a:rPr>
+              <a:t> &amp; B. </a:t>
+            </a:r>
+            <a:r>
+              <a:rPr lang="en-US" sz="1400" dirty="0" err="1">
+                <a:latin typeface="+mj-lt"/>
+                <a:ea typeface="+mj-ea"/>
+                <a:cs typeface="+mj-cs"/>
+              </a:rPr>
+              <a:t>Puranen</a:t>
+            </a:r>
+            <a:r>
+              <a:rPr lang="en-US" sz="1400" dirty="0">
+                <a:latin typeface="+mj-lt"/>
+                <a:ea typeface="+mj-ea"/>
+                <a:cs typeface="+mj-cs"/>
+              </a:rPr>
+              <a:t> et al. (eds.). 2020. World Values Survey: Round Seven - Country-Pooled </a:t>
+            </a:r>
+            <a:r>
+              <a:rPr lang="en-US" sz="1400" dirty="0" err="1">
+                <a:latin typeface="+mj-lt"/>
+                <a:ea typeface="+mj-ea"/>
+                <a:cs typeface="+mj-cs"/>
+              </a:rPr>
+              <a:t>Datafile</a:t>
+            </a:r>
+            <a:r>
+              <a:rPr lang="en-US" sz="1400" dirty="0">
+                <a:latin typeface="+mj-lt"/>
+                <a:ea typeface="+mj-ea"/>
+                <a:cs typeface="+mj-cs"/>
+              </a:rPr>
+              <a:t>. Madrid, Spain &amp; Vienna, Austria: JD Systems Institute &amp; WVSA Secretariat. doi.org/10.14281/18241.13</a:t>
+            </a:r>
+          </a:p>
+        </p:txBody>
+      </p:sp>
     </p:spTree>
     <p:extLst>
       <p:ext uri="{BB962C8B-B14F-4D97-AF65-F5344CB8AC3E}">
-        <p14:creationId xmlns:p14="http://schemas.microsoft.com/office/powerpoint/2010/main" val="1765768780"/>
+        <p14:creationId xmlns:p14="http://schemas.microsoft.com/office/powerpoint/2010/main" val="2236066495"/>
       </p:ext>
     </p:extLst>
   </p:cSld>
@@ -7130,7 +7088,7 @@
         <p:spPr>
           <a:xfrm>
             <a:off x="3458029" y="2037194"/>
-            <a:ext cx="2362200" cy="2308324"/>
+            <a:ext cx="2362200" cy="830997"/>
           </a:xfrm>
           <a:prstGeom prst="rect">
             <a:avLst/>
@@ -7159,7 +7117,7 @@
                   <a:srgbClr val="7030A0"/>
                 </a:solidFill>
               </a:rPr>
-              <a:t>Standard error</a:t>
+              <a:t>Group average</a:t>
             </a:r>
           </a:p>
           <a:p>
@@ -7170,18 +7128,7 @@
                   <a:srgbClr val="7030A0"/>
                 </a:solidFill>
               </a:rPr>
-              <a:t>=</a:t>
-            </a:r>
-          </a:p>
-          <a:p>
-            <a:pPr algn="ctr"/>
-            <a:r>
-              <a:rPr lang="en-US" sz="2400" dirty="0" smtClean="0">
-                <a:solidFill>
-                  <a:srgbClr val="7030A0"/>
-                </a:solidFill>
-              </a:rPr>
-              <a:t>Standard deviation / square root of sample size</a:t>
+              <a:t>or mean</a:t>
             </a:r>
             <a:endParaRPr lang="en-US" sz="2400" dirty="0">
               <a:solidFill>
@@ -7201,8 +7148,8 @@
         </p:nvCxnSpPr>
         <p:spPr>
           <a:xfrm flipV="1">
-            <a:off x="5820229" y="2225844"/>
-            <a:ext cx="3371897" cy="965512"/>
+            <a:off x="5820229" y="2383130"/>
+            <a:ext cx="3399971" cy="69563"/>
           </a:xfrm>
           <a:prstGeom prst="straightConnector1">
             <a:avLst/>
@@ -7229,18 +7176,77 @@
           </a:fontRef>
         </p:style>
       </p:cxnSp>
+      <p:sp>
+        <p:nvSpPr>
+          <p:cNvPr id="8" name="TextBox 7"/>
+          <p:cNvSpPr txBox="1"/>
+          <p:nvPr/>
+        </p:nvSpPr>
+        <p:spPr>
+          <a:xfrm>
+            <a:off x="2962729" y="4449093"/>
+            <a:ext cx="2362200" cy="1200329"/>
+          </a:xfrm>
+          <a:prstGeom prst="rect">
+            <a:avLst/>
+          </a:prstGeom>
+          <a:solidFill>
+            <a:schemeClr val="bg1">
+              <a:lumMod val="95000"/>
+            </a:schemeClr>
+          </a:solidFill>
+          <a:ln>
+            <a:solidFill>
+              <a:srgbClr val="7030A0"/>
+            </a:solidFill>
+          </a:ln>
+        </p:spPr>
+        <p:txBody>
+          <a:bodyPr wrap="square" rtlCol="0">
+            <a:spAutoFit/>
+          </a:bodyPr>
+          <a:lstStyle/>
+          <a:p>
+            <a:pPr algn="ctr"/>
+            <a:r>
+              <a:rPr lang="en-US" sz="2400" dirty="0" smtClean="0">
+                <a:solidFill>
+                  <a:srgbClr val="7030A0"/>
+                </a:solidFill>
+              </a:rPr>
+              <a:t>Individual survey respondent</a:t>
+            </a:r>
+          </a:p>
+          <a:p>
+            <a:pPr algn="ctr"/>
+            <a:r>
+              <a:rPr lang="en-US" sz="2400" dirty="0" smtClean="0">
+                <a:solidFill>
+                  <a:srgbClr val="7030A0"/>
+                </a:solidFill>
+              </a:rPr>
+              <a:t>(data point)</a:t>
+            </a:r>
+            <a:endParaRPr lang="en-US" sz="2400" dirty="0">
+              <a:solidFill>
+                <a:srgbClr val="7030A0"/>
+              </a:solidFill>
+            </a:endParaRPr>
+          </a:p>
+        </p:txBody>
+      </p:sp>
       <p:cxnSp>
         <p:nvCxnSpPr>
-          <p:cNvPr id="10" name="Straight Arrow Connector 9"/>
+          <p:cNvPr id="9" name="Straight Arrow Connector 8"/>
           <p:cNvCxnSpPr>
-            <a:stCxn id="5" idx="3"/>
+            <a:stCxn id="8" idx="3"/>
           </p:cNvCxnSpPr>
           <p:nvPr/>
         </p:nvCxnSpPr>
         <p:spPr>
           <a:xfrm flipV="1">
-            <a:off x="5820229" y="2498860"/>
-            <a:ext cx="3371897" cy="692496"/>
+            <a:off x="5324929" y="3733800"/>
+            <a:ext cx="3641271" cy="1315458"/>
           </a:xfrm>
           <a:prstGeom prst="straightConnector1">
             <a:avLst/>
@@ -7270,7 +7276,7 @@
     </p:spTree>
     <p:extLst>
       <p:ext uri="{BB962C8B-B14F-4D97-AF65-F5344CB8AC3E}">
-        <p14:creationId xmlns:p14="http://schemas.microsoft.com/office/powerpoint/2010/main" val="1922511333"/>
+        <p14:creationId xmlns:p14="http://schemas.microsoft.com/office/powerpoint/2010/main" val="1765768780"/>
       </p:ext>
     </p:extLst>
   </p:cSld>
@@ -7403,7 +7409,7 @@
         <p:spPr>
           <a:xfrm>
             <a:off x="3458029" y="2037194"/>
-            <a:ext cx="2362200" cy="1938992"/>
+            <a:ext cx="2362200" cy="2308324"/>
           </a:xfrm>
           <a:prstGeom prst="rect">
             <a:avLst/>
@@ -7432,7 +7438,29 @@
                   <a:srgbClr val="7030A0"/>
                 </a:solidFill>
               </a:rPr>
-              <a:t>We can see this based on the standard error bars, they do not overlap</a:t>
+              <a:t>Standard error</a:t>
+            </a:r>
+          </a:p>
+          <a:p>
+            <a:pPr algn="ctr"/>
+            <a:r>
+              <a:rPr lang="en-US" sz="2400" dirty="0" smtClean="0">
+                <a:solidFill>
+                  <a:srgbClr val="7030A0"/>
+                </a:solidFill>
+              </a:rPr>
+              <a:t>=</a:t>
+            </a:r>
+          </a:p>
+          <a:p>
+            <a:pPr algn="ctr"/>
+            <a:r>
+              <a:rPr lang="en-US" sz="2400" dirty="0" smtClean="0">
+                <a:solidFill>
+                  <a:srgbClr val="7030A0"/>
+                </a:solidFill>
+              </a:rPr>
+              <a:t>Standard deviation / square root of sample size</a:t>
             </a:r>
             <a:endParaRPr lang="en-US" sz="2400" dirty="0">
               <a:solidFill>
@@ -7452,8 +7480,8 @@
         </p:nvCxnSpPr>
         <p:spPr>
           <a:xfrm flipV="1">
-            <a:off x="5820229" y="2526632"/>
-            <a:ext cx="3311739" cy="480058"/>
+            <a:off x="5820229" y="2225844"/>
+            <a:ext cx="3371897" cy="965512"/>
           </a:xfrm>
           <a:prstGeom prst="straightConnector1">
             <a:avLst/>
@@ -7482,16 +7510,16 @@
       </p:cxnSp>
       <p:cxnSp>
         <p:nvCxnSpPr>
-          <p:cNvPr id="9" name="Straight Arrow Connector 8"/>
+          <p:cNvPr id="10" name="Straight Arrow Connector 9"/>
           <p:cNvCxnSpPr>
             <a:stCxn id="5" idx="3"/>
           </p:cNvCxnSpPr>
           <p:nvPr/>
         </p:nvCxnSpPr>
         <p:spPr>
-          <a:xfrm>
-            <a:off x="5820229" y="3006690"/>
-            <a:ext cx="4996160" cy="626847"/>
+          <a:xfrm flipV="1">
+            <a:off x="5820229" y="2498860"/>
+            <a:ext cx="3371897" cy="692496"/>
           </a:xfrm>
           <a:prstGeom prst="straightConnector1">
             <a:avLst/>
@@ -7521,7 +7549,7 @@
     </p:spTree>
     <p:extLst>
       <p:ext uri="{BB962C8B-B14F-4D97-AF65-F5344CB8AC3E}">
-        <p14:creationId xmlns:p14="http://schemas.microsoft.com/office/powerpoint/2010/main" val="2138243139"/>
+        <p14:creationId xmlns:p14="http://schemas.microsoft.com/office/powerpoint/2010/main" val="1922511333"/>
       </p:ext>
     </p:extLst>
   </p:cSld>
@@ -7761,6 +7789,257 @@
         <p:spPr>
           <a:xfrm>
             <a:off x="3458029" y="2037194"/>
+            <a:ext cx="2362200" cy="1938992"/>
+          </a:xfrm>
+          <a:prstGeom prst="rect">
+            <a:avLst/>
+          </a:prstGeom>
+          <a:solidFill>
+            <a:schemeClr val="bg1">
+              <a:lumMod val="95000"/>
+            </a:schemeClr>
+          </a:solidFill>
+          <a:ln>
+            <a:solidFill>
+              <a:srgbClr val="7030A0"/>
+            </a:solidFill>
+          </a:ln>
+        </p:spPr>
+        <p:txBody>
+          <a:bodyPr wrap="square" rtlCol="0">
+            <a:spAutoFit/>
+          </a:bodyPr>
+          <a:lstStyle/>
+          <a:p>
+            <a:pPr algn="ctr"/>
+            <a:r>
+              <a:rPr lang="en-US" sz="2400" dirty="0" smtClean="0">
+                <a:solidFill>
+                  <a:srgbClr val="7030A0"/>
+                </a:solidFill>
+              </a:rPr>
+              <a:t>We can see this based on the standard error bars, they do not overlap</a:t>
+            </a:r>
+            <a:endParaRPr lang="en-US" sz="2400" dirty="0">
+              <a:solidFill>
+                <a:srgbClr val="7030A0"/>
+              </a:solidFill>
+            </a:endParaRPr>
+          </a:p>
+        </p:txBody>
+      </p:sp>
+      <p:cxnSp>
+        <p:nvCxnSpPr>
+          <p:cNvPr id="7" name="Straight Arrow Connector 6"/>
+          <p:cNvCxnSpPr>
+            <a:stCxn id="5" idx="3"/>
+          </p:cNvCxnSpPr>
+          <p:nvPr/>
+        </p:nvCxnSpPr>
+        <p:spPr>
+          <a:xfrm flipV="1">
+            <a:off x="5820229" y="2526632"/>
+            <a:ext cx="3311739" cy="480058"/>
+          </a:xfrm>
+          <a:prstGeom prst="straightConnector1">
+            <a:avLst/>
+          </a:prstGeom>
+          <a:ln w="25400">
+            <a:solidFill>
+              <a:srgbClr val="7030A0"/>
+            </a:solidFill>
+            <a:tailEnd type="triangle" w="lg" len="lg"/>
+          </a:ln>
+        </p:spPr>
+        <p:style>
+          <a:lnRef idx="1">
+            <a:schemeClr val="accent1"/>
+          </a:lnRef>
+          <a:fillRef idx="0">
+            <a:schemeClr val="accent1"/>
+          </a:fillRef>
+          <a:effectRef idx="0">
+            <a:schemeClr val="accent1"/>
+          </a:effectRef>
+          <a:fontRef idx="minor">
+            <a:schemeClr val="tx1"/>
+          </a:fontRef>
+        </p:style>
+      </p:cxnSp>
+      <p:cxnSp>
+        <p:nvCxnSpPr>
+          <p:cNvPr id="9" name="Straight Arrow Connector 8"/>
+          <p:cNvCxnSpPr>
+            <a:stCxn id="5" idx="3"/>
+          </p:cNvCxnSpPr>
+          <p:nvPr/>
+        </p:nvCxnSpPr>
+        <p:spPr>
+          <a:xfrm>
+            <a:off x="5820229" y="3006690"/>
+            <a:ext cx="4996160" cy="626847"/>
+          </a:xfrm>
+          <a:prstGeom prst="straightConnector1">
+            <a:avLst/>
+          </a:prstGeom>
+          <a:ln w="25400">
+            <a:solidFill>
+              <a:srgbClr val="7030A0"/>
+            </a:solidFill>
+            <a:tailEnd type="triangle" w="lg" len="lg"/>
+          </a:ln>
+        </p:spPr>
+        <p:style>
+          <a:lnRef idx="1">
+            <a:schemeClr val="accent1"/>
+          </a:lnRef>
+          <a:fillRef idx="0">
+            <a:schemeClr val="accent1"/>
+          </a:fillRef>
+          <a:effectRef idx="0">
+            <a:schemeClr val="accent1"/>
+          </a:effectRef>
+          <a:fontRef idx="minor">
+            <a:schemeClr val="tx1"/>
+          </a:fontRef>
+        </p:style>
+      </p:cxnSp>
+    </p:spTree>
+    <p:extLst>
+      <p:ext uri="{BB962C8B-B14F-4D97-AF65-F5344CB8AC3E}">
+        <p14:creationId xmlns:p14="http://schemas.microsoft.com/office/powerpoint/2010/main" val="2138243139"/>
+      </p:ext>
+    </p:extLst>
+  </p:cSld>
+  <p:clrMapOvr>
+    <a:masterClrMapping/>
+  </p:clrMapOvr>
+</p:sld>
+</file>
+
+<file path=ppt/slides/slide21.xml><?xml version="1.0" encoding="utf-8"?>
+<p:sld xmlns:a="http://schemas.openxmlformats.org/drawingml/2006/main" xmlns:r="http://schemas.openxmlformats.org/officeDocument/2006/relationships" xmlns:p="http://schemas.openxmlformats.org/presentationml/2006/main">
+  <p:cSld>
+    <p:spTree>
+      <p:nvGrpSpPr>
+        <p:cNvPr id="1" name=""/>
+        <p:cNvGrpSpPr/>
+        <p:nvPr/>
+      </p:nvGrpSpPr>
+      <p:grpSpPr>
+        <a:xfrm>
+          <a:off x="0" y="0"/>
+          <a:ext cx="0" cy="0"/>
+          <a:chOff x="0" y="0"/>
+          <a:chExt cx="0" cy="0"/>
+        </a:xfrm>
+      </p:grpSpPr>
+      <p:sp>
+        <p:nvSpPr>
+          <p:cNvPr id="2" name="Title 1"/>
+          <p:cNvSpPr>
+            <a:spLocks noGrp="1"/>
+          </p:cNvSpPr>
+          <p:nvPr>
+            <p:ph type="title"/>
+          </p:nvPr>
+        </p:nvSpPr>
+        <p:spPr/>
+        <p:txBody>
+          <a:bodyPr>
+            <a:normAutofit/>
+          </a:bodyPr>
+          <a:lstStyle/>
+          <a:p>
+            <a:r>
+              <a:rPr lang="en-US" b="1" i="1" dirty="0"/>
+              <a:t>Can Money Buy Happiness</a:t>
+            </a:r>
+            <a:r>
+              <a:rPr lang="en-US" b="1" i="1" dirty="0" smtClean="0"/>
+              <a:t>?</a:t>
+            </a:r>
+            <a:br>
+              <a:rPr lang="en-US" b="1" i="1" dirty="0" smtClean="0"/>
+            </a:br>
+            <a:r>
+              <a:rPr lang="en-US" sz="3600" dirty="0" smtClean="0">
+                <a:solidFill>
+                  <a:schemeClr val="bg1"/>
+                </a:solidFill>
+              </a:rPr>
+              <a:t>Example 2. NHST – Test of Linear Association</a:t>
+            </a:r>
+            <a:endParaRPr lang="en-US" sz="3600" b="1" dirty="0">
+              <a:solidFill>
+                <a:schemeClr val="bg1"/>
+              </a:solidFill>
+            </a:endParaRPr>
+          </a:p>
+        </p:txBody>
+      </p:sp>
+      <p:sp>
+        <p:nvSpPr>
+          <p:cNvPr id="3" name="Slide Number Placeholder 2"/>
+          <p:cNvSpPr>
+            <a:spLocks noGrp="1"/>
+          </p:cNvSpPr>
+          <p:nvPr>
+            <p:ph type="sldNum" sz="quarter" idx="12"/>
+          </p:nvPr>
+        </p:nvSpPr>
+        <p:spPr/>
+        <p:txBody>
+          <a:bodyPr/>
+          <a:lstStyle/>
+          <a:p>
+            <a:fld id="{4929EDCA-EEB2-451C-BB62-AAACAE88A0BC}" type="slidenum">
+              <a:rPr lang="en-US" smtClean="0"/>
+              <a:t>21</a:t>
+            </a:fld>
+            <a:endParaRPr lang="en-US"/>
+          </a:p>
+        </p:txBody>
+      </p:sp>
+      <p:pic>
+        <p:nvPicPr>
+          <p:cNvPr id="4" name="Picture 3"/>
+          <p:cNvPicPr>
+            <a:picLocks noChangeAspect="1"/>
+          </p:cNvPicPr>
+          <p:nvPr/>
+        </p:nvPicPr>
+        <p:blipFill>
+          <a:blip r:embed="rId2">
+            <a:extLst>
+              <a:ext uri="{28A0092B-C50C-407E-A947-70E740481C1C}">
+                <a14:useLocalDpi xmlns:a14="http://schemas.microsoft.com/office/drawing/2010/main" val="0"/>
+              </a:ext>
+            </a:extLst>
+          </a:blip>
+          <a:stretch>
+            <a:fillRect/>
+          </a:stretch>
+        </p:blipFill>
+        <p:spPr>
+          <a:xfrm>
+            <a:off x="7273389" y="18619"/>
+            <a:ext cx="4798868" cy="6718414"/>
+          </a:xfrm>
+          <a:prstGeom prst="rect">
+            <a:avLst/>
+          </a:prstGeom>
+        </p:spPr>
+      </p:pic>
+      <p:sp>
+        <p:nvSpPr>
+          <p:cNvPr id="5" name="TextBox 4"/>
+          <p:cNvSpPr txBox="1"/>
+          <p:nvPr/>
+        </p:nvSpPr>
+        <p:spPr>
+          <a:xfrm>
+            <a:off x="3458029" y="2037194"/>
             <a:ext cx="2362200" cy="2308324"/>
           </a:xfrm>
           <a:prstGeom prst="rect">
@@ -7851,7 +8130,7 @@
 </p:sld>
 </file>
 
-<file path=ppt/slides/slide21.xml><?xml version="1.0" encoding="utf-8"?>
+<file path=ppt/slides/slide22.xml><?xml version="1.0" encoding="utf-8"?>
 <p:sld xmlns:a="http://schemas.openxmlformats.org/drawingml/2006/main" xmlns:r="http://schemas.openxmlformats.org/officeDocument/2006/relationships" xmlns:p="http://schemas.openxmlformats.org/presentationml/2006/main">
   <p:cSld>
     <p:spTree>
@@ -8034,7 +8313,7 @@
           <a:p>
             <a:fld id="{4929EDCA-EEB2-451C-BB62-AAACAE88A0BC}" type="slidenum">
               <a:rPr lang="en-US" smtClean="0"/>
-              <a:t>21</a:t>
+              <a:t>22</a:t>
             </a:fld>
             <a:endParaRPr lang="en-US"/>
           </a:p>
@@ -8772,179 +9051,6 @@
     <p:extLst>
       <p:ext uri="{BB962C8B-B14F-4D97-AF65-F5344CB8AC3E}">
         <p14:creationId xmlns:p14="http://schemas.microsoft.com/office/powerpoint/2010/main" val="3328684915"/>
-      </p:ext>
-    </p:extLst>
-  </p:cSld>
-  <p:clrMapOvr>
-    <a:masterClrMapping/>
-  </p:clrMapOvr>
-</p:sld>
-</file>
-
-<file path=ppt/slides/slide22.xml><?xml version="1.0" encoding="utf-8"?>
-<p:sld xmlns:a="http://schemas.openxmlformats.org/drawingml/2006/main" xmlns:r="http://schemas.openxmlformats.org/officeDocument/2006/relationships" xmlns:p="http://schemas.openxmlformats.org/presentationml/2006/main">
-  <p:cSld>
-    <p:spTree>
-      <p:nvGrpSpPr>
-        <p:cNvPr id="1" name=""/>
-        <p:cNvGrpSpPr/>
-        <p:nvPr/>
-      </p:nvGrpSpPr>
-      <p:grpSpPr>
-        <a:xfrm>
-          <a:off x="0" y="0"/>
-          <a:ext cx="0" cy="0"/>
-          <a:chOff x="0" y="0"/>
-          <a:chExt cx="0" cy="0"/>
-        </a:xfrm>
-      </p:grpSpPr>
-      <p:sp>
-        <p:nvSpPr>
-          <p:cNvPr id="4" name="Slide Number Placeholder 3"/>
-          <p:cNvSpPr>
-            <a:spLocks noGrp="1"/>
-          </p:cNvSpPr>
-          <p:nvPr>
-            <p:ph type="sldNum" sz="quarter" idx="12"/>
-          </p:nvPr>
-        </p:nvSpPr>
-        <p:spPr/>
-        <p:txBody>
-          <a:bodyPr/>
-          <a:lstStyle/>
-          <a:p>
-            <a:fld id="{4929EDCA-EEB2-451C-BB62-AAACAE88A0BC}" type="slidenum">
-              <a:rPr lang="en-US" smtClean="0"/>
-              <a:t>22</a:t>
-            </a:fld>
-            <a:endParaRPr lang="en-US"/>
-          </a:p>
-        </p:txBody>
-      </p:sp>
-      <p:sp>
-        <p:nvSpPr>
-          <p:cNvPr id="5" name="Title 1"/>
-          <p:cNvSpPr>
-            <a:spLocks noGrp="1"/>
-          </p:cNvSpPr>
-          <p:nvPr>
-            <p:ph type="title"/>
-          </p:nvPr>
-        </p:nvSpPr>
-        <p:spPr>
-          <a:xfrm>
-            <a:off x="838200" y="365125"/>
-            <a:ext cx="10515600" cy="1325563"/>
-          </a:xfrm>
-        </p:spPr>
-        <p:txBody>
-          <a:bodyPr>
-            <a:normAutofit/>
-          </a:bodyPr>
-          <a:lstStyle/>
-          <a:p>
-            <a:r>
-              <a:rPr lang="en-US" b="1" i="1" dirty="0"/>
-              <a:t>Can Money Buy Happiness</a:t>
-            </a:r>
-            <a:r>
-              <a:rPr lang="en-US" b="1" i="1" dirty="0" smtClean="0"/>
-              <a:t>?</a:t>
-            </a:r>
-            <a:br>
-              <a:rPr lang="en-US" b="1" i="1" dirty="0" smtClean="0"/>
-            </a:br>
-            <a:r>
-              <a:rPr lang="en-US" sz="3600" dirty="0" smtClean="0"/>
-              <a:t>Example 1. NHST – Comparing Means</a:t>
-            </a:r>
-            <a:endParaRPr lang="en-US" sz="3600" b="1" dirty="0"/>
-          </a:p>
-        </p:txBody>
-      </p:sp>
-      <p:sp>
-        <p:nvSpPr>
-          <p:cNvPr id="6" name="TextBox 5"/>
-          <p:cNvSpPr txBox="1"/>
-          <p:nvPr/>
-        </p:nvSpPr>
-        <p:spPr>
-          <a:xfrm>
-            <a:off x="1010653" y="2021305"/>
-            <a:ext cx="7808494" cy="3970318"/>
-          </a:xfrm>
-          <a:prstGeom prst="rect">
-            <a:avLst/>
-          </a:prstGeom>
-          <a:noFill/>
-        </p:spPr>
-        <p:txBody>
-          <a:bodyPr wrap="square" rtlCol="0">
-            <a:spAutoFit/>
-          </a:bodyPr>
-          <a:lstStyle/>
-          <a:p>
-            <a:r>
-              <a:rPr lang="en-US" sz="2800" b="1" dirty="0" smtClean="0"/>
-              <a:t>Group Task</a:t>
-            </a:r>
-          </a:p>
-          <a:p>
-            <a:r>
-              <a:rPr lang="en-US" sz="2800" dirty="0" smtClean="0"/>
-              <a:t>1) Look at different country comparisons in the folder “…results/</a:t>
-            </a:r>
-            <a:r>
-              <a:rPr lang="en-US" sz="2800" dirty="0" err="1" smtClean="0"/>
-              <a:t>means_p</a:t>
-            </a:r>
-            <a:r>
-              <a:rPr lang="en-US" sz="2800" dirty="0" smtClean="0"/>
-              <a:t>” at</a:t>
-            </a:r>
-          </a:p>
-          <a:p>
-            <a:r>
-              <a:rPr lang="en-US" sz="2800" dirty="0">
-                <a:hlinkClick r:id="rId2"/>
-              </a:rPr>
-              <a:t>https://</a:t>
-            </a:r>
-            <a:r>
-              <a:rPr lang="en-US" sz="2800" dirty="0" smtClean="0">
-                <a:hlinkClick r:id="rId2"/>
-              </a:rPr>
-              <a:t>github.com/nbreznau/p_values</a:t>
-            </a:r>
-            <a:r>
-              <a:rPr lang="en-US" sz="2800" dirty="0" smtClean="0"/>
-              <a:t> </a:t>
-            </a:r>
-          </a:p>
-          <a:p>
-            <a:r>
-              <a:rPr lang="en-US" sz="2800" dirty="0" smtClean="0"/>
-              <a:t>2) Select two countries to compare, save the two figures on a slide or document</a:t>
-            </a:r>
-          </a:p>
-          <a:p>
-            <a:r>
-              <a:rPr lang="en-US" sz="2800" dirty="0" smtClean="0"/>
-              <a:t>3) Be prepared to meaning of the p-values for each country</a:t>
-            </a:r>
-          </a:p>
-          <a:p>
-            <a:r>
-              <a:rPr lang="en-US" sz="2800" dirty="0" smtClean="0"/>
-              <a:t> </a:t>
-            </a:r>
-          </a:p>
-        </p:txBody>
-      </p:sp>
-    </p:spTree>
-    <p:extLst>
-      <p:ext uri="{BB962C8B-B14F-4D97-AF65-F5344CB8AC3E}">
-        <p14:creationId xmlns:p14="http://schemas.microsoft.com/office/powerpoint/2010/main" val="150322473"/>
       </p:ext>
     </p:extLst>
   </p:cSld>
@@ -8973,55 +9079,7 @@
       </p:grpSpPr>
       <p:sp>
         <p:nvSpPr>
-          <p:cNvPr id="2" name="Title 1"/>
-          <p:cNvSpPr>
-            <a:spLocks noGrp="1"/>
-          </p:cNvSpPr>
-          <p:nvPr>
-            <p:ph type="title"/>
-          </p:nvPr>
-        </p:nvSpPr>
-        <p:spPr/>
-        <p:txBody>
-          <a:bodyPr>
-            <a:normAutofit/>
-          </a:bodyPr>
-          <a:lstStyle/>
-          <a:p>
-            <a:r>
-              <a:rPr lang="en-US" b="1" i="1" dirty="0"/>
-              <a:t>Can Money Buy Happiness</a:t>
-            </a:r>
-            <a:r>
-              <a:rPr lang="en-US" b="1" i="1" dirty="0" smtClean="0"/>
-              <a:t>?</a:t>
-            </a:r>
-            <a:br>
-              <a:rPr lang="en-US" b="1" i="1" dirty="0" smtClean="0"/>
-            </a:br>
-            <a:r>
-              <a:rPr lang="en-US" sz="3600" dirty="0" smtClean="0"/>
-              <a:t>Example </a:t>
-            </a:r>
-            <a:r>
-              <a:rPr lang="en-US" sz="3600" dirty="0" smtClean="0"/>
-              <a:t>2. </a:t>
-            </a:r>
-            <a:r>
-              <a:rPr lang="en-US" sz="3600" dirty="0" smtClean="0"/>
-              <a:t>NHST – Linear </a:t>
-            </a:r>
-            <a:r>
-              <a:rPr lang="en-US" sz="3600" dirty="0" smtClean="0"/>
-              <a:t>Association</a:t>
-            </a:r>
-            <a:endParaRPr lang="en-US" sz="3600" b="1" dirty="0"/>
-          </a:p>
-        </p:txBody>
-      </p:sp>
-      <p:sp>
-        <p:nvSpPr>
-          <p:cNvPr id="3" name="Slide Number Placeholder 2"/>
+          <p:cNvPr id="4" name="Slide Number Placeholder 3"/>
           <p:cNvSpPr>
             <a:spLocks noGrp="1"/>
           </p:cNvSpPr>
@@ -9044,14 +9102,55 @@
       </p:sp>
       <p:sp>
         <p:nvSpPr>
-          <p:cNvPr id="5" name="TextBox 4"/>
+          <p:cNvPr id="5" name="Title 1"/>
+          <p:cNvSpPr>
+            <a:spLocks noGrp="1"/>
+          </p:cNvSpPr>
+          <p:nvPr>
+            <p:ph type="title"/>
+          </p:nvPr>
+        </p:nvSpPr>
+        <p:spPr>
+          <a:xfrm>
+            <a:off x="838200" y="365125"/>
+            <a:ext cx="10515600" cy="1325563"/>
+          </a:xfrm>
+        </p:spPr>
+        <p:txBody>
+          <a:bodyPr>
+            <a:normAutofit/>
+          </a:bodyPr>
+          <a:lstStyle/>
+          <a:p>
+            <a:r>
+              <a:rPr lang="en-US" b="1" i="1" dirty="0"/>
+              <a:t>Can Money Buy Happiness</a:t>
+            </a:r>
+            <a:r>
+              <a:rPr lang="en-US" b="1" i="1" dirty="0" smtClean="0"/>
+              <a:t>?</a:t>
+            </a:r>
+            <a:br>
+              <a:rPr lang="en-US" b="1" i="1" dirty="0" smtClean="0"/>
+            </a:br>
+            <a:r>
+              <a:rPr lang="en-US" sz="3600" dirty="0" smtClean="0"/>
+              <a:t>Example 1. NHST – Comparing Means</a:t>
+            </a:r>
+            <a:endParaRPr lang="en-US" sz="3600" b="1" dirty="0"/>
+          </a:p>
+        </p:txBody>
+      </p:sp>
+      <p:sp>
+        <p:nvSpPr>
+          <p:cNvPr id="6" name="TextBox 5"/>
           <p:cNvSpPr txBox="1"/>
           <p:nvPr/>
         </p:nvSpPr>
         <p:spPr>
           <a:xfrm>
-            <a:off x="838199" y="1970314"/>
-            <a:ext cx="9809747" cy="2246769"/>
+            <a:off x="1010653" y="2021305"/>
+            <a:ext cx="7808494" cy="3970318"/>
           </a:xfrm>
           <a:prstGeom prst="rect">
             <a:avLst/>
@@ -9064,64 +9163,67 @@
           </a:bodyPr>
           <a:lstStyle/>
           <a:p>
-            <a:pPr marL="457200" indent="-457200">
-              <a:buFont typeface="Arial" panose="020B0604020202020204" pitchFamily="34" charset="0"/>
-              <a:buChar char="•"/>
-            </a:pPr>
+            <a:r>
+              <a:rPr lang="en-US" sz="2800" b="1" dirty="0" smtClean="0"/>
+              <a:t>Group Task</a:t>
+            </a:r>
+          </a:p>
+          <a:p>
             <a:r>
               <a:rPr lang="en-US" sz="2800" dirty="0" smtClean="0"/>
-              <a:t>Compare income and happiness as </a:t>
-            </a:r>
-            <a:r>
-              <a:rPr lang="en-US" sz="2800" b="1" dirty="0" smtClean="0"/>
-              <a:t>continuous</a:t>
+              <a:t>1) Look at different country comparisons in the folder “…results/</a:t>
+            </a:r>
+            <a:r>
+              <a:rPr lang="en-US" sz="2800" dirty="0" err="1" smtClean="0"/>
+              <a:t>means_p</a:t>
             </a:r>
             <a:r>
               <a:rPr lang="en-US" sz="2800" dirty="0" smtClean="0"/>
-              <a:t> measures.</a:t>
-            </a:r>
-          </a:p>
-          <a:p>
-            <a:pPr marL="457200" indent="-457200">
-              <a:buFont typeface="Arial" panose="020B0604020202020204" pitchFamily="34" charset="0"/>
-              <a:buChar char="•"/>
-            </a:pPr>
+              <a:t>” at</a:t>
+            </a:r>
+          </a:p>
+          <a:p>
+            <a:r>
+              <a:rPr lang="en-US" sz="2800" dirty="0">
+                <a:hlinkClick r:id="rId2"/>
+              </a:rPr>
+              <a:t>https://</a:t>
+            </a:r>
+            <a:r>
+              <a:rPr lang="en-US" sz="2800" dirty="0" smtClean="0">
+                <a:hlinkClick r:id="rId2"/>
+              </a:rPr>
+              <a:t>github.com/nbreznau/p_values</a:t>
+            </a:r>
             <a:r>
               <a:rPr lang="en-US" sz="2800" dirty="0" smtClean="0"/>
-              <a:t>WVS has an 8-category income scale (quasi-continuous)</a:t>
-            </a:r>
-          </a:p>
-          <a:p>
-            <a:pPr marL="457200" indent="-457200">
-              <a:buFont typeface="Arial" panose="020B0604020202020204" pitchFamily="34" charset="0"/>
-              <a:buChar char="•"/>
-            </a:pPr>
+              <a:t> </a:t>
+            </a:r>
+          </a:p>
+          <a:p>
             <a:r>
               <a:rPr lang="en-US" sz="2800" dirty="0" smtClean="0"/>
-              <a:t>WVS asks ‘how happy are you’ and ‘how satisfied are you with your life’. Using these two questions we can construct a </a:t>
-            </a:r>
-            <a:r>
-              <a:rPr lang="en-US" sz="2800" b="1" dirty="0" smtClean="0"/>
-              <a:t>scale</a:t>
-            </a:r>
+              <a:t>2) Select two countries to compare, save the two figures on a slide or document</a:t>
+            </a:r>
+          </a:p>
+          <a:p>
             <a:r>
               <a:rPr lang="en-US" sz="2800" dirty="0" smtClean="0"/>
-              <a:t>.</a:t>
-            </a:r>
-          </a:p>
-          <a:p>
-            <a:pPr marL="457200" indent="-457200">
-              <a:buFont typeface="Arial" panose="020B0604020202020204" pitchFamily="34" charset="0"/>
-              <a:buChar char="•"/>
-            </a:pPr>
-            <a:endParaRPr lang="en-US" sz="2800" dirty="0"/>
+              <a:t>3) Be prepared to meaning of the p-values for each country</a:t>
+            </a:r>
+          </a:p>
+          <a:p>
+            <a:r>
+              <a:rPr lang="en-US" sz="2800" dirty="0" smtClean="0"/>
+              <a:t> </a:t>
+            </a:r>
           </a:p>
         </p:txBody>
       </p:sp>
     </p:spTree>
     <p:extLst>
       <p:ext uri="{BB962C8B-B14F-4D97-AF65-F5344CB8AC3E}">
-        <p14:creationId xmlns:p14="http://schemas.microsoft.com/office/powerpoint/2010/main" val="2646120504"/>
+        <p14:creationId xmlns:p14="http://schemas.microsoft.com/office/powerpoint/2010/main" val="150322473"/>
       </p:ext>
     </p:extLst>
   </p:cSld>
@@ -9158,12 +9260,7 @@
             <p:ph type="title"/>
           </p:nvPr>
         </p:nvSpPr>
-        <p:spPr>
-          <a:xfrm>
-            <a:off x="55560" y="0"/>
-            <a:ext cx="10515600" cy="1325563"/>
-          </a:xfrm>
-        </p:spPr>
+        <p:spPr/>
         <p:txBody>
           <a:bodyPr>
             <a:normAutofit/>
@@ -9183,19 +9280,7 @@
             </a:br>
             <a:r>
               <a:rPr lang="en-US" sz="3600" dirty="0" smtClean="0"/>
-              <a:t>Example </a:t>
-            </a:r>
-            <a:r>
-              <a:rPr lang="en-US" sz="3600" dirty="0" smtClean="0"/>
-              <a:t>2. </a:t>
-            </a:r>
-            <a:r>
-              <a:rPr lang="en-US" sz="3600" dirty="0" smtClean="0"/>
-              <a:t>NHST – Linear </a:t>
-            </a:r>
-            <a:r>
-              <a:rPr lang="en-US" sz="3600" dirty="0" smtClean="0"/>
-              <a:t>Association</a:t>
+              <a:t>Example 2. NHST – Linear Association</a:t>
             </a:r>
             <a:endParaRPr lang="en-US" sz="3600" b="1" dirty="0"/>
           </a:p>
@@ -9224,40 +9309,86 @@
           </a:p>
         </p:txBody>
       </p:sp>
-      <p:pic>
-        <p:nvPicPr>
-          <p:cNvPr id="4" name="Picture 3"/>
-          <p:cNvPicPr>
-            <a:picLocks noChangeAspect="1"/>
-          </p:cNvPicPr>
+      <p:sp>
+        <p:nvSpPr>
+          <p:cNvPr id="5" name="TextBox 4"/>
+          <p:cNvSpPr txBox="1"/>
           <p:nvPr/>
-        </p:nvPicPr>
-        <p:blipFill>
-          <a:blip r:embed="rId2">
-            <a:extLst>
-              <a:ext uri="{28A0092B-C50C-407E-A947-70E740481C1C}">
-                <a14:useLocalDpi xmlns:a14="http://schemas.microsoft.com/office/drawing/2010/main" val="0"/>
-              </a:ext>
-            </a:extLst>
-          </a:blip>
-          <a:stretch>
-            <a:fillRect/>
-          </a:stretch>
-        </p:blipFill>
-        <p:spPr>
-          <a:xfrm>
-            <a:off x="7170821" y="0"/>
-            <a:ext cx="4920916" cy="6889283"/>
+        </p:nvSpPr>
+        <p:spPr>
+          <a:xfrm>
+            <a:off x="838199" y="1970314"/>
+            <a:ext cx="9809747" cy="2246769"/>
           </a:xfrm>
           <a:prstGeom prst="rect">
             <a:avLst/>
           </a:prstGeom>
-        </p:spPr>
-      </p:pic>
+          <a:noFill/>
+        </p:spPr>
+        <p:txBody>
+          <a:bodyPr wrap="square" rtlCol="0">
+            <a:spAutoFit/>
+          </a:bodyPr>
+          <a:lstStyle/>
+          <a:p>
+            <a:pPr marL="457200" indent="-457200">
+              <a:buFont typeface="Arial" panose="020B0604020202020204" pitchFamily="34" charset="0"/>
+              <a:buChar char="•"/>
+            </a:pPr>
+            <a:r>
+              <a:rPr lang="en-US" sz="2800" dirty="0" smtClean="0"/>
+              <a:t>Compare income and happiness as </a:t>
+            </a:r>
+            <a:r>
+              <a:rPr lang="en-US" sz="2800" b="1" dirty="0" smtClean="0"/>
+              <a:t>continuous</a:t>
+            </a:r>
+            <a:r>
+              <a:rPr lang="en-US" sz="2800" dirty="0" smtClean="0"/>
+              <a:t> measures.</a:t>
+            </a:r>
+          </a:p>
+          <a:p>
+            <a:pPr marL="457200" indent="-457200">
+              <a:buFont typeface="Arial" panose="020B0604020202020204" pitchFamily="34" charset="0"/>
+              <a:buChar char="•"/>
+            </a:pPr>
+            <a:r>
+              <a:rPr lang="en-US" sz="2800" dirty="0" smtClean="0"/>
+              <a:t>WVS has an 8-category income scale (quasi-continuous)</a:t>
+            </a:r>
+          </a:p>
+          <a:p>
+            <a:pPr marL="457200" indent="-457200">
+              <a:buFont typeface="Arial" panose="020B0604020202020204" pitchFamily="34" charset="0"/>
+              <a:buChar char="•"/>
+            </a:pPr>
+            <a:r>
+              <a:rPr lang="en-US" sz="2800" dirty="0" smtClean="0"/>
+              <a:t>WVS asks ‘how happy are you’ and ‘how satisfied are you with your life’. Using these two questions we can construct a </a:t>
+            </a:r>
+            <a:r>
+              <a:rPr lang="en-US" sz="2800" b="1" dirty="0" smtClean="0"/>
+              <a:t>scale</a:t>
+            </a:r>
+            <a:r>
+              <a:rPr lang="en-US" sz="2800" dirty="0" smtClean="0"/>
+              <a:t>.</a:t>
+            </a:r>
+          </a:p>
+          <a:p>
+            <a:pPr marL="457200" indent="-457200">
+              <a:buFont typeface="Arial" panose="020B0604020202020204" pitchFamily="34" charset="0"/>
+              <a:buChar char="•"/>
+            </a:pPr>
+            <a:endParaRPr lang="en-US" sz="2800" dirty="0"/>
+          </a:p>
+        </p:txBody>
+      </p:sp>
     </p:spTree>
     <p:extLst>
       <p:ext uri="{BB962C8B-B14F-4D97-AF65-F5344CB8AC3E}">
-        <p14:creationId xmlns:p14="http://schemas.microsoft.com/office/powerpoint/2010/main" val="2358907651"/>
+        <p14:creationId xmlns:p14="http://schemas.microsoft.com/office/powerpoint/2010/main" val="2646120504"/>
       </p:ext>
     </p:extLst>
   </p:cSld>
@@ -9319,19 +9450,7 @@
             </a:br>
             <a:r>
               <a:rPr lang="en-US" sz="3600" dirty="0" smtClean="0"/>
-              <a:t>Example </a:t>
-            </a:r>
-            <a:r>
-              <a:rPr lang="en-US" sz="3600" dirty="0" smtClean="0"/>
-              <a:t>2. </a:t>
-            </a:r>
-            <a:r>
-              <a:rPr lang="en-US" sz="3600" dirty="0" smtClean="0"/>
-              <a:t>NHST – Linear </a:t>
-            </a:r>
-            <a:r>
-              <a:rPr lang="en-US" sz="3600" dirty="0" smtClean="0"/>
-              <a:t>Association</a:t>
+              <a:t>Example 2. NHST – Linear Association</a:t>
             </a:r>
             <a:endParaRPr lang="en-US" sz="3600" b="1" dirty="0"/>
           </a:p>
@@ -9390,136 +9509,10 @@
           </a:prstGeom>
         </p:spPr>
       </p:pic>
-      <p:sp>
-        <p:nvSpPr>
-          <p:cNvPr id="5" name="TextBox 4"/>
-          <p:cNvSpPr txBox="1"/>
-          <p:nvPr/>
-        </p:nvSpPr>
-        <p:spPr>
-          <a:xfrm>
-            <a:off x="2321044" y="2170058"/>
-            <a:ext cx="2720187" cy="1200329"/>
-          </a:xfrm>
-          <a:prstGeom prst="rect">
-            <a:avLst/>
-          </a:prstGeom>
-          <a:solidFill>
-            <a:schemeClr val="bg1">
-              <a:lumMod val="95000"/>
-            </a:schemeClr>
-          </a:solidFill>
-          <a:ln>
-            <a:solidFill>
-              <a:srgbClr val="7030A0"/>
-            </a:solidFill>
-          </a:ln>
-        </p:spPr>
-        <p:txBody>
-          <a:bodyPr wrap="square" rtlCol="0">
-            <a:spAutoFit/>
-          </a:bodyPr>
-          <a:lstStyle/>
-          <a:p>
-            <a:pPr algn="ctr"/>
-            <a:r>
-              <a:rPr lang="en-US" sz="2400" dirty="0" smtClean="0">
-                <a:solidFill>
-                  <a:srgbClr val="7030A0"/>
-                </a:solidFill>
-              </a:rPr>
-              <a:t>NHST is that the line of best fit has a slope of </a:t>
-            </a:r>
-            <a:r>
-              <a:rPr lang="en-US" sz="2400" b="1" dirty="0" smtClean="0">
-                <a:solidFill>
-                  <a:srgbClr val="7030A0"/>
-                </a:solidFill>
-              </a:rPr>
-              <a:t>zero</a:t>
-            </a:r>
-          </a:p>
-        </p:txBody>
-      </p:sp>
-      <p:cxnSp>
-        <p:nvCxnSpPr>
-          <p:cNvPr id="6" name="Straight Arrow Connector 5"/>
-          <p:cNvCxnSpPr/>
-          <p:nvPr/>
-        </p:nvCxnSpPr>
-        <p:spPr>
-          <a:xfrm>
-            <a:off x="7979898" y="3562894"/>
-            <a:ext cx="3859176" cy="0"/>
-          </a:xfrm>
-          <a:prstGeom prst="straightConnector1">
-            <a:avLst/>
-          </a:prstGeom>
-          <a:ln w="50800">
-            <a:solidFill>
-              <a:srgbClr val="7030A0"/>
-            </a:solidFill>
-            <a:tailEnd type="none" w="lg" len="lg"/>
-          </a:ln>
-        </p:spPr>
-        <p:style>
-          <a:lnRef idx="1">
-            <a:schemeClr val="accent1"/>
-          </a:lnRef>
-          <a:fillRef idx="0">
-            <a:schemeClr val="accent1"/>
-          </a:fillRef>
-          <a:effectRef idx="0">
-            <a:schemeClr val="accent1"/>
-          </a:effectRef>
-          <a:fontRef idx="minor">
-            <a:schemeClr val="tx1"/>
-          </a:fontRef>
-        </p:style>
-      </p:cxnSp>
-      <p:cxnSp>
-        <p:nvCxnSpPr>
-          <p:cNvPr id="8" name="Straight Arrow Connector 7"/>
-          <p:cNvCxnSpPr>
-            <a:stCxn id="5" idx="3"/>
-          </p:cNvCxnSpPr>
-          <p:nvPr/>
-        </p:nvCxnSpPr>
-        <p:spPr>
-          <a:xfrm>
-            <a:off x="5041231" y="2770223"/>
-            <a:ext cx="2938667" cy="803156"/>
-          </a:xfrm>
-          <a:prstGeom prst="straightConnector1">
-            <a:avLst/>
-          </a:prstGeom>
-          <a:ln w="25400">
-            <a:solidFill>
-              <a:srgbClr val="7030A0"/>
-            </a:solidFill>
-            <a:prstDash val="dash"/>
-            <a:tailEnd type="triangle" w="lg" len="lg"/>
-          </a:ln>
-        </p:spPr>
-        <p:style>
-          <a:lnRef idx="1">
-            <a:schemeClr val="accent1"/>
-          </a:lnRef>
-          <a:fillRef idx="0">
-            <a:schemeClr val="accent1"/>
-          </a:fillRef>
-          <a:effectRef idx="0">
-            <a:schemeClr val="accent1"/>
-          </a:effectRef>
-          <a:fontRef idx="minor">
-            <a:schemeClr val="tx1"/>
-          </a:fontRef>
-        </p:style>
-      </p:cxnSp>
     </p:spTree>
     <p:extLst>
       <p:ext uri="{BB962C8B-B14F-4D97-AF65-F5344CB8AC3E}">
-        <p14:creationId xmlns:p14="http://schemas.microsoft.com/office/powerpoint/2010/main" val="2794745921"/>
+        <p14:creationId xmlns:p14="http://schemas.microsoft.com/office/powerpoint/2010/main" val="2358907651"/>
       </p:ext>
     </p:extLst>
   </p:cSld>
@@ -9581,19 +9574,7 @@
             </a:br>
             <a:r>
               <a:rPr lang="en-US" sz="3600" dirty="0" smtClean="0"/>
-              <a:t>Example </a:t>
-            </a:r>
-            <a:r>
-              <a:rPr lang="en-US" sz="3600" dirty="0" smtClean="0"/>
-              <a:t>2. </a:t>
-            </a:r>
-            <a:r>
-              <a:rPr lang="en-US" sz="3600" dirty="0" smtClean="0"/>
-              <a:t>NHST – Linear </a:t>
-            </a:r>
-            <a:r>
-              <a:rPr lang="en-US" sz="3600" dirty="0" smtClean="0"/>
-              <a:t>Association</a:t>
+              <a:t>Example 2. NHST – Linear Association</a:t>
             </a:r>
             <a:endParaRPr lang="en-US" sz="3600" b="1" dirty="0"/>
           </a:p>
@@ -9660,8 +9641,8 @@
         </p:nvSpPr>
         <p:spPr>
           <a:xfrm>
-            <a:off x="2698034" y="4815047"/>
-            <a:ext cx="2362200" cy="1200329"/>
+            <a:off x="2321044" y="2170058"/>
+            <a:ext cx="2720187" cy="1200329"/>
           </a:xfrm>
           <a:prstGeom prst="rect">
             <a:avLst/>
@@ -9690,48 +9671,38 @@
                   <a:srgbClr val="7030A0"/>
                 </a:solidFill>
               </a:rPr>
-              <a:t>Individual survey respondent</a:t>
-            </a:r>
-          </a:p>
-          <a:p>
-            <a:pPr algn="ctr"/>
-            <a:r>
-              <a:rPr lang="en-US" sz="2400" dirty="0" smtClean="0">
+              <a:t>NHST is that the line of best fit has a slope of </a:t>
+            </a:r>
+            <a:r>
+              <a:rPr lang="en-US" sz="2400" b="1" dirty="0" smtClean="0">
                 <a:solidFill>
                   <a:srgbClr val="7030A0"/>
                 </a:solidFill>
               </a:rPr>
-              <a:t>(data point)</a:t>
-            </a:r>
-            <a:endParaRPr lang="en-US" sz="2400" dirty="0">
-              <a:solidFill>
-                <a:srgbClr val="7030A0"/>
-              </a:solidFill>
-            </a:endParaRPr>
+              <a:t>zero</a:t>
+            </a:r>
           </a:p>
         </p:txBody>
       </p:sp>
       <p:cxnSp>
         <p:nvCxnSpPr>
           <p:cNvPr id="6" name="Straight Arrow Connector 5"/>
-          <p:cNvCxnSpPr>
-            <a:stCxn id="5" idx="3"/>
-          </p:cNvCxnSpPr>
+          <p:cNvCxnSpPr/>
           <p:nvPr/>
         </p:nvCxnSpPr>
         <p:spPr>
-          <a:xfrm flipV="1">
-            <a:off x="5060234" y="4099754"/>
-            <a:ext cx="3641271" cy="1315458"/>
+          <a:xfrm>
+            <a:off x="7979898" y="3562894"/>
+            <a:ext cx="3859176" cy="0"/>
           </a:xfrm>
           <a:prstGeom prst="straightConnector1">
             <a:avLst/>
           </a:prstGeom>
-          <a:ln w="25400">
+          <a:ln w="50800">
             <a:solidFill>
               <a:srgbClr val="7030A0"/>
             </a:solidFill>
-            <a:tailEnd type="triangle" w="lg" len="lg"/>
+            <a:tailEnd type="none" w="lg" len="lg"/>
           </a:ln>
         </p:spPr>
         <p:style>
@@ -9749,77 +9720,18 @@
           </a:fontRef>
         </p:style>
       </p:cxnSp>
-      <p:sp>
-        <p:nvSpPr>
-          <p:cNvPr id="7" name="TextBox 6"/>
-          <p:cNvSpPr txBox="1"/>
-          <p:nvPr/>
-        </p:nvSpPr>
-        <p:spPr>
-          <a:xfrm>
-            <a:off x="2321045" y="2170058"/>
-            <a:ext cx="2362200" cy="954107"/>
-          </a:xfrm>
-          <a:prstGeom prst="rect">
-            <a:avLst/>
-          </a:prstGeom>
-          <a:solidFill>
-            <a:schemeClr val="bg1">
-              <a:lumMod val="95000"/>
-            </a:schemeClr>
-          </a:solidFill>
-          <a:ln>
-            <a:solidFill>
-              <a:srgbClr val="7030A0"/>
-            </a:solidFill>
-          </a:ln>
-        </p:spPr>
-        <p:txBody>
-          <a:bodyPr wrap="square" rtlCol="0">
-            <a:spAutoFit/>
-          </a:bodyPr>
-          <a:lstStyle/>
-          <a:p>
-            <a:pPr algn="ctr"/>
-            <a:r>
-              <a:rPr lang="en-US" sz="2400" dirty="0" smtClean="0">
-                <a:solidFill>
-                  <a:srgbClr val="7030A0"/>
-                </a:solidFill>
-              </a:rPr>
-              <a:t>Line of best fit</a:t>
-            </a:r>
-          </a:p>
-          <a:p>
-            <a:pPr algn="ctr"/>
-            <a:r>
-              <a:rPr lang="en-US" sz="1600" dirty="0" smtClean="0">
-                <a:solidFill>
-                  <a:srgbClr val="7030A0"/>
-                </a:solidFill>
-              </a:rPr>
-              <a:t>(minimizes sum of squared error)</a:t>
-            </a:r>
-            <a:endParaRPr lang="en-US" sz="1600" dirty="0">
-              <a:solidFill>
-                <a:srgbClr val="7030A0"/>
-              </a:solidFill>
-            </a:endParaRPr>
-          </a:p>
-        </p:txBody>
-      </p:sp>
       <p:cxnSp>
         <p:nvCxnSpPr>
           <p:cNvPr id="8" name="Straight Arrow Connector 7"/>
           <p:cNvCxnSpPr>
-            <a:stCxn id="7" idx="3"/>
+            <a:stCxn id="5" idx="3"/>
           </p:cNvCxnSpPr>
           <p:nvPr/>
         </p:nvCxnSpPr>
         <p:spPr>
           <a:xfrm>
-            <a:off x="4683245" y="2647112"/>
-            <a:ext cx="3811050" cy="437267"/>
+            <a:off x="5041231" y="2770223"/>
+            <a:ext cx="2938667" cy="803156"/>
           </a:xfrm>
           <a:prstGeom prst="straightConnector1">
             <a:avLst/>
@@ -9828,6 +9740,7 @@
             <a:solidFill>
               <a:srgbClr val="7030A0"/>
             </a:solidFill>
+            <a:prstDash val="dash"/>
             <a:tailEnd type="triangle" w="lg" len="lg"/>
           </a:ln>
         </p:spPr>
@@ -9846,58 +9759,10 @@
           </a:fontRef>
         </p:style>
       </p:cxnSp>
-      <p:sp>
-        <p:nvSpPr>
-          <p:cNvPr id="10" name="TextBox 9"/>
-          <p:cNvSpPr txBox="1"/>
-          <p:nvPr/>
-        </p:nvSpPr>
-        <p:spPr>
-          <a:xfrm>
-            <a:off x="9103307" y="5654949"/>
-            <a:ext cx="2935705" cy="461665"/>
-          </a:xfrm>
-          <a:prstGeom prst="rect">
-            <a:avLst/>
-          </a:prstGeom>
-          <a:solidFill>
-            <a:schemeClr val="bg1">
-              <a:lumMod val="95000"/>
-            </a:schemeClr>
-          </a:solidFill>
-          <a:ln>
-            <a:solidFill>
-              <a:srgbClr val="7030A0"/>
-            </a:solidFill>
-          </a:ln>
-        </p:spPr>
-        <p:txBody>
-          <a:bodyPr wrap="square" rtlCol="0">
-            <a:spAutoFit/>
-          </a:bodyPr>
-          <a:lstStyle/>
-          <a:p>
-            <a:pPr algn="ctr"/>
-            <a:r>
-              <a:rPr lang="en-US" sz="2400" dirty="0" smtClean="0">
-                <a:solidFill>
-                  <a:srgbClr val="7030A0"/>
-                </a:solidFill>
-              </a:rPr>
-              <a:t>Correlation, P-Value</a:t>
-            </a:r>
-            <a:endParaRPr lang="en-US" sz="2400" dirty="0">
-              <a:solidFill>
-                <a:srgbClr val="7030A0"/>
-              </a:solidFill>
-            </a:endParaRPr>
-          </a:p>
-        </p:txBody>
-      </p:sp>
     </p:spTree>
     <p:extLst>
       <p:ext uri="{BB962C8B-B14F-4D97-AF65-F5344CB8AC3E}">
-        <p14:creationId xmlns:p14="http://schemas.microsoft.com/office/powerpoint/2010/main" val="2332945762"/>
+        <p14:creationId xmlns:p14="http://schemas.microsoft.com/office/powerpoint/2010/main" val="2794745921"/>
       </p:ext>
     </p:extLst>
   </p:cSld>
@@ -9959,19 +9824,7 @@
             </a:br>
             <a:r>
               <a:rPr lang="en-US" sz="3600" dirty="0" smtClean="0"/>
-              <a:t>Example </a:t>
-            </a:r>
-            <a:r>
-              <a:rPr lang="en-US" sz="3600" dirty="0" smtClean="0"/>
-              <a:t>2. </a:t>
-            </a:r>
-            <a:r>
-              <a:rPr lang="en-US" sz="3600" dirty="0" smtClean="0"/>
-              <a:t>NHST – Linear </a:t>
-            </a:r>
-            <a:r>
-              <a:rPr lang="en-US" sz="3600" dirty="0" smtClean="0"/>
-              <a:t>Association, adjusted</a:t>
+              <a:t>Example 2. NHST – Linear Association</a:t>
             </a:r>
             <a:endParaRPr lang="en-US" sz="3600" b="1" dirty="0"/>
           </a:p>
@@ -10000,177 +9853,282 @@
           </a:p>
         </p:txBody>
       </p:sp>
-      <p:sp>
-        <p:nvSpPr>
-          <p:cNvPr id="9" name="Rectangle 8"/>
-          <p:cNvSpPr/>
+      <p:pic>
+        <p:nvPicPr>
+          <p:cNvPr id="4" name="Picture 3"/>
+          <p:cNvPicPr>
+            <a:picLocks noChangeAspect="1"/>
+          </p:cNvPicPr>
           <p:nvPr/>
-        </p:nvSpPr>
-        <p:spPr>
-          <a:xfrm>
-            <a:off x="292768" y="1715778"/>
-            <a:ext cx="10278392" cy="3108543"/>
+        </p:nvPicPr>
+        <p:blipFill>
+          <a:blip r:embed="rId2">
+            <a:extLst>
+              <a:ext uri="{28A0092B-C50C-407E-A947-70E740481C1C}">
+                <a14:useLocalDpi xmlns:a14="http://schemas.microsoft.com/office/drawing/2010/main" val="0"/>
+              </a:ext>
+            </a:extLst>
+          </a:blip>
+          <a:stretch>
+            <a:fillRect/>
+          </a:stretch>
+        </p:blipFill>
+        <p:spPr>
+          <a:xfrm>
+            <a:off x="7170821" y="0"/>
+            <a:ext cx="4920916" cy="6889283"/>
           </a:xfrm>
           <a:prstGeom prst="rect">
             <a:avLst/>
           </a:prstGeom>
         </p:spPr>
-        <p:txBody>
-          <a:bodyPr wrap="square">
+      </p:pic>
+      <p:sp>
+        <p:nvSpPr>
+          <p:cNvPr id="5" name="TextBox 4"/>
+          <p:cNvSpPr txBox="1"/>
+          <p:nvPr/>
+        </p:nvSpPr>
+        <p:spPr>
+          <a:xfrm>
+            <a:off x="2698034" y="4815047"/>
+            <a:ext cx="2362200" cy="1200329"/>
+          </a:xfrm>
+          <a:prstGeom prst="rect">
+            <a:avLst/>
+          </a:prstGeom>
+          <a:solidFill>
+            <a:schemeClr val="bg1">
+              <a:lumMod val="95000"/>
+            </a:schemeClr>
+          </a:solidFill>
+          <a:ln>
+            <a:solidFill>
+              <a:srgbClr val="7030A0"/>
+            </a:solidFill>
+          </a:ln>
+        </p:spPr>
+        <p:txBody>
+          <a:bodyPr wrap="square" rtlCol="0">
             <a:spAutoFit/>
           </a:bodyPr>
           <a:lstStyle/>
           <a:p>
-            <a:pPr marL="285750" indent="-285750">
-              <a:buFont typeface="Arial" panose="020B0604020202020204" pitchFamily="34" charset="0"/>
-              <a:buChar char="•"/>
-            </a:pPr>
-            <a:r>
-              <a:rPr lang="en-US" sz="2800" dirty="0" smtClean="0">
+            <a:pPr algn="ctr"/>
+            <a:r>
+              <a:rPr lang="en-US" sz="2400" dirty="0" smtClean="0">
                 <a:solidFill>
-                  <a:srgbClr val="333333"/>
+                  <a:srgbClr val="7030A0"/>
                 </a:solidFill>
-                <a:latin typeface="Helvetica Neue"/>
               </a:rPr>
-              <a:t>Sometimes we want to adjust </a:t>
-            </a:r>
-            <a:r>
-              <a:rPr lang="en-US" sz="2800" dirty="0">
+              <a:t>Individual survey respondent</a:t>
+            </a:r>
+          </a:p>
+          <a:p>
+            <a:pPr algn="ctr"/>
+            <a:r>
+              <a:rPr lang="en-US" sz="2400" dirty="0" smtClean="0">
                 <a:solidFill>
-                  <a:srgbClr val="333333"/>
+                  <a:srgbClr val="7030A0"/>
                 </a:solidFill>
-                <a:latin typeface="Helvetica Neue"/>
               </a:rPr>
-              <a:t>for other variables that might explain </a:t>
-            </a:r>
-            <a:r>
-              <a:rPr lang="en-US" sz="2800" dirty="0" smtClean="0">
+              <a:t>(data point)</a:t>
+            </a:r>
+            <a:endParaRPr lang="en-US" sz="2400" dirty="0">
+              <a:solidFill>
+                <a:srgbClr val="7030A0"/>
+              </a:solidFill>
+            </a:endParaRPr>
+          </a:p>
+        </p:txBody>
+      </p:sp>
+      <p:cxnSp>
+        <p:nvCxnSpPr>
+          <p:cNvPr id="6" name="Straight Arrow Connector 5"/>
+          <p:cNvCxnSpPr>
+            <a:stCxn id="5" idx="3"/>
+          </p:cNvCxnSpPr>
+          <p:nvPr/>
+        </p:nvCxnSpPr>
+        <p:spPr>
+          <a:xfrm flipV="1">
+            <a:off x="5060234" y="4099754"/>
+            <a:ext cx="3641271" cy="1315458"/>
+          </a:xfrm>
+          <a:prstGeom prst="straightConnector1">
+            <a:avLst/>
+          </a:prstGeom>
+          <a:ln w="25400">
+            <a:solidFill>
+              <a:srgbClr val="7030A0"/>
+            </a:solidFill>
+            <a:tailEnd type="triangle" w="lg" len="lg"/>
+          </a:ln>
+        </p:spPr>
+        <p:style>
+          <a:lnRef idx="1">
+            <a:schemeClr val="accent1"/>
+          </a:lnRef>
+          <a:fillRef idx="0">
+            <a:schemeClr val="accent1"/>
+          </a:fillRef>
+          <a:effectRef idx="0">
+            <a:schemeClr val="accent1"/>
+          </a:effectRef>
+          <a:fontRef idx="minor">
+            <a:schemeClr val="tx1"/>
+          </a:fontRef>
+        </p:style>
+      </p:cxnSp>
+      <p:sp>
+        <p:nvSpPr>
+          <p:cNvPr id="7" name="TextBox 6"/>
+          <p:cNvSpPr txBox="1"/>
+          <p:nvPr/>
+        </p:nvSpPr>
+        <p:spPr>
+          <a:xfrm>
+            <a:off x="2321045" y="2170058"/>
+            <a:ext cx="2362200" cy="954107"/>
+          </a:xfrm>
+          <a:prstGeom prst="rect">
+            <a:avLst/>
+          </a:prstGeom>
+          <a:solidFill>
+            <a:schemeClr val="bg1">
+              <a:lumMod val="95000"/>
+            </a:schemeClr>
+          </a:solidFill>
+          <a:ln>
+            <a:solidFill>
+              <a:srgbClr val="7030A0"/>
+            </a:solidFill>
+          </a:ln>
+        </p:spPr>
+        <p:txBody>
+          <a:bodyPr wrap="square" rtlCol="0">
+            <a:spAutoFit/>
+          </a:bodyPr>
+          <a:lstStyle/>
+          <a:p>
+            <a:pPr algn="ctr"/>
+            <a:r>
+              <a:rPr lang="en-US" sz="2400" dirty="0" smtClean="0">
                 <a:solidFill>
-                  <a:srgbClr val="333333"/>
+                  <a:srgbClr val="7030A0"/>
                 </a:solidFill>
-                <a:latin typeface="Helvetica Neue"/>
               </a:rPr>
-              <a:t>a linear association.</a:t>
-            </a:r>
-          </a:p>
-          <a:p>
-            <a:pPr marL="285750" indent="-285750">
-              <a:buFont typeface="Arial" panose="020B0604020202020204" pitchFamily="34" charset="0"/>
-              <a:buChar char="•"/>
-            </a:pPr>
-            <a:r>
-              <a:rPr lang="en-US" sz="2800" dirty="0" smtClean="0">
+              <a:t>Line of best fit</a:t>
+            </a:r>
+          </a:p>
+          <a:p>
+            <a:pPr algn="ctr"/>
+            <a:r>
+              <a:rPr lang="en-US" sz="1600" dirty="0" smtClean="0">
                 <a:solidFill>
-                  <a:srgbClr val="333333"/>
+                  <a:srgbClr val="7030A0"/>
                 </a:solidFill>
-                <a:latin typeface="Helvetica Neue"/>
               </a:rPr>
-              <a:t>With the</a:t>
-            </a:r>
-            <a:r>
-              <a:rPr lang="en-US" sz="2800" dirty="0">
+              <a:t>(minimizes sum of squared error)</a:t>
+            </a:r>
+            <a:endParaRPr lang="en-US" sz="1600" dirty="0">
+              <a:solidFill>
+                <a:srgbClr val="7030A0"/>
+              </a:solidFill>
+            </a:endParaRPr>
+          </a:p>
+        </p:txBody>
+      </p:sp>
+      <p:cxnSp>
+        <p:nvCxnSpPr>
+          <p:cNvPr id="8" name="Straight Arrow Connector 7"/>
+          <p:cNvCxnSpPr>
+            <a:stCxn id="7" idx="3"/>
+          </p:cNvCxnSpPr>
+          <p:nvPr/>
+        </p:nvCxnSpPr>
+        <p:spPr>
+          <a:xfrm>
+            <a:off x="4683245" y="2647112"/>
+            <a:ext cx="3811050" cy="437267"/>
+          </a:xfrm>
+          <a:prstGeom prst="straightConnector1">
+            <a:avLst/>
+          </a:prstGeom>
+          <a:ln w="25400">
+            <a:solidFill>
+              <a:srgbClr val="7030A0"/>
+            </a:solidFill>
+            <a:tailEnd type="triangle" w="lg" len="lg"/>
+          </a:ln>
+        </p:spPr>
+        <p:style>
+          <a:lnRef idx="1">
+            <a:schemeClr val="accent1"/>
+          </a:lnRef>
+          <a:fillRef idx="0">
+            <a:schemeClr val="accent1"/>
+          </a:fillRef>
+          <a:effectRef idx="0">
+            <a:schemeClr val="accent1"/>
+          </a:effectRef>
+          <a:fontRef idx="minor">
+            <a:schemeClr val="tx1"/>
+          </a:fontRef>
+        </p:style>
+      </p:cxnSp>
+      <p:sp>
+        <p:nvSpPr>
+          <p:cNvPr id="10" name="TextBox 9"/>
+          <p:cNvSpPr txBox="1"/>
+          <p:nvPr/>
+        </p:nvSpPr>
+        <p:spPr>
+          <a:xfrm>
+            <a:off x="9103307" y="5654949"/>
+            <a:ext cx="2935705" cy="461665"/>
+          </a:xfrm>
+          <a:prstGeom prst="rect">
+            <a:avLst/>
+          </a:prstGeom>
+          <a:solidFill>
+            <a:schemeClr val="bg1">
+              <a:lumMod val="95000"/>
+            </a:schemeClr>
+          </a:solidFill>
+          <a:ln>
+            <a:solidFill>
+              <a:srgbClr val="7030A0"/>
+            </a:solidFill>
+          </a:ln>
+        </p:spPr>
+        <p:txBody>
+          <a:bodyPr wrap="square" rtlCol="0">
+            <a:spAutoFit/>
+          </a:bodyPr>
+          <a:lstStyle/>
+          <a:p>
+            <a:pPr algn="ctr"/>
+            <a:r>
+              <a:rPr lang="en-US" sz="2400" dirty="0" smtClean="0">
                 <a:solidFill>
-                  <a:srgbClr val="333333"/>
+                  <a:srgbClr val="7030A0"/>
                 </a:solidFill>
-                <a:latin typeface="Helvetica Neue"/>
               </a:rPr>
-              <a:t> </a:t>
-            </a:r>
-            <a:r>
-              <a:rPr lang="en-US" sz="2800" i="1" dirty="0">
-                <a:solidFill>
-                  <a:srgbClr val="333333"/>
-                </a:solidFill>
-                <a:latin typeface="Helvetica Neue"/>
-              </a:rPr>
-              <a:t>income-happiness </a:t>
-            </a:r>
-            <a:r>
-              <a:rPr lang="en-US" sz="2800" i="1" dirty="0" smtClean="0">
-                <a:solidFill>
-                  <a:srgbClr val="333333"/>
-                </a:solidFill>
-                <a:latin typeface="Helvetica Neue"/>
-              </a:rPr>
-              <a:t>association</a:t>
-            </a:r>
-            <a:r>
-              <a:rPr lang="en-US" sz="2800" dirty="0">
-                <a:solidFill>
-                  <a:srgbClr val="333333"/>
-                </a:solidFill>
-                <a:latin typeface="Helvetica Neue"/>
-              </a:rPr>
-              <a:t> </a:t>
-            </a:r>
-            <a:r>
-              <a:rPr lang="en-US" sz="2800" dirty="0" smtClean="0">
-                <a:solidFill>
-                  <a:srgbClr val="333333"/>
-                </a:solidFill>
-                <a:latin typeface="Helvetica Neue"/>
-              </a:rPr>
-              <a:t>for </a:t>
-            </a:r>
-            <a:r>
-              <a:rPr lang="en-US" sz="2800" dirty="0">
-                <a:solidFill>
-                  <a:srgbClr val="333333"/>
-                </a:solidFill>
-                <a:latin typeface="Helvetica Neue"/>
-              </a:rPr>
-              <a:t>example, maybe people who are higher educated are happier, or people who have </a:t>
-            </a:r>
-            <a:r>
-              <a:rPr lang="en-US" sz="2800" dirty="0" smtClean="0">
-                <a:solidFill>
-                  <a:srgbClr val="333333"/>
-                </a:solidFill>
-                <a:latin typeface="Helvetica Neue"/>
-              </a:rPr>
-              <a:t>stronger </a:t>
-            </a:r>
-            <a:r>
-              <a:rPr lang="en-US" sz="2800" dirty="0">
-                <a:solidFill>
-                  <a:srgbClr val="333333"/>
-                </a:solidFill>
-                <a:latin typeface="Helvetica Neue"/>
-              </a:rPr>
-              <a:t>religious beliefs</a:t>
-            </a:r>
-            <a:r>
-              <a:rPr lang="en-US" sz="2800" dirty="0" smtClean="0">
-                <a:solidFill>
-                  <a:srgbClr val="333333"/>
-                </a:solidFill>
-                <a:latin typeface="Helvetica Neue"/>
-              </a:rPr>
-              <a:t>.</a:t>
-            </a:r>
-          </a:p>
-          <a:p>
-            <a:pPr marL="285750" indent="-285750">
-              <a:buFont typeface="Arial" panose="020B0604020202020204" pitchFamily="34" charset="0"/>
-              <a:buChar char="•"/>
-            </a:pPr>
-            <a:r>
-              <a:rPr lang="en-US" sz="2800" dirty="0" smtClean="0">
-                <a:solidFill>
-                  <a:srgbClr val="333333"/>
-                </a:solidFill>
-                <a:latin typeface="Helvetica Neue"/>
-              </a:rPr>
-              <a:t>Other variables may explain a linear association better, or in part</a:t>
-            </a:r>
-            <a:endParaRPr lang="en-US" sz="2800" dirty="0"/>
+              <a:t>Correlation, P-Value</a:t>
+            </a:r>
+            <a:endParaRPr lang="en-US" sz="2400" dirty="0">
+              <a:solidFill>
+                <a:srgbClr val="7030A0"/>
+              </a:solidFill>
+            </a:endParaRPr>
           </a:p>
         </p:txBody>
       </p:sp>
     </p:spTree>
     <p:extLst>
       <p:ext uri="{BB962C8B-B14F-4D97-AF65-F5344CB8AC3E}">
-        <p14:creationId xmlns:p14="http://schemas.microsoft.com/office/powerpoint/2010/main" val="1065245358"/>
+        <p14:creationId xmlns:p14="http://schemas.microsoft.com/office/powerpoint/2010/main" val="2332945762"/>
       </p:ext>
     </p:extLst>
   </p:cSld>
@@ -10232,19 +10190,7 @@
             </a:br>
             <a:r>
               <a:rPr lang="en-US" sz="3600" dirty="0" smtClean="0"/>
-              <a:t>Example </a:t>
-            </a:r>
-            <a:r>
-              <a:rPr lang="en-US" sz="3600" dirty="0" smtClean="0"/>
-              <a:t>2. </a:t>
-            </a:r>
-            <a:r>
-              <a:rPr lang="en-US" sz="3600" dirty="0" smtClean="0"/>
-              <a:t>NHST – Linear </a:t>
-            </a:r>
-            <a:r>
-              <a:rPr lang="en-US" sz="3600" dirty="0" smtClean="0"/>
-              <a:t>Association, adjusted</a:t>
+              <a:t>Example 2. NHST – Linear Association, adjusted</a:t>
             </a:r>
             <a:endParaRPr lang="en-US" sz="3600" b="1" dirty="0"/>
           </a:p>
@@ -10275,74 +10221,14 @@
       </p:sp>
       <p:sp>
         <p:nvSpPr>
-          <p:cNvPr id="4" name="Rectangle 3"/>
-          <p:cNvSpPr/>
-          <p:nvPr/>
-        </p:nvSpPr>
-        <p:spPr>
-          <a:xfrm>
-            <a:off x="2542674" y="6308079"/>
-            <a:ext cx="6841957" cy="461665"/>
-          </a:xfrm>
-          <a:prstGeom prst="rect">
-            <a:avLst/>
-          </a:prstGeom>
-        </p:spPr>
-        <p:txBody>
-          <a:bodyPr wrap="square">
-            <a:spAutoFit/>
-          </a:bodyPr>
-          <a:lstStyle/>
-          <a:p>
-            <a:r>
-              <a:rPr lang="en-US" sz="1200" dirty="0" smtClean="0">
-                <a:solidFill>
-                  <a:srgbClr val="333333"/>
-                </a:solidFill>
-                <a:latin typeface="Helvetica Neue"/>
-              </a:rPr>
-              <a:t>*Note </a:t>
-            </a:r>
-            <a:r>
-              <a:rPr lang="en-US" sz="1200" dirty="0">
-                <a:solidFill>
-                  <a:srgbClr val="333333"/>
-                </a:solidFill>
-                <a:latin typeface="Helvetica Neue"/>
-              </a:rPr>
-              <a:t>that ISCED is not intended as a linear measure, but </a:t>
-            </a:r>
-            <a:r>
-              <a:rPr lang="en-US" sz="1200" dirty="0" smtClean="0">
-                <a:solidFill>
-                  <a:srgbClr val="333333"/>
-                </a:solidFill>
-                <a:latin typeface="Helvetica Neue"/>
-              </a:rPr>
-              <a:t>we </a:t>
-            </a:r>
-            <a:r>
-              <a:rPr lang="en-US" sz="1200" dirty="0">
-                <a:solidFill>
-                  <a:srgbClr val="333333"/>
-                </a:solidFill>
-                <a:latin typeface="Helvetica Neue"/>
-              </a:rPr>
-              <a:t>will use it that way for now just for the purposes of example (and we removed 9 for ‘other’).</a:t>
-            </a:r>
-          </a:p>
-        </p:txBody>
-      </p:sp>
-      <p:sp>
-        <p:nvSpPr>
           <p:cNvPr id="9" name="Rectangle 8"/>
           <p:cNvSpPr/>
           <p:nvPr/>
         </p:nvSpPr>
         <p:spPr>
           <a:xfrm>
-            <a:off x="292768" y="1392275"/>
-            <a:ext cx="10278392" cy="523220"/>
+            <a:off x="292768" y="1715778"/>
+            <a:ext cx="10278392" cy="3108543"/>
           </a:xfrm>
           <a:prstGeom prst="rect">
             <a:avLst/>
@@ -10365,7 +10251,7 @@
                 </a:solidFill>
                 <a:latin typeface="Helvetica Neue"/>
               </a:rPr>
-              <a:t>Education* </a:t>
+              <a:t>Sometimes we want to adjust </a:t>
             </a:r>
             <a:r>
               <a:rPr lang="en-US" sz="2800" dirty="0">
@@ -10374,21 +10260,136 @@
                 </a:solidFill>
                 <a:latin typeface="Helvetica Neue"/>
               </a:rPr>
-              <a:t>and well-being linear association. </a:t>
-            </a:r>
-            <a:endParaRPr lang="en-US" sz="2800" dirty="0" smtClean="0">
-              <a:solidFill>
-                <a:srgbClr val="333333"/>
-              </a:solidFill>
-              <a:latin typeface="Helvetica Neue"/>
-            </a:endParaRPr>
+              <a:t>for other variables that might explain </a:t>
+            </a:r>
+            <a:r>
+              <a:rPr lang="en-US" sz="2800" dirty="0" smtClean="0">
+                <a:solidFill>
+                  <a:srgbClr val="333333"/>
+                </a:solidFill>
+                <a:latin typeface="Helvetica Neue"/>
+              </a:rPr>
+              <a:t>a linear association.</a:t>
+            </a:r>
+          </a:p>
+          <a:p>
+            <a:pPr marL="285750" indent="-285750">
+              <a:buFont typeface="Arial" panose="020B0604020202020204" pitchFamily="34" charset="0"/>
+              <a:buChar char="•"/>
+            </a:pPr>
+            <a:r>
+              <a:rPr lang="en-US" sz="2800" dirty="0" smtClean="0">
+                <a:solidFill>
+                  <a:srgbClr val="333333"/>
+                </a:solidFill>
+                <a:latin typeface="Helvetica Neue"/>
+              </a:rPr>
+              <a:t>With the</a:t>
+            </a:r>
+            <a:r>
+              <a:rPr lang="en-US" sz="2800" dirty="0">
+                <a:solidFill>
+                  <a:srgbClr val="333333"/>
+                </a:solidFill>
+                <a:latin typeface="Helvetica Neue"/>
+              </a:rPr>
+              <a:t> </a:t>
+            </a:r>
+            <a:r>
+              <a:rPr lang="en-US" sz="2800" i="1" dirty="0">
+                <a:solidFill>
+                  <a:srgbClr val="333333"/>
+                </a:solidFill>
+                <a:latin typeface="Helvetica Neue"/>
+              </a:rPr>
+              <a:t>income-happiness </a:t>
+            </a:r>
+            <a:r>
+              <a:rPr lang="en-US" sz="2800" i="1" dirty="0" smtClean="0">
+                <a:solidFill>
+                  <a:srgbClr val="333333"/>
+                </a:solidFill>
+                <a:latin typeface="Helvetica Neue"/>
+              </a:rPr>
+              <a:t>association</a:t>
+            </a:r>
+            <a:r>
+              <a:rPr lang="en-US" sz="2800" dirty="0">
+                <a:solidFill>
+                  <a:srgbClr val="333333"/>
+                </a:solidFill>
+                <a:latin typeface="Helvetica Neue"/>
+              </a:rPr>
+              <a:t> </a:t>
+            </a:r>
+            <a:r>
+              <a:rPr lang="en-US" sz="2800" dirty="0" smtClean="0">
+                <a:solidFill>
+                  <a:srgbClr val="333333"/>
+                </a:solidFill>
+                <a:latin typeface="Helvetica Neue"/>
+              </a:rPr>
+              <a:t>for </a:t>
+            </a:r>
+            <a:r>
+              <a:rPr lang="en-US" sz="2800" dirty="0">
+                <a:solidFill>
+                  <a:srgbClr val="333333"/>
+                </a:solidFill>
+                <a:latin typeface="Helvetica Neue"/>
+              </a:rPr>
+              <a:t>example, maybe people who are higher educated are happier, or people who have </a:t>
+            </a:r>
+            <a:r>
+              <a:rPr lang="en-US" sz="2800" dirty="0" smtClean="0">
+                <a:solidFill>
+                  <a:srgbClr val="333333"/>
+                </a:solidFill>
+                <a:latin typeface="Helvetica Neue"/>
+              </a:rPr>
+              <a:t>stronger </a:t>
+            </a:r>
+            <a:r>
+              <a:rPr lang="en-US" sz="2800" dirty="0">
+                <a:solidFill>
+                  <a:srgbClr val="333333"/>
+                </a:solidFill>
+                <a:latin typeface="Helvetica Neue"/>
+              </a:rPr>
+              <a:t>religious beliefs</a:t>
+            </a:r>
+            <a:r>
+              <a:rPr lang="en-US" sz="2800" dirty="0" smtClean="0">
+                <a:solidFill>
+                  <a:srgbClr val="333333"/>
+                </a:solidFill>
+                <a:latin typeface="Helvetica Neue"/>
+              </a:rPr>
+              <a:t>.</a:t>
+            </a:r>
+          </a:p>
+          <a:p>
+            <a:pPr marL="285750" indent="-285750">
+              <a:buFont typeface="Arial" panose="020B0604020202020204" pitchFamily="34" charset="0"/>
+              <a:buChar char="•"/>
+            </a:pPr>
+            <a:r>
+              <a:rPr lang="en-US" sz="2800" dirty="0" smtClean="0">
+                <a:solidFill>
+                  <a:srgbClr val="333333"/>
+                </a:solidFill>
+                <a:latin typeface="Helvetica Neue"/>
+              </a:rPr>
+              <a:t>Other variables may explain a linear association better, or in part</a:t>
+            </a:r>
+            <a:endParaRPr lang="en-US" sz="2800" dirty="0"/>
           </a:p>
         </p:txBody>
       </p:sp>
     </p:spTree>
     <p:extLst>
       <p:ext uri="{BB962C8B-B14F-4D97-AF65-F5344CB8AC3E}">
-        <p14:creationId xmlns:p14="http://schemas.microsoft.com/office/powerpoint/2010/main" val="763666139"/>
+        <p14:creationId xmlns:p14="http://schemas.microsoft.com/office/powerpoint/2010/main" val="1065245358"/>
       </p:ext>
     </p:extLst>
   </p:cSld>
@@ -10450,19 +10451,7 @@
             </a:br>
             <a:r>
               <a:rPr lang="en-US" sz="3600" dirty="0" smtClean="0"/>
-              <a:t>Example </a:t>
-            </a:r>
-            <a:r>
-              <a:rPr lang="en-US" sz="3600" dirty="0" smtClean="0"/>
-              <a:t>2. </a:t>
-            </a:r>
-            <a:r>
-              <a:rPr lang="en-US" sz="3600" dirty="0" smtClean="0"/>
-              <a:t>NHST – Linear </a:t>
-            </a:r>
-            <a:r>
-              <a:rPr lang="en-US" sz="3600" dirty="0" smtClean="0"/>
-              <a:t>Association, adjusted</a:t>
+              <a:t>Example 2. NHST – Linear Association, adjusted</a:t>
             </a:r>
             <a:endParaRPr lang="en-US" sz="3600" b="1" dirty="0"/>
           </a:p>
@@ -10551,29 +10540,6 @@
           </a:p>
         </p:txBody>
       </p:sp>
-      <p:pic>
-        <p:nvPicPr>
-          <p:cNvPr id="5" name="Picture 4"/>
-          <p:cNvPicPr>
-            <a:picLocks noChangeAspect="1"/>
-          </p:cNvPicPr>
-          <p:nvPr/>
-        </p:nvPicPr>
-        <p:blipFill rotWithShape="1">
-          <a:blip r:embed="rId2"/>
-          <a:srcRect l="21052" t="24176" r="37263" b="21930"/>
-          <a:stretch/>
-        </p:blipFill>
-        <p:spPr>
-          <a:xfrm>
-            <a:off x="2660396" y="1197920"/>
-            <a:ext cx="7109246" cy="5170363"/>
-          </a:xfrm>
-          <a:prstGeom prst="rect">
-            <a:avLst/>
-          </a:prstGeom>
-        </p:spPr>
-      </p:pic>
       <p:sp>
         <p:nvSpPr>
           <p:cNvPr id="9" name="Rectangle 8"/>
@@ -10629,7 +10595,7 @@
     </p:spTree>
     <p:extLst>
       <p:ext uri="{BB962C8B-B14F-4D97-AF65-F5344CB8AC3E}">
-        <p14:creationId xmlns:p14="http://schemas.microsoft.com/office/powerpoint/2010/main" val="450526351"/>
+        <p14:creationId xmlns:p14="http://schemas.microsoft.com/office/powerpoint/2010/main" val="763666139"/>
       </p:ext>
     </p:extLst>
   </p:cSld>
@@ -10695,17 +10661,30 @@
           <a:lstStyle/>
           <a:p>
             <a:r>
+              <a:rPr lang="en-US" i="1" dirty="0" smtClean="0"/>
+              <a:t>Almost always</a:t>
+            </a:r>
+            <a:r>
               <a:rPr lang="en-US" dirty="0" smtClean="0"/>
-              <a:t>A statistical test result </a:t>
-            </a:r>
-            <a:r>
-              <a:rPr lang="en-US" dirty="0" smtClean="0"/>
-              <a:t>used to evaluate the </a:t>
+              <a:t>: A </a:t>
+            </a:r>
+            <a:r>
+              <a:rPr lang="en-US" dirty="0"/>
+              <a:t>statistical test result used to evaluate the </a:t>
+            </a:r>
+            <a:r>
+              <a:rPr lang="en-US" b="1" dirty="0"/>
+              <a:t>null </a:t>
             </a:r>
             <a:r>
               <a:rPr lang="en-US" b="1" dirty="0" smtClean="0"/>
-              <a:t>null hypothesis</a:t>
-            </a:r>
+              <a:t>hypothesis</a:t>
+            </a:r>
+          </a:p>
+          <a:p>
+            <a:endParaRPr lang="en-US" b="1" dirty="0"/>
+          </a:p>
+          <a:p>
             <a:endParaRPr lang="en-US" b="1" dirty="0"/>
           </a:p>
         </p:txBody>
@@ -10798,23 +10777,7 @@
             </a:br>
             <a:r>
               <a:rPr lang="en-US" sz="3600" dirty="0" smtClean="0"/>
-              <a:t>Example </a:t>
-            </a:r>
-            <a:r>
-              <a:rPr lang="en-US" sz="3600" dirty="0"/>
-              <a:t>3</a:t>
-            </a:r>
-            <a:r>
-              <a:rPr lang="en-US" sz="3600" dirty="0" smtClean="0"/>
-              <a:t>. </a:t>
-            </a:r>
-            <a:r>
-              <a:rPr lang="en-US" sz="3600" dirty="0" smtClean="0"/>
-              <a:t>NHST – Linear </a:t>
-            </a:r>
-            <a:r>
-              <a:rPr lang="en-US" sz="3600" dirty="0" smtClean="0"/>
-              <a:t>Association, adjusted</a:t>
+              <a:t>Example 2. NHST – Linear Association, adjusted</a:t>
             </a:r>
             <a:endParaRPr lang="en-US" sz="3600" b="1" dirty="0"/>
           </a:p>
@@ -10845,6 +10808,89 @@
       </p:sp>
       <p:sp>
         <p:nvSpPr>
+          <p:cNvPr id="4" name="Rectangle 3"/>
+          <p:cNvSpPr/>
+          <p:nvPr/>
+        </p:nvSpPr>
+        <p:spPr>
+          <a:xfrm>
+            <a:off x="2542674" y="6308079"/>
+            <a:ext cx="6841957" cy="461665"/>
+          </a:xfrm>
+          <a:prstGeom prst="rect">
+            <a:avLst/>
+          </a:prstGeom>
+        </p:spPr>
+        <p:txBody>
+          <a:bodyPr wrap="square">
+            <a:spAutoFit/>
+          </a:bodyPr>
+          <a:lstStyle/>
+          <a:p>
+            <a:r>
+              <a:rPr lang="en-US" sz="1200" dirty="0" smtClean="0">
+                <a:solidFill>
+                  <a:srgbClr val="333333"/>
+                </a:solidFill>
+                <a:latin typeface="Helvetica Neue"/>
+              </a:rPr>
+              <a:t>*Note </a:t>
+            </a:r>
+            <a:r>
+              <a:rPr lang="en-US" sz="1200" dirty="0">
+                <a:solidFill>
+                  <a:srgbClr val="333333"/>
+                </a:solidFill>
+                <a:latin typeface="Helvetica Neue"/>
+              </a:rPr>
+              <a:t>that ISCED is not intended as a linear measure, but </a:t>
+            </a:r>
+            <a:r>
+              <a:rPr lang="en-US" sz="1200" dirty="0" smtClean="0">
+                <a:solidFill>
+                  <a:srgbClr val="333333"/>
+                </a:solidFill>
+                <a:latin typeface="Helvetica Neue"/>
+              </a:rPr>
+              <a:t>we </a:t>
+            </a:r>
+            <a:r>
+              <a:rPr lang="en-US" sz="1200" dirty="0">
+                <a:solidFill>
+                  <a:srgbClr val="333333"/>
+                </a:solidFill>
+                <a:latin typeface="Helvetica Neue"/>
+              </a:rPr>
+              <a:t>will use it that way for now just for the purposes of example (and we removed 9 for ‘other’).</a:t>
+            </a:r>
+          </a:p>
+        </p:txBody>
+      </p:sp>
+      <p:pic>
+        <p:nvPicPr>
+          <p:cNvPr id="5" name="Picture 4"/>
+          <p:cNvPicPr>
+            <a:picLocks noChangeAspect="1"/>
+          </p:cNvPicPr>
+          <p:nvPr/>
+        </p:nvPicPr>
+        <p:blipFill rotWithShape="1">
+          <a:blip r:embed="rId2"/>
+          <a:srcRect l="21052" t="24176" r="37263" b="21930"/>
+          <a:stretch/>
+        </p:blipFill>
+        <p:spPr>
+          <a:xfrm>
+            <a:off x="2660396" y="1197920"/>
+            <a:ext cx="7109246" cy="5170363"/>
+          </a:xfrm>
+          <a:prstGeom prst="rect">
+            <a:avLst/>
+          </a:prstGeom>
+        </p:spPr>
+      </p:pic>
+      <p:sp>
+        <p:nvSpPr>
           <p:cNvPr id="9" name="Rectangle 8"/>
           <p:cNvSpPr/>
           <p:nvPr/>
@@ -10852,7 +10898,7 @@
         <p:spPr>
           <a:xfrm>
             <a:off x="292768" y="1392275"/>
-            <a:ext cx="11061032" cy="4401205"/>
+            <a:ext cx="10278392" cy="523220"/>
           </a:xfrm>
           <a:prstGeom prst="rect">
             <a:avLst/>
@@ -10875,23 +10921,8 @@
                 </a:solidFill>
                 <a:latin typeface="Helvetica Neue"/>
               </a:rPr>
-              <a:t>One option is a </a:t>
-            </a:r>
-            <a:r>
-              <a:rPr lang="en-US" sz="2800" b="1" dirty="0" smtClean="0">
-                <a:solidFill>
-                  <a:srgbClr val="333333"/>
-                </a:solidFill>
-                <a:latin typeface="Helvetica Neue"/>
-              </a:rPr>
-              <a:t>partial correlation</a:t>
-            </a:r>
-          </a:p>
-          <a:p>
-            <a:pPr marL="285750" indent="-285750">
-              <a:buFont typeface="Arial" panose="020B0604020202020204" pitchFamily="34" charset="0"/>
-              <a:buChar char="•"/>
-            </a:pPr>
+              <a:t>Education* </a:t>
+            </a:r>
             <a:r>
               <a:rPr lang="en-US" sz="2800" dirty="0">
                 <a:solidFill>
@@ -10899,161 +10930,21 @@
                 </a:solidFill>
                 <a:latin typeface="Helvetica Neue"/>
               </a:rPr>
-              <a:t>This </a:t>
-            </a:r>
-            <a:r>
-              <a:rPr lang="en-US" sz="2800" dirty="0" smtClean="0">
-                <a:solidFill>
-                  <a:srgbClr val="333333"/>
-                </a:solidFill>
-                <a:latin typeface="Helvetica Neue"/>
-              </a:rPr>
-              <a:t>procedure:</a:t>
-            </a:r>
-          </a:p>
-          <a:p>
-            <a:pPr marL="742950" lvl="1" indent="-285750">
-              <a:buFont typeface="Arial" panose="020B0604020202020204" pitchFamily="34" charset="0"/>
-              <a:buChar char="•"/>
-            </a:pPr>
-            <a:r>
-              <a:rPr lang="en-US" sz="2800" dirty="0" smtClean="0">
-                <a:solidFill>
-                  <a:srgbClr val="333333"/>
-                </a:solidFill>
-                <a:latin typeface="Helvetica Neue"/>
-              </a:rPr>
-              <a:t>Compute </a:t>
-            </a:r>
-            <a:r>
-              <a:rPr lang="en-US" sz="2800" dirty="0">
-                <a:solidFill>
-                  <a:srgbClr val="333333"/>
-                </a:solidFill>
-                <a:latin typeface="Helvetica Neue"/>
-              </a:rPr>
-              <a:t>residuals for x (dependent) ~ z (independent) </a:t>
-            </a:r>
-            <a:r>
-              <a:rPr lang="en-US" sz="2800" dirty="0" smtClean="0">
-                <a:solidFill>
-                  <a:srgbClr val="333333"/>
-                </a:solidFill>
-                <a:latin typeface="Helvetica Neue"/>
-              </a:rPr>
-              <a:t>model</a:t>
-            </a:r>
-          </a:p>
-          <a:p>
-            <a:pPr marL="742950" lvl="1" indent="-285750">
-              <a:buFont typeface="Arial" panose="020B0604020202020204" pitchFamily="34" charset="0"/>
-              <a:buChar char="•"/>
-            </a:pPr>
-            <a:r>
-              <a:rPr lang="en-US" sz="2800" dirty="0" smtClean="0">
-                <a:solidFill>
-                  <a:srgbClr val="333333"/>
-                </a:solidFill>
-                <a:latin typeface="Helvetica Neue"/>
-              </a:rPr>
-              <a:t>Compute </a:t>
-            </a:r>
-            <a:r>
-              <a:rPr lang="en-US" sz="2800" dirty="0">
-                <a:solidFill>
-                  <a:srgbClr val="333333"/>
-                </a:solidFill>
-                <a:latin typeface="Helvetica Neue"/>
-              </a:rPr>
-              <a:t>residuals for y (dependent) ~ z (independent) </a:t>
-            </a:r>
-            <a:r>
-              <a:rPr lang="en-US" sz="2800" dirty="0" smtClean="0">
-                <a:solidFill>
-                  <a:srgbClr val="333333"/>
-                </a:solidFill>
-                <a:latin typeface="Helvetica Neue"/>
-              </a:rPr>
-              <a:t>model</a:t>
-            </a:r>
-          </a:p>
-          <a:p>
-            <a:pPr marL="742950" lvl="1" indent="-285750">
-              <a:buFont typeface="Arial" panose="020B0604020202020204" pitchFamily="34" charset="0"/>
-              <a:buChar char="•"/>
-            </a:pPr>
-            <a:r>
-              <a:rPr lang="en-US" sz="2800" dirty="0" smtClean="0">
-                <a:solidFill>
-                  <a:srgbClr val="333333"/>
-                </a:solidFill>
-                <a:latin typeface="Helvetica Neue"/>
-              </a:rPr>
-              <a:t>Compute </a:t>
-            </a:r>
-            <a:r>
-              <a:rPr lang="en-US" sz="2800" dirty="0">
-                <a:solidFill>
-                  <a:srgbClr val="333333"/>
-                </a:solidFill>
-                <a:latin typeface="Helvetica Neue"/>
-              </a:rPr>
-              <a:t>correlation between the </a:t>
-            </a:r>
-            <a:r>
-              <a:rPr lang="en-US" sz="2800" dirty="0" smtClean="0">
-                <a:solidFill>
-                  <a:srgbClr val="333333"/>
-                </a:solidFill>
-                <a:latin typeface="Helvetica Neue"/>
-              </a:rPr>
-              <a:t>residuals</a:t>
-            </a:r>
-          </a:p>
-          <a:p>
-            <a:pPr marL="742950" lvl="1" indent="-285750">
-              <a:buFont typeface="Arial" panose="020B0604020202020204" pitchFamily="34" charset="0"/>
-              <a:buChar char="•"/>
-            </a:pPr>
-            <a:endParaRPr lang="en-US" sz="2800" dirty="0">
+              <a:t>and well-being linear association. </a:t>
+            </a:r>
+            <a:endParaRPr lang="en-US" sz="2800" dirty="0" smtClean="0">
               <a:solidFill>
                 <a:srgbClr val="333333"/>
               </a:solidFill>
               <a:latin typeface="Helvetica Neue"/>
             </a:endParaRPr>
           </a:p>
-          <a:p>
-            <a:pPr marL="285750" indent="-285750">
-              <a:buFont typeface="Arial" panose="020B0604020202020204" pitchFamily="34" charset="0"/>
-              <a:buChar char="•"/>
-            </a:pPr>
-            <a:r>
-              <a:rPr lang="en-US" sz="2800" dirty="0" smtClean="0">
-                <a:solidFill>
-                  <a:srgbClr val="333333"/>
-                </a:solidFill>
-                <a:latin typeface="Helvetica Neue"/>
-              </a:rPr>
-              <a:t>In other words:</a:t>
-            </a:r>
-          </a:p>
-          <a:p>
-            <a:r>
-              <a:rPr lang="en-US" sz="2800" dirty="0" smtClean="0">
-                <a:solidFill>
-                  <a:srgbClr val="333333"/>
-                </a:solidFill>
-                <a:latin typeface="Helvetica Neue"/>
-              </a:rPr>
-              <a:t>	A partial correlation is what remains of a linear association 	after removing the portion of that association that can be 	explained by a third variable</a:t>
-            </a:r>
-          </a:p>
         </p:txBody>
       </p:sp>
     </p:spTree>
     <p:extLst>
       <p:ext uri="{BB962C8B-B14F-4D97-AF65-F5344CB8AC3E}">
-        <p14:creationId xmlns:p14="http://schemas.microsoft.com/office/powerpoint/2010/main" val="1874656401"/>
+        <p14:creationId xmlns:p14="http://schemas.microsoft.com/office/powerpoint/2010/main" val="450526351"/>
       </p:ext>
     </p:extLst>
   </p:cSld>
@@ -11082,7 +10973,56 @@
       </p:grpSpPr>
       <p:sp>
         <p:nvSpPr>
-          <p:cNvPr id="4" name="Slide Number Placeholder 3"/>
+          <p:cNvPr id="2" name="Title 1"/>
+          <p:cNvSpPr>
+            <a:spLocks noGrp="1"/>
+          </p:cNvSpPr>
+          <p:nvPr>
+            <p:ph type="title"/>
+          </p:nvPr>
+        </p:nvSpPr>
+        <p:spPr>
+          <a:xfrm>
+            <a:off x="55560" y="0"/>
+            <a:ext cx="10515600" cy="1325563"/>
+          </a:xfrm>
+        </p:spPr>
+        <p:txBody>
+          <a:bodyPr>
+            <a:normAutofit/>
+          </a:bodyPr>
+          <a:lstStyle/>
+          <a:p>
+            <a:r>
+              <a:rPr lang="en-US" b="1" i="1" dirty="0"/>
+              <a:t>Can Money Buy Happiness</a:t>
+            </a:r>
+            <a:r>
+              <a:rPr lang="en-US" b="1" i="1" dirty="0" smtClean="0"/>
+              <a:t>?</a:t>
+            </a:r>
+            <a:br>
+              <a:rPr lang="en-US" b="1" i="1" dirty="0" smtClean="0"/>
+            </a:br>
+            <a:r>
+              <a:rPr lang="en-US" sz="3600" dirty="0" smtClean="0"/>
+              <a:t>Example </a:t>
+            </a:r>
+            <a:r>
+              <a:rPr lang="en-US" sz="3600" dirty="0"/>
+              <a:t>3</a:t>
+            </a:r>
+            <a:r>
+              <a:rPr lang="en-US" sz="3600" dirty="0" smtClean="0"/>
+              <a:t>. NHST – Linear Association, adjusted</a:t>
+            </a:r>
+            <a:endParaRPr lang="en-US" sz="3600" b="1" dirty="0"/>
+          </a:p>
+        </p:txBody>
+      </p:sp>
+      <p:sp>
+        <p:nvSpPr>
+          <p:cNvPr id="3" name="Slide Number Placeholder 2"/>
           <p:cNvSpPr>
             <a:spLocks noGrp="1"/>
           </p:cNvSpPr>
@@ -11103,162 +11043,217 @@
           </a:p>
         </p:txBody>
       </p:sp>
-      <p:pic>
-        <p:nvPicPr>
-          <p:cNvPr id="5" name="Picture 4"/>
-          <p:cNvPicPr>
-            <a:picLocks noChangeAspect="1"/>
-          </p:cNvPicPr>
+      <p:sp>
+        <p:nvSpPr>
+          <p:cNvPr id="9" name="Rectangle 8"/>
+          <p:cNvSpPr/>
           <p:nvPr/>
-        </p:nvPicPr>
-        <p:blipFill rotWithShape="1">
-          <a:blip r:embed="rId2"/>
-          <a:srcRect l="20500" t="29789" r="36868" b="16316"/>
-          <a:stretch/>
-        </p:blipFill>
-        <p:spPr>
-          <a:xfrm>
-            <a:off x="0" y="1851794"/>
-            <a:ext cx="5967663" cy="5006206"/>
+        </p:nvSpPr>
+        <p:spPr>
+          <a:xfrm>
+            <a:off x="292768" y="1392275"/>
+            <a:ext cx="11061032" cy="4401205"/>
           </a:xfrm>
           <a:prstGeom prst="rect">
             <a:avLst/>
           </a:prstGeom>
         </p:spPr>
-      </p:pic>
-      <p:pic>
-        <p:nvPicPr>
-          <p:cNvPr id="6" name="Picture 5"/>
-          <p:cNvPicPr>
-            <a:picLocks noChangeAspect="1"/>
-          </p:cNvPicPr>
-          <p:nvPr/>
-        </p:nvPicPr>
-        <p:blipFill rotWithShape="1">
-          <a:blip r:embed="rId3">
-            <a:extLst>
-              <a:ext uri="{28A0092B-C50C-407E-A947-70E740481C1C}">
-                <a14:useLocalDpi xmlns:a14="http://schemas.microsoft.com/office/drawing/2010/main" val="0"/>
-              </a:ext>
-            </a:extLst>
-          </a:blip>
-          <a:srcRect t="5298"/>
-          <a:stretch/>
-        </p:blipFill>
-        <p:spPr>
-          <a:xfrm>
-            <a:off x="7363326" y="1851794"/>
-            <a:ext cx="3775897" cy="5006206"/>
-          </a:xfrm>
-          <a:prstGeom prst="rect">
-            <a:avLst/>
-          </a:prstGeom>
-        </p:spPr>
-      </p:pic>
-      <p:sp>
-        <p:nvSpPr>
-          <p:cNvPr id="7" name="TextBox 6"/>
-          <p:cNvSpPr txBox="1"/>
-          <p:nvPr/>
-        </p:nvSpPr>
-        <p:spPr>
-          <a:xfrm>
-            <a:off x="685800" y="120317"/>
-            <a:ext cx="7531769" cy="1200329"/>
-          </a:xfrm>
-          <a:prstGeom prst="rect">
-            <a:avLst/>
-          </a:prstGeom>
-          <a:noFill/>
-        </p:spPr>
-        <p:txBody>
-          <a:bodyPr wrap="square" rtlCol="0">
+        <p:txBody>
+          <a:bodyPr wrap="square">
             <a:spAutoFit/>
           </a:bodyPr>
           <a:lstStyle/>
           <a:p>
-            <a:r>
-              <a:rPr lang="en-US" sz="3600" dirty="0" smtClean="0"/>
-              <a:t>Does Education affect the </a:t>
-            </a:r>
-            <a:r>
-              <a:rPr lang="en-US" sz="3600" i="1" dirty="0" smtClean="0"/>
-              <a:t>income-happiness</a:t>
-            </a:r>
-            <a:r>
-              <a:rPr lang="en-US" sz="3600" dirty="0" smtClean="0"/>
-              <a:t> association in Germany?</a:t>
-            </a:r>
-            <a:endParaRPr lang="en-US" sz="3600" dirty="0"/>
-          </a:p>
-        </p:txBody>
-      </p:sp>
-      <p:sp>
-        <p:nvSpPr>
-          <p:cNvPr id="8" name="TextBox 7"/>
-          <p:cNvSpPr txBox="1"/>
-          <p:nvPr/>
-        </p:nvSpPr>
-        <p:spPr>
-          <a:xfrm>
-            <a:off x="1612232" y="1515979"/>
-            <a:ext cx="3344779" cy="369332"/>
-          </a:xfrm>
-          <a:prstGeom prst="rect">
-            <a:avLst/>
-          </a:prstGeom>
-          <a:noFill/>
-        </p:spPr>
-        <p:txBody>
-          <a:bodyPr wrap="square" rtlCol="0">
-            <a:spAutoFit/>
-          </a:bodyPr>
-          <a:lstStyle/>
-          <a:p>
-            <a:pPr algn="ctr"/>
-            <a:r>
-              <a:rPr lang="en-US" dirty="0" smtClean="0"/>
-              <a:t>Adjusted Linear Association</a:t>
-            </a:r>
-            <a:endParaRPr lang="en-US" dirty="0"/>
-          </a:p>
-        </p:txBody>
-      </p:sp>
-      <p:sp>
-        <p:nvSpPr>
-          <p:cNvPr id="9" name="TextBox 8"/>
-          <p:cNvSpPr txBox="1"/>
-          <p:nvPr/>
-        </p:nvSpPr>
-        <p:spPr>
-          <a:xfrm>
-            <a:off x="7794444" y="1482462"/>
-            <a:ext cx="3344779" cy="369332"/>
-          </a:xfrm>
-          <a:prstGeom prst="rect">
-            <a:avLst/>
-          </a:prstGeom>
-          <a:noFill/>
-        </p:spPr>
-        <p:txBody>
-          <a:bodyPr wrap="square" rtlCol="0">
-            <a:spAutoFit/>
-          </a:bodyPr>
-          <a:lstStyle/>
-          <a:p>
-            <a:pPr algn="ctr"/>
-            <a:r>
-              <a:rPr lang="en-US" dirty="0" smtClean="0"/>
-              <a:t>Unadjusted Linear Association</a:t>
-            </a:r>
-            <a:endParaRPr lang="en-US" dirty="0"/>
+            <a:pPr marL="285750" indent="-285750">
+              <a:buFont typeface="Arial" panose="020B0604020202020204" pitchFamily="34" charset="0"/>
+              <a:buChar char="•"/>
+            </a:pPr>
+            <a:r>
+              <a:rPr lang="en-US" sz="2800" dirty="0" smtClean="0">
+                <a:solidFill>
+                  <a:srgbClr val="333333"/>
+                </a:solidFill>
+                <a:latin typeface="Helvetica Neue"/>
+              </a:rPr>
+              <a:t>One option is a </a:t>
+            </a:r>
+            <a:r>
+              <a:rPr lang="en-US" sz="2800" b="1" dirty="0" smtClean="0">
+                <a:solidFill>
+                  <a:srgbClr val="333333"/>
+                </a:solidFill>
+                <a:latin typeface="Helvetica Neue"/>
+              </a:rPr>
+              <a:t>partial correlation</a:t>
+            </a:r>
+          </a:p>
+          <a:p>
+            <a:pPr marL="285750" indent="-285750">
+              <a:buFont typeface="Arial" panose="020B0604020202020204" pitchFamily="34" charset="0"/>
+              <a:buChar char="•"/>
+            </a:pPr>
+            <a:r>
+              <a:rPr lang="en-US" sz="2800" dirty="0">
+                <a:solidFill>
+                  <a:srgbClr val="333333"/>
+                </a:solidFill>
+                <a:latin typeface="Helvetica Neue"/>
+              </a:rPr>
+              <a:t>This </a:t>
+            </a:r>
+            <a:r>
+              <a:rPr lang="en-US" sz="2800" dirty="0" smtClean="0">
+                <a:solidFill>
+                  <a:srgbClr val="333333"/>
+                </a:solidFill>
+                <a:latin typeface="Helvetica Neue"/>
+              </a:rPr>
+              <a:t>procedure:</a:t>
+            </a:r>
+          </a:p>
+          <a:p>
+            <a:pPr marL="742950" lvl="1" indent="-285750">
+              <a:buFont typeface="Arial" panose="020B0604020202020204" pitchFamily="34" charset="0"/>
+              <a:buChar char="•"/>
+            </a:pPr>
+            <a:r>
+              <a:rPr lang="en-US" sz="2800" dirty="0" smtClean="0">
+                <a:solidFill>
+                  <a:srgbClr val="333333"/>
+                </a:solidFill>
+                <a:latin typeface="Helvetica Neue"/>
+              </a:rPr>
+              <a:t>Compute </a:t>
+            </a:r>
+            <a:r>
+              <a:rPr lang="en-US" sz="2800" dirty="0">
+                <a:solidFill>
+                  <a:srgbClr val="333333"/>
+                </a:solidFill>
+                <a:latin typeface="Helvetica Neue"/>
+              </a:rPr>
+              <a:t>residuals for x (dependent) ~ z (independent) </a:t>
+            </a:r>
+            <a:r>
+              <a:rPr lang="en-US" sz="2800" dirty="0" smtClean="0">
+                <a:solidFill>
+                  <a:srgbClr val="333333"/>
+                </a:solidFill>
+                <a:latin typeface="Helvetica Neue"/>
+              </a:rPr>
+              <a:t>model</a:t>
+            </a:r>
+          </a:p>
+          <a:p>
+            <a:pPr marL="742950" lvl="1" indent="-285750">
+              <a:buFont typeface="Arial" panose="020B0604020202020204" pitchFamily="34" charset="0"/>
+              <a:buChar char="•"/>
+            </a:pPr>
+            <a:r>
+              <a:rPr lang="en-US" sz="2800" dirty="0" smtClean="0">
+                <a:solidFill>
+                  <a:srgbClr val="333333"/>
+                </a:solidFill>
+                <a:latin typeface="Helvetica Neue"/>
+              </a:rPr>
+              <a:t>Compute </a:t>
+            </a:r>
+            <a:r>
+              <a:rPr lang="en-US" sz="2800" dirty="0">
+                <a:solidFill>
+                  <a:srgbClr val="333333"/>
+                </a:solidFill>
+                <a:latin typeface="Helvetica Neue"/>
+              </a:rPr>
+              <a:t>residuals for y (dependent) ~ z (independent) </a:t>
+            </a:r>
+            <a:r>
+              <a:rPr lang="en-US" sz="2800" dirty="0" smtClean="0">
+                <a:solidFill>
+                  <a:srgbClr val="333333"/>
+                </a:solidFill>
+                <a:latin typeface="Helvetica Neue"/>
+              </a:rPr>
+              <a:t>model</a:t>
+            </a:r>
+          </a:p>
+          <a:p>
+            <a:pPr marL="742950" lvl="1" indent="-285750">
+              <a:buFont typeface="Arial" panose="020B0604020202020204" pitchFamily="34" charset="0"/>
+              <a:buChar char="•"/>
+            </a:pPr>
+            <a:r>
+              <a:rPr lang="en-US" sz="2800" dirty="0" smtClean="0">
+                <a:solidFill>
+                  <a:srgbClr val="333333"/>
+                </a:solidFill>
+                <a:latin typeface="Helvetica Neue"/>
+              </a:rPr>
+              <a:t>Compute </a:t>
+            </a:r>
+            <a:r>
+              <a:rPr lang="en-US" sz="2800" dirty="0">
+                <a:solidFill>
+                  <a:srgbClr val="333333"/>
+                </a:solidFill>
+                <a:latin typeface="Helvetica Neue"/>
+              </a:rPr>
+              <a:t>correlation between the </a:t>
+            </a:r>
+            <a:r>
+              <a:rPr lang="en-US" sz="2800" dirty="0" smtClean="0">
+                <a:solidFill>
+                  <a:srgbClr val="333333"/>
+                </a:solidFill>
+                <a:latin typeface="Helvetica Neue"/>
+              </a:rPr>
+              <a:t>residuals</a:t>
+            </a:r>
+          </a:p>
+          <a:p>
+            <a:pPr marL="742950" lvl="1" indent="-285750">
+              <a:buFont typeface="Arial" panose="020B0604020202020204" pitchFamily="34" charset="0"/>
+              <a:buChar char="•"/>
+            </a:pPr>
+            <a:endParaRPr lang="en-US" sz="2800" dirty="0">
+              <a:solidFill>
+                <a:srgbClr val="333333"/>
+              </a:solidFill>
+              <a:latin typeface="Helvetica Neue"/>
+            </a:endParaRPr>
+          </a:p>
+          <a:p>
+            <a:pPr marL="285750" indent="-285750">
+              <a:buFont typeface="Arial" panose="020B0604020202020204" pitchFamily="34" charset="0"/>
+              <a:buChar char="•"/>
+            </a:pPr>
+            <a:r>
+              <a:rPr lang="en-US" sz="2800" dirty="0" smtClean="0">
+                <a:solidFill>
+                  <a:srgbClr val="333333"/>
+                </a:solidFill>
+                <a:latin typeface="Helvetica Neue"/>
+              </a:rPr>
+              <a:t>In other words:</a:t>
+            </a:r>
+          </a:p>
+          <a:p>
+            <a:r>
+              <a:rPr lang="en-US" sz="2800" dirty="0" smtClean="0">
+                <a:solidFill>
+                  <a:srgbClr val="333333"/>
+                </a:solidFill>
+                <a:latin typeface="Helvetica Neue"/>
+              </a:rPr>
+              <a:t>	A partial correlation is what remains of a linear association 	after removing the portion of that association that can be 	explained by a third variable</a:t>
+            </a:r>
           </a:p>
         </p:txBody>
       </p:sp>
     </p:spTree>
     <p:extLst>
       <p:ext uri="{BB962C8B-B14F-4D97-AF65-F5344CB8AC3E}">
-        <p14:creationId xmlns:p14="http://schemas.microsoft.com/office/powerpoint/2010/main" val="414819063"/>
+        <p14:creationId xmlns:p14="http://schemas.microsoft.com/office/powerpoint/2010/main" val="1874656401"/>
       </p:ext>
     </p:extLst>
   </p:cSld>
@@ -11308,58 +11303,29 @@
           </a:p>
         </p:txBody>
       </p:sp>
-      <p:sp>
-        <p:nvSpPr>
-          <p:cNvPr id="5" name="Title 1"/>
-          <p:cNvSpPr txBox="1">
-            <a:spLocks/>
-          </p:cNvSpPr>
+      <p:pic>
+        <p:nvPicPr>
+          <p:cNvPr id="5" name="Picture 4"/>
+          <p:cNvPicPr>
+            <a:picLocks noChangeAspect="1"/>
+          </p:cNvPicPr>
           <p:nvPr/>
-        </p:nvSpPr>
-        <p:spPr>
-          <a:xfrm>
-            <a:off x="55560" y="0"/>
-            <a:ext cx="10515600" cy="1325563"/>
+        </p:nvPicPr>
+        <p:blipFill rotWithShape="1">
+          <a:blip r:embed="rId2"/>
+          <a:srcRect l="20500" t="29789" r="36868" b="16316"/>
+          <a:stretch/>
+        </p:blipFill>
+        <p:spPr>
+          <a:xfrm>
+            <a:off x="0" y="1851794"/>
+            <a:ext cx="5967663" cy="5006206"/>
           </a:xfrm>
           <a:prstGeom prst="rect">
             <a:avLst/>
           </a:prstGeom>
         </p:spPr>
-        <p:txBody>
-          <a:bodyPr vert="horz" lIns="91440" tIns="45720" rIns="91440" bIns="45720" rtlCol="0" anchor="ctr">
-            <a:normAutofit/>
-          </a:bodyPr>
-          <a:lstStyle>
-            <a:lvl1pPr algn="l" defTabSz="914400" rtl="0" eaLnBrk="1" latinLnBrk="0" hangingPunct="1">
-              <a:lnSpc>
-                <a:spcPct val="90000"/>
-              </a:lnSpc>
-              <a:spcBef>
-                <a:spcPct val="0"/>
-              </a:spcBef>
-              <a:buNone/>
-              <a:defRPr sz="4400" kern="1200">
-                <a:solidFill>
-                  <a:schemeClr val="tx1"/>
-                </a:solidFill>
-                <a:latin typeface="+mj-lt"/>
-                <a:ea typeface="+mj-ea"/>
-                <a:cs typeface="+mj-cs"/>
-              </a:defRPr>
-            </a:lvl1pPr>
-          </a:lstStyle>
-          <a:p>
-            <a:r>
-              <a:rPr lang="en-US" b="1" i="1" dirty="0" smtClean="0"/>
-              <a:t>Importance of God and Happiness?</a:t>
-            </a:r>
-            <a:br>
-              <a:rPr lang="en-US" b="1" i="1" dirty="0" smtClean="0"/>
-            </a:br>
-            <a:endParaRPr lang="en-US" sz="3600" b="1" dirty="0"/>
-          </a:p>
-        </p:txBody>
-      </p:sp>
+      </p:pic>
       <p:pic>
         <p:nvPicPr>
           <p:cNvPr id="6" name="Picture 5"/>
@@ -11369,24 +11335,130 @@
           <p:nvPr/>
         </p:nvPicPr>
         <p:blipFill rotWithShape="1">
-          <a:blip r:embed="rId2"/>
-          <a:srcRect l="20500" t="23894" r="36947" b="22211"/>
+          <a:blip r:embed="rId3">
+            <a:extLst>
+              <a:ext uri="{28A0092B-C50C-407E-A947-70E740481C1C}">
+                <a14:useLocalDpi xmlns:a14="http://schemas.microsoft.com/office/drawing/2010/main" val="0"/>
+              </a:ext>
+            </a:extLst>
+          </a:blip>
+          <a:srcRect t="5298"/>
           <a:stretch/>
         </p:blipFill>
         <p:spPr>
           <a:xfrm>
-            <a:off x="2324100" y="1153740"/>
-            <a:ext cx="7543800" cy="5374433"/>
+            <a:off x="7363326" y="1851794"/>
+            <a:ext cx="3775897" cy="5006206"/>
           </a:xfrm>
           <a:prstGeom prst="rect">
             <a:avLst/>
           </a:prstGeom>
         </p:spPr>
       </p:pic>
+      <p:sp>
+        <p:nvSpPr>
+          <p:cNvPr id="7" name="TextBox 6"/>
+          <p:cNvSpPr txBox="1"/>
+          <p:nvPr/>
+        </p:nvSpPr>
+        <p:spPr>
+          <a:xfrm>
+            <a:off x="685800" y="120317"/>
+            <a:ext cx="7531769" cy="1200329"/>
+          </a:xfrm>
+          <a:prstGeom prst="rect">
+            <a:avLst/>
+          </a:prstGeom>
+          <a:noFill/>
+        </p:spPr>
+        <p:txBody>
+          <a:bodyPr wrap="square" rtlCol="0">
+            <a:spAutoFit/>
+          </a:bodyPr>
+          <a:lstStyle/>
+          <a:p>
+            <a:r>
+              <a:rPr lang="en-US" sz="3600" dirty="0" smtClean="0"/>
+              <a:t>Does Education affect the </a:t>
+            </a:r>
+            <a:r>
+              <a:rPr lang="en-US" sz="3600" i="1" dirty="0" smtClean="0"/>
+              <a:t>income-happiness</a:t>
+            </a:r>
+            <a:r>
+              <a:rPr lang="en-US" sz="3600" dirty="0" smtClean="0"/>
+              <a:t> association in Germany?</a:t>
+            </a:r>
+            <a:endParaRPr lang="en-US" sz="3600" dirty="0"/>
+          </a:p>
+        </p:txBody>
+      </p:sp>
+      <p:sp>
+        <p:nvSpPr>
+          <p:cNvPr id="8" name="TextBox 7"/>
+          <p:cNvSpPr txBox="1"/>
+          <p:nvPr/>
+        </p:nvSpPr>
+        <p:spPr>
+          <a:xfrm>
+            <a:off x="1612232" y="1515979"/>
+            <a:ext cx="3344779" cy="369332"/>
+          </a:xfrm>
+          <a:prstGeom prst="rect">
+            <a:avLst/>
+          </a:prstGeom>
+          <a:noFill/>
+        </p:spPr>
+        <p:txBody>
+          <a:bodyPr wrap="square" rtlCol="0">
+            <a:spAutoFit/>
+          </a:bodyPr>
+          <a:lstStyle/>
+          <a:p>
+            <a:pPr algn="ctr"/>
+            <a:r>
+              <a:rPr lang="en-US" dirty="0" smtClean="0"/>
+              <a:t>Adjusted Linear Association</a:t>
+            </a:r>
+            <a:endParaRPr lang="en-US" dirty="0"/>
+          </a:p>
+        </p:txBody>
+      </p:sp>
+      <p:sp>
+        <p:nvSpPr>
+          <p:cNvPr id="9" name="TextBox 8"/>
+          <p:cNvSpPr txBox="1"/>
+          <p:nvPr/>
+        </p:nvSpPr>
+        <p:spPr>
+          <a:xfrm>
+            <a:off x="7794444" y="1482462"/>
+            <a:ext cx="3344779" cy="369332"/>
+          </a:xfrm>
+          <a:prstGeom prst="rect">
+            <a:avLst/>
+          </a:prstGeom>
+          <a:noFill/>
+        </p:spPr>
+        <p:txBody>
+          <a:bodyPr wrap="square" rtlCol="0">
+            <a:spAutoFit/>
+          </a:bodyPr>
+          <a:lstStyle/>
+          <a:p>
+            <a:pPr algn="ctr"/>
+            <a:r>
+              <a:rPr lang="en-US" dirty="0" smtClean="0"/>
+              <a:t>Unadjusted Linear Association</a:t>
+            </a:r>
+            <a:endParaRPr lang="en-US" dirty="0"/>
+          </a:p>
+        </p:txBody>
+      </p:sp>
     </p:spTree>
     <p:extLst>
       <p:ext uri="{BB962C8B-B14F-4D97-AF65-F5344CB8AC3E}">
-        <p14:creationId xmlns:p14="http://schemas.microsoft.com/office/powerpoint/2010/main" val="1704233745"/>
+        <p14:creationId xmlns:p14="http://schemas.microsoft.com/office/powerpoint/2010/main" val="414819063"/>
       </p:ext>
     </p:extLst>
   </p:cSld>
@@ -11415,64 +11487,7 @@
       </p:grpSpPr>
       <p:sp>
         <p:nvSpPr>
-          <p:cNvPr id="2" name="Title 1"/>
-          <p:cNvSpPr>
-            <a:spLocks noGrp="1"/>
-          </p:cNvSpPr>
-          <p:nvPr>
-            <p:ph type="title"/>
-          </p:nvPr>
-        </p:nvSpPr>
-        <p:spPr>
-          <a:xfrm>
-            <a:off x="55560" y="0"/>
-            <a:ext cx="10515600" cy="1325563"/>
-          </a:xfrm>
-        </p:spPr>
-        <p:txBody>
-          <a:bodyPr>
-            <a:normAutofit/>
-          </a:bodyPr>
-          <a:lstStyle/>
-          <a:p>
-            <a:r>
-              <a:rPr lang="en-US" b="1" i="1" dirty="0"/>
-              <a:t>Can Money Buy Happiness</a:t>
-            </a:r>
-            <a:r>
-              <a:rPr lang="en-US" b="1" i="1" dirty="0" smtClean="0"/>
-              <a:t>?</a:t>
-            </a:r>
-            <a:br>
-              <a:rPr lang="en-US" b="1" i="1" dirty="0" smtClean="0"/>
-            </a:br>
-            <a:r>
-              <a:rPr lang="en-US" sz="3600" dirty="0" smtClean="0"/>
-              <a:t>Example </a:t>
-            </a:r>
-            <a:r>
-              <a:rPr lang="en-US" sz="3600" dirty="0"/>
-              <a:t>3</a:t>
-            </a:r>
-            <a:r>
-              <a:rPr lang="en-US" sz="3600" dirty="0" smtClean="0"/>
-              <a:t>. </a:t>
-            </a:r>
-            <a:r>
-              <a:rPr lang="en-US" sz="3600" dirty="0" smtClean="0"/>
-              <a:t>NHST – Linear </a:t>
-            </a:r>
-            <a:r>
-              <a:rPr lang="en-US" sz="3600" dirty="0" smtClean="0"/>
-              <a:t>Association, adjusted</a:t>
-            </a:r>
-            <a:endParaRPr lang="en-US" sz="3600" b="1" dirty="0"/>
-          </a:p>
-        </p:txBody>
-      </p:sp>
-      <p:sp>
-        <p:nvSpPr>
-          <p:cNvPr id="3" name="Slide Number Placeholder 2"/>
+          <p:cNvPr id="4" name="Slide Number Placeholder 3"/>
           <p:cNvSpPr>
             <a:spLocks noGrp="1"/>
           </p:cNvSpPr>
@@ -11495,127 +11510,83 @@
       </p:sp>
       <p:sp>
         <p:nvSpPr>
-          <p:cNvPr id="9" name="Rectangle 8"/>
-          <p:cNvSpPr/>
+          <p:cNvPr id="5" name="Title 1"/>
+          <p:cNvSpPr txBox="1">
+            <a:spLocks/>
+          </p:cNvSpPr>
           <p:nvPr/>
         </p:nvSpPr>
         <p:spPr>
           <a:xfrm>
-            <a:off x="292768" y="1392275"/>
-            <a:ext cx="11061032" cy="2246769"/>
+            <a:off x="55560" y="0"/>
+            <a:ext cx="10515600" cy="1325563"/>
           </a:xfrm>
           <a:prstGeom prst="rect">
             <a:avLst/>
           </a:prstGeom>
         </p:spPr>
         <p:txBody>
-          <a:bodyPr wrap="square">
-            <a:spAutoFit/>
+          <a:bodyPr vert="horz" lIns="91440" tIns="45720" rIns="91440" bIns="45720" rtlCol="0" anchor="ctr">
+            <a:normAutofit/>
           </a:bodyPr>
-          <a:lstStyle/>
-          <a:p>
-            <a:pPr marL="285750" indent="-285750">
-              <a:buFont typeface="Arial" panose="020B0604020202020204" pitchFamily="34" charset="0"/>
-              <a:buChar char="•"/>
-            </a:pPr>
-            <a:r>
-              <a:rPr lang="en-US" sz="2800" dirty="0" smtClean="0">
+          <a:lstStyle>
+            <a:lvl1pPr algn="l" defTabSz="914400" rtl="0" eaLnBrk="1" latinLnBrk="0" hangingPunct="1">
+              <a:lnSpc>
+                <a:spcPct val="90000"/>
+              </a:lnSpc>
+              <a:spcBef>
+                <a:spcPct val="0"/>
+              </a:spcBef>
+              <a:buNone/>
+              <a:defRPr sz="4400" kern="1200">
                 <a:solidFill>
-                  <a:schemeClr val="bg1">
-                    <a:lumMod val="65000"/>
-                  </a:schemeClr>
+                  <a:schemeClr val="tx1"/>
                 </a:solidFill>
-                <a:latin typeface="Helvetica Neue"/>
-              </a:rPr>
-              <a:t>One option is a </a:t>
-            </a:r>
-            <a:r>
-              <a:rPr lang="en-US" sz="2800" b="1" dirty="0" smtClean="0">
-                <a:solidFill>
-                  <a:schemeClr val="bg1">
-                    <a:lumMod val="65000"/>
-                  </a:schemeClr>
-                </a:solidFill>
-                <a:latin typeface="Helvetica Neue"/>
-              </a:rPr>
-              <a:t>partial correlation</a:t>
-            </a:r>
-          </a:p>
-          <a:p>
-            <a:pPr marL="285750" indent="-285750">
-              <a:buFont typeface="Arial" panose="020B0604020202020204" pitchFamily="34" charset="0"/>
-              <a:buChar char="•"/>
-            </a:pPr>
-            <a:r>
-              <a:rPr lang="en-US" sz="2800" dirty="0" smtClean="0">
-                <a:solidFill>
-                  <a:srgbClr val="333333"/>
-                </a:solidFill>
-                <a:latin typeface="Helvetica Neue"/>
-              </a:rPr>
-              <a:t>Another option is a </a:t>
-            </a:r>
-            <a:r>
-              <a:rPr lang="en-US" sz="2800" b="1" dirty="0" smtClean="0">
-                <a:solidFill>
-                  <a:srgbClr val="333333"/>
-                </a:solidFill>
-                <a:latin typeface="Helvetica Neue"/>
-              </a:rPr>
-              <a:t>linear regression</a:t>
-            </a:r>
-          </a:p>
-          <a:p>
-            <a:pPr marL="742950" lvl="1" indent="-285750">
-              <a:buFont typeface="Arial" panose="020B0604020202020204" pitchFamily="34" charset="0"/>
-              <a:buChar char="•"/>
-            </a:pPr>
-            <a:r>
-              <a:rPr lang="en-US" sz="2800" dirty="0" smtClean="0">
-                <a:solidFill>
-                  <a:srgbClr val="333333"/>
-                </a:solidFill>
-                <a:latin typeface="Helvetica Neue"/>
-              </a:rPr>
-              <a:t>Advantage is that it can adjust for many variables</a:t>
-            </a:r>
-          </a:p>
-          <a:p>
-            <a:pPr marL="742950" lvl="1" indent="-285750">
-              <a:buFont typeface="Arial" panose="020B0604020202020204" pitchFamily="34" charset="0"/>
-              <a:buChar char="•"/>
-            </a:pPr>
-            <a:r>
-              <a:rPr lang="en-US" sz="2800" dirty="0" smtClean="0">
-                <a:solidFill>
-                  <a:srgbClr val="333333"/>
-                </a:solidFill>
-                <a:latin typeface="Helvetica Neue"/>
-              </a:rPr>
-              <a:t>Computer does the work</a:t>
-            </a:r>
-          </a:p>
-          <a:p>
-            <a:pPr marL="742950" lvl="1" indent="-285750">
-              <a:buFont typeface="Arial" panose="020B0604020202020204" pitchFamily="34" charset="0"/>
-              <a:buChar char="•"/>
-            </a:pPr>
-            <a:r>
-              <a:rPr lang="en-US" sz="2800" dirty="0" smtClean="0">
-                <a:solidFill>
-                  <a:srgbClr val="333333"/>
-                </a:solidFill>
-                <a:latin typeface="Helvetica Neue"/>
-              </a:rPr>
-              <a:t>Statistical software provides results/p-values</a:t>
-            </a:r>
-          </a:p>
-        </p:txBody>
-      </p:sp>
+                <a:latin typeface="+mj-lt"/>
+                <a:ea typeface="+mj-ea"/>
+                <a:cs typeface="+mj-cs"/>
+              </a:defRPr>
+            </a:lvl1pPr>
+          </a:lstStyle>
+          <a:p>
+            <a:r>
+              <a:rPr lang="en-US" b="1" i="1" dirty="0" smtClean="0"/>
+              <a:t>Importance of God and Happiness?</a:t>
+            </a:r>
+            <a:br>
+              <a:rPr lang="en-US" b="1" i="1" dirty="0" smtClean="0"/>
+            </a:br>
+            <a:endParaRPr lang="en-US" sz="3600" b="1" dirty="0"/>
+          </a:p>
+        </p:txBody>
+      </p:sp>
+      <p:pic>
+        <p:nvPicPr>
+          <p:cNvPr id="6" name="Picture 5"/>
+          <p:cNvPicPr>
+            <a:picLocks noChangeAspect="1"/>
+          </p:cNvPicPr>
+          <p:nvPr/>
+        </p:nvPicPr>
+        <p:blipFill rotWithShape="1">
+          <a:blip r:embed="rId2"/>
+          <a:srcRect l="20500" t="23894" r="36947" b="22211"/>
+          <a:stretch/>
+        </p:blipFill>
+        <p:spPr>
+          <a:xfrm>
+            <a:off x="2324100" y="1153740"/>
+            <a:ext cx="7543800" cy="5374433"/>
+          </a:xfrm>
+          <a:prstGeom prst="rect">
+            <a:avLst/>
+          </a:prstGeom>
+        </p:spPr>
+      </p:pic>
     </p:spTree>
     <p:extLst>
       <p:ext uri="{BB962C8B-B14F-4D97-AF65-F5344CB8AC3E}">
-        <p14:creationId xmlns:p14="http://schemas.microsoft.com/office/powerpoint/2010/main" val="4010585396"/>
+        <p14:creationId xmlns:p14="http://schemas.microsoft.com/office/powerpoint/2010/main" val="1704233745"/>
       </p:ext>
     </p:extLst>
   </p:cSld>
@@ -11685,15 +11656,7 @@
             </a:r>
             <a:r>
               <a:rPr lang="en-US" sz="3600" dirty="0" smtClean="0"/>
-              <a:t>. </a:t>
-            </a:r>
-            <a:r>
-              <a:rPr lang="en-US" sz="3600" dirty="0" smtClean="0"/>
-              <a:t>NHST – Linear </a:t>
-            </a:r>
-            <a:r>
-              <a:rPr lang="en-US" sz="3600" dirty="0" smtClean="0"/>
-              <a:t>Association, adjusted</a:t>
+              <a:t>. NHST – Linear Association, adjusted</a:t>
             </a:r>
             <a:endParaRPr lang="en-US" sz="3600" b="1" dirty="0"/>
           </a:p>
@@ -11731,7 +11694,7 @@
         <p:spPr>
           <a:xfrm>
             <a:off x="292768" y="1392275"/>
-            <a:ext cx="11061032" cy="523220"/>
+            <a:ext cx="11061032" cy="2246769"/>
           </a:xfrm>
           <a:prstGeom prst="rect">
             <a:avLst/>
@@ -11742,6 +11705,34 @@
             <a:spAutoFit/>
           </a:bodyPr>
           <a:lstStyle/>
+          <a:p>
+            <a:pPr marL="285750" indent="-285750">
+              <a:buFont typeface="Arial" panose="020B0604020202020204" pitchFamily="34" charset="0"/>
+              <a:buChar char="•"/>
+            </a:pPr>
+            <a:r>
+              <a:rPr lang="en-US" sz="2800" dirty="0" smtClean="0">
+                <a:solidFill>
+                  <a:schemeClr val="bg1">
+                    <a:lumMod val="65000"/>
+                  </a:schemeClr>
+                </a:solidFill>
+                <a:latin typeface="Helvetica Neue"/>
+              </a:rPr>
+              <a:t>One option is a </a:t>
+            </a:r>
+            <a:r>
+              <a:rPr lang="en-US" sz="2800" b="1" dirty="0" smtClean="0">
+                <a:solidFill>
+                  <a:schemeClr val="bg1">
+                    <a:lumMod val="65000"/>
+                  </a:schemeClr>
+                </a:solidFill>
+                <a:latin typeface="Helvetica Neue"/>
+              </a:rPr>
+              <a:t>partial correlation</a:t>
+            </a:r>
+          </a:p>
           <a:p>
             <a:pPr marL="285750" indent="-285750">
               <a:buFont typeface="Arial" panose="020B0604020202020204" pitchFamily="34" charset="0"/>
@@ -11754,44 +11745,69 @@
                 </a:solidFill>
                 <a:latin typeface="Helvetica Neue"/>
               </a:rPr>
-              <a:t>Germany – 3 regressions</a:t>
-            </a:r>
-            <a:endParaRPr lang="en-US" sz="2800" b="1" dirty="0" smtClean="0">
-              <a:solidFill>
-                <a:srgbClr val="333333"/>
-              </a:solidFill>
-              <a:latin typeface="Helvetica Neue"/>
-            </a:endParaRPr>
-          </a:p>
-        </p:txBody>
-      </p:sp>
-      <p:pic>
-        <p:nvPicPr>
-          <p:cNvPr id="4" name="Picture 3"/>
-          <p:cNvPicPr>
-            <a:picLocks noChangeAspect="1"/>
-          </p:cNvPicPr>
-          <p:nvPr/>
-        </p:nvPicPr>
-        <p:blipFill rotWithShape="1">
-          <a:blip r:embed="rId2"/>
-          <a:srcRect l="37079" t="31614" r="38684" b="26843"/>
-          <a:stretch/>
-        </p:blipFill>
-        <p:spPr>
-          <a:xfrm>
-            <a:off x="4916906" y="1491915"/>
-            <a:ext cx="5654254" cy="5451662"/>
-          </a:xfrm>
-          <a:prstGeom prst="rect">
-            <a:avLst/>
-          </a:prstGeom>
-        </p:spPr>
-      </p:pic>
+              <a:t>Another option is a </a:t>
+            </a:r>
+            <a:r>
+              <a:rPr lang="en-US" sz="2800" b="1" dirty="0" smtClean="0">
+                <a:solidFill>
+                  <a:srgbClr val="333333"/>
+                </a:solidFill>
+                <a:latin typeface="Helvetica Neue"/>
+              </a:rPr>
+              <a:t>linear regression</a:t>
+            </a:r>
+          </a:p>
+          <a:p>
+            <a:pPr marL="742950" lvl="1" indent="-285750">
+              <a:buFont typeface="Arial" panose="020B0604020202020204" pitchFamily="34" charset="0"/>
+              <a:buChar char="•"/>
+            </a:pPr>
+            <a:r>
+              <a:rPr lang="en-US" sz="2800" dirty="0" smtClean="0">
+                <a:solidFill>
+                  <a:srgbClr val="333333"/>
+                </a:solidFill>
+                <a:latin typeface="Helvetica Neue"/>
+              </a:rPr>
+              <a:t>Advantage is that it can adjust for many variables</a:t>
+            </a:r>
+          </a:p>
+          <a:p>
+            <a:pPr marL="742950" lvl="1" indent="-285750">
+              <a:buFont typeface="Arial" panose="020B0604020202020204" pitchFamily="34" charset="0"/>
+              <a:buChar char="•"/>
+            </a:pPr>
+            <a:r>
+              <a:rPr lang="en-US" sz="2800" dirty="0" smtClean="0">
+                <a:solidFill>
+                  <a:srgbClr val="333333"/>
+                </a:solidFill>
+                <a:latin typeface="Helvetica Neue"/>
+              </a:rPr>
+              <a:t>Computer does the work</a:t>
+            </a:r>
+          </a:p>
+          <a:p>
+            <a:pPr marL="742950" lvl="1" indent="-285750">
+              <a:buFont typeface="Arial" panose="020B0604020202020204" pitchFamily="34" charset="0"/>
+              <a:buChar char="•"/>
+            </a:pPr>
+            <a:r>
+              <a:rPr lang="en-US" sz="2800" dirty="0" smtClean="0">
+                <a:solidFill>
+                  <a:srgbClr val="333333"/>
+                </a:solidFill>
+                <a:latin typeface="Helvetica Neue"/>
+              </a:rPr>
+              <a:t>Statistical software provides results/p-values</a:t>
+            </a:r>
+          </a:p>
+        </p:txBody>
+      </p:sp>
     </p:spTree>
     <p:extLst>
       <p:ext uri="{BB962C8B-B14F-4D97-AF65-F5344CB8AC3E}">
-        <p14:creationId xmlns:p14="http://schemas.microsoft.com/office/powerpoint/2010/main" val="3240921237"/>
+        <p14:creationId xmlns:p14="http://schemas.microsoft.com/office/powerpoint/2010/main" val="4010585396"/>
       </p:ext>
     </p:extLst>
   </p:cSld>
@@ -11820,35 +11836,56 @@
       </p:grpSpPr>
       <p:sp>
         <p:nvSpPr>
-          <p:cNvPr id="3" name="Content Placeholder 2"/>
-          <p:cNvSpPr>
-            <a:spLocks noGrp="1"/>
-          </p:cNvSpPr>
-          <p:nvPr>
-            <p:ph idx="1"/>
-          </p:nvPr>
-        </p:nvSpPr>
-        <p:spPr>
-          <a:xfrm>
-            <a:off x="200524" y="1325563"/>
-            <a:ext cx="11734801" cy="4351338"/>
-          </a:xfrm>
-        </p:spPr>
-        <p:txBody>
-          <a:bodyPr/>
-          <a:lstStyle/>
-          <a:p>
-            <a:r>
-              <a:rPr lang="en-US" dirty="0" smtClean="0"/>
-              <a:t>Compare: 			Ethiopia 				    Vietnam</a:t>
-            </a:r>
-            <a:endParaRPr lang="en-US" dirty="0"/>
-          </a:p>
-        </p:txBody>
-      </p:sp>
-      <p:sp>
-        <p:nvSpPr>
-          <p:cNvPr id="4" name="Slide Number Placeholder 3"/>
+          <p:cNvPr id="2" name="Title 1"/>
+          <p:cNvSpPr>
+            <a:spLocks noGrp="1"/>
+          </p:cNvSpPr>
+          <p:nvPr>
+            <p:ph type="title"/>
+          </p:nvPr>
+        </p:nvSpPr>
+        <p:spPr>
+          <a:xfrm>
+            <a:off x="55560" y="0"/>
+            <a:ext cx="10515600" cy="1325563"/>
+          </a:xfrm>
+        </p:spPr>
+        <p:txBody>
+          <a:bodyPr>
+            <a:normAutofit/>
+          </a:bodyPr>
+          <a:lstStyle/>
+          <a:p>
+            <a:r>
+              <a:rPr lang="en-US" b="1" i="1" dirty="0"/>
+              <a:t>Can Money Buy Happiness</a:t>
+            </a:r>
+            <a:r>
+              <a:rPr lang="en-US" b="1" i="1" dirty="0" smtClean="0"/>
+              <a:t>?</a:t>
+            </a:r>
+            <a:br>
+              <a:rPr lang="en-US" b="1" i="1" dirty="0" smtClean="0"/>
+            </a:br>
+            <a:r>
+              <a:rPr lang="en-US" sz="3600" dirty="0" smtClean="0"/>
+              <a:t>Example </a:t>
+            </a:r>
+            <a:r>
+              <a:rPr lang="en-US" sz="3600" dirty="0"/>
+              <a:t>3</a:t>
+            </a:r>
+            <a:r>
+              <a:rPr lang="en-US" sz="3600" dirty="0" smtClean="0"/>
+              <a:t>. NHST – Linear Association, adjusted</a:t>
+            </a:r>
+            <a:endParaRPr lang="en-US" sz="3600" b="1" dirty="0"/>
+          </a:p>
+        </p:txBody>
+      </p:sp>
+      <p:sp>
+        <p:nvSpPr>
+          <p:cNvPr id="3" name="Slide Number Placeholder 2"/>
           <p:cNvSpPr>
             <a:spLocks noGrp="1"/>
           </p:cNvSpPr>
@@ -11864,6 +11901,153 @@
             <a:fld id="{4929EDCA-EEB2-451C-BB62-AAACAE88A0BC}" type="slidenum">
               <a:rPr lang="en-US" smtClean="0"/>
               <a:t>35</a:t>
+            </a:fld>
+            <a:endParaRPr lang="en-US"/>
+          </a:p>
+        </p:txBody>
+      </p:sp>
+      <p:sp>
+        <p:nvSpPr>
+          <p:cNvPr id="9" name="Rectangle 8"/>
+          <p:cNvSpPr/>
+          <p:nvPr/>
+        </p:nvSpPr>
+        <p:spPr>
+          <a:xfrm>
+            <a:off x="292768" y="1392275"/>
+            <a:ext cx="11061032" cy="523220"/>
+          </a:xfrm>
+          <a:prstGeom prst="rect">
+            <a:avLst/>
+          </a:prstGeom>
+        </p:spPr>
+        <p:txBody>
+          <a:bodyPr wrap="square">
+            <a:spAutoFit/>
+          </a:bodyPr>
+          <a:lstStyle/>
+          <a:p>
+            <a:pPr marL="285750" indent="-285750">
+              <a:buFont typeface="Arial" panose="020B0604020202020204" pitchFamily="34" charset="0"/>
+              <a:buChar char="•"/>
+            </a:pPr>
+            <a:r>
+              <a:rPr lang="en-US" sz="2800" dirty="0" smtClean="0">
+                <a:solidFill>
+                  <a:srgbClr val="333333"/>
+                </a:solidFill>
+                <a:latin typeface="Helvetica Neue"/>
+              </a:rPr>
+              <a:t>Germany – 3 regressions</a:t>
+            </a:r>
+            <a:endParaRPr lang="en-US" sz="2800" b="1" dirty="0" smtClean="0">
+              <a:solidFill>
+                <a:srgbClr val="333333"/>
+              </a:solidFill>
+              <a:latin typeface="Helvetica Neue"/>
+            </a:endParaRPr>
+          </a:p>
+        </p:txBody>
+      </p:sp>
+      <p:pic>
+        <p:nvPicPr>
+          <p:cNvPr id="4" name="Picture 3"/>
+          <p:cNvPicPr>
+            <a:picLocks noChangeAspect="1"/>
+          </p:cNvPicPr>
+          <p:nvPr/>
+        </p:nvPicPr>
+        <p:blipFill rotWithShape="1">
+          <a:blip r:embed="rId2"/>
+          <a:srcRect l="37079" t="31614" r="38684" b="26843"/>
+          <a:stretch/>
+        </p:blipFill>
+        <p:spPr>
+          <a:xfrm>
+            <a:off x="4916906" y="1491915"/>
+            <a:ext cx="5654254" cy="5451662"/>
+          </a:xfrm>
+          <a:prstGeom prst="rect">
+            <a:avLst/>
+          </a:prstGeom>
+        </p:spPr>
+      </p:pic>
+    </p:spTree>
+    <p:extLst>
+      <p:ext uri="{BB962C8B-B14F-4D97-AF65-F5344CB8AC3E}">
+        <p14:creationId xmlns:p14="http://schemas.microsoft.com/office/powerpoint/2010/main" val="3240921237"/>
+      </p:ext>
+    </p:extLst>
+  </p:cSld>
+  <p:clrMapOvr>
+    <a:masterClrMapping/>
+  </p:clrMapOvr>
+</p:sld>
+</file>
+
+<file path=ppt/slides/slide36.xml><?xml version="1.0" encoding="utf-8"?>
+<p:sld xmlns:a="http://schemas.openxmlformats.org/drawingml/2006/main" xmlns:r="http://schemas.openxmlformats.org/officeDocument/2006/relationships" xmlns:p="http://schemas.openxmlformats.org/presentationml/2006/main">
+  <p:cSld>
+    <p:spTree>
+      <p:nvGrpSpPr>
+        <p:cNvPr id="1" name=""/>
+        <p:cNvGrpSpPr/>
+        <p:nvPr/>
+      </p:nvGrpSpPr>
+      <p:grpSpPr>
+        <a:xfrm>
+          <a:off x="0" y="0"/>
+          <a:ext cx="0" cy="0"/>
+          <a:chOff x="0" y="0"/>
+          <a:chExt cx="0" cy="0"/>
+        </a:xfrm>
+      </p:grpSpPr>
+      <p:sp>
+        <p:nvSpPr>
+          <p:cNvPr id="3" name="Content Placeholder 2"/>
+          <p:cNvSpPr>
+            <a:spLocks noGrp="1"/>
+          </p:cNvSpPr>
+          <p:nvPr>
+            <p:ph idx="1"/>
+          </p:nvPr>
+        </p:nvSpPr>
+        <p:spPr>
+          <a:xfrm>
+            <a:off x="200524" y="1325563"/>
+            <a:ext cx="11734801" cy="4351338"/>
+          </a:xfrm>
+        </p:spPr>
+        <p:txBody>
+          <a:bodyPr/>
+          <a:lstStyle/>
+          <a:p>
+            <a:r>
+              <a:rPr lang="en-US" dirty="0" smtClean="0"/>
+              <a:t>Compare: 			Ethiopia 				    Vietnam</a:t>
+            </a:r>
+            <a:endParaRPr lang="en-US" dirty="0"/>
+          </a:p>
+        </p:txBody>
+      </p:sp>
+      <p:sp>
+        <p:nvSpPr>
+          <p:cNvPr id="4" name="Slide Number Placeholder 3"/>
+          <p:cNvSpPr>
+            <a:spLocks noGrp="1"/>
+          </p:cNvSpPr>
+          <p:nvPr>
+            <p:ph type="sldNum" sz="quarter" idx="12"/>
+          </p:nvPr>
+        </p:nvSpPr>
+        <p:spPr/>
+        <p:txBody>
+          <a:bodyPr/>
+          <a:lstStyle/>
+          <a:p>
+            <a:fld id="{4929EDCA-EEB2-451C-BB62-AAACAE88A0BC}" type="slidenum">
+              <a:rPr lang="en-US" smtClean="0"/>
+              <a:t>36</a:t>
             </a:fld>
             <a:endParaRPr lang="en-US"/>
           </a:p>
@@ -12018,7 +12202,7 @@
           <a:p>
             <a:r>
               <a:rPr lang="en-US" dirty="0" smtClean="0"/>
-              <a:t>What is a null hypothesis?</a:t>
+              <a:t>What is a p-value?</a:t>
             </a:r>
             <a:endParaRPr lang="en-US" dirty="0"/>
           </a:p>
@@ -12040,91 +12224,85 @@
           <a:lstStyle/>
           <a:p>
             <a:r>
+              <a:rPr lang="en-US" i="1" dirty="0" smtClean="0"/>
+              <a:t>Almost always</a:t>
+            </a:r>
+            <a:r>
               <a:rPr lang="en-US" dirty="0" smtClean="0"/>
-              <a:t>The claim that something measured in the world is equal to zero</a:t>
+              <a:t>: A </a:t>
+            </a:r>
+            <a:r>
+              <a:rPr lang="en-US" dirty="0"/>
+              <a:t>statistical test result used to evaluate the </a:t>
+            </a:r>
+            <a:r>
+              <a:rPr lang="en-US" b="1" dirty="0"/>
+              <a:t>null </a:t>
+            </a:r>
+            <a:r>
+              <a:rPr lang="en-US" b="1" dirty="0" smtClean="0"/>
+              <a:t>hypothesis</a:t>
             </a:r>
           </a:p>
           <a:p>
             <a:pPr lvl="1"/>
             <a:r>
               <a:rPr lang="en-US" dirty="0" smtClean="0"/>
-              <a:t>For example:</a:t>
+              <a:t>Can be used to evaluate any hypothesis test (must not be null)</a:t>
             </a:r>
           </a:p>
           <a:p>
             <a:pPr lvl="1"/>
             <a:r>
               <a:rPr lang="en-US" dirty="0" smtClean="0"/>
-              <a:t>That a vaccine has zero impact on infection rates </a:t>
-            </a:r>
-            <a:r>
-              <a:rPr lang="en-US" dirty="0" smtClean="0">
-                <a:solidFill>
-                  <a:schemeClr val="tx1">
-                    <a:lumMod val="50000"/>
-                    <a:lumOff val="50000"/>
-                  </a:schemeClr>
-                </a:solidFill>
-              </a:rPr>
-              <a:t>(a controlled experiment)</a:t>
+              <a:t>Short for </a:t>
+            </a:r>
+            <a:r>
+              <a:rPr lang="en-US" b="1" dirty="0" smtClean="0"/>
+              <a:t>“probability</a:t>
+            </a:r>
+            <a:r>
+              <a:rPr lang="en-US" b="1" dirty="0"/>
+              <a:t>”-value</a:t>
             </a:r>
           </a:p>
           <a:p>
             <a:pPr lvl="1"/>
             <a:r>
+              <a:rPr lang="en-US" dirty="0"/>
+              <a:t>A test to determine if statistics calculated for a given dataset are likely </a:t>
+            </a:r>
+            <a:r>
+              <a:rPr lang="en-US" i="1" dirty="0"/>
+              <a:t>different</a:t>
+            </a:r>
+            <a:r>
+              <a:rPr lang="en-US" dirty="0"/>
+              <a:t> from some hypothesized value</a:t>
+            </a:r>
+          </a:p>
+          <a:p>
+            <a:pPr lvl="1"/>
+            <a:r>
+              <a:rPr lang="en-US" dirty="0"/>
+              <a:t>“different” = based on sampling probability</a:t>
+            </a:r>
+          </a:p>
+          <a:p>
+            <a:r>
+              <a:rPr lang="en-US" dirty="0"/>
+              <a:t>‘what is the likelihood of observing this statistic if the hypothesized value is true</a:t>
+            </a:r>
+            <a:r>
               <a:rPr lang="en-US" dirty="0" smtClean="0"/>
-              <a:t>That the average height difference of boys and girls at age 5 is zero </a:t>
-            </a:r>
-            <a:r>
-              <a:rPr lang="en-US" dirty="0">
-                <a:solidFill>
-                  <a:schemeClr val="tx1">
-                    <a:lumMod val="50000"/>
-                    <a:lumOff val="50000"/>
-                  </a:schemeClr>
-                </a:solidFill>
-              </a:rPr>
-              <a:t>(population observation)</a:t>
-            </a:r>
-          </a:p>
-          <a:p>
-            <a:pPr lvl="1"/>
-            <a:r>
-              <a:rPr lang="en-US" dirty="0" smtClean="0"/>
-              <a:t>That there is zero difference in intelligence between immigrants and natives </a:t>
-            </a:r>
-            <a:r>
-              <a:rPr lang="en-US" dirty="0">
-                <a:solidFill>
-                  <a:schemeClr val="tx1">
-                    <a:lumMod val="50000"/>
-                    <a:lumOff val="50000"/>
-                  </a:schemeClr>
-                </a:solidFill>
-              </a:rPr>
-              <a:t>(population observation)</a:t>
-            </a:r>
-          </a:p>
-          <a:p>
-            <a:pPr lvl="1"/>
-            <a:r>
-              <a:rPr lang="en-US" dirty="0" smtClean="0"/>
-              <a:t>That income has zero effect on happiness after adjusting for religious beliefs </a:t>
-            </a:r>
-            <a:r>
-              <a:rPr lang="en-US" dirty="0">
-                <a:solidFill>
-                  <a:schemeClr val="tx1">
-                    <a:lumMod val="50000"/>
-                    <a:lumOff val="50000"/>
-                  </a:schemeClr>
-                </a:solidFill>
-              </a:rPr>
-              <a:t>(population observation, w/ adjustment) </a:t>
-            </a:r>
-          </a:p>
-          <a:p>
-            <a:pPr lvl="1"/>
+              <a:t>’</a:t>
+            </a:r>
+            <a:endParaRPr lang="en-US" dirty="0"/>
+          </a:p>
+          <a:p>
+            <a:endParaRPr lang="en-US" b="1" dirty="0"/>
+          </a:p>
+          <a:p>
             <a:endParaRPr lang="en-US" b="1" dirty="0"/>
           </a:p>
         </p:txBody>
@@ -12155,7 +12333,7 @@
     </p:spTree>
     <p:extLst>
       <p:ext uri="{BB962C8B-B14F-4D97-AF65-F5344CB8AC3E}">
-        <p14:creationId xmlns:p14="http://schemas.microsoft.com/office/powerpoint/2010/main" val="144928590"/>
+        <p14:creationId xmlns:p14="http://schemas.microsoft.com/office/powerpoint/2010/main" val="3156519807"/>
       </p:ext>
     </p:extLst>
   </p:cSld>
@@ -12199,7 +12377,7 @@
           <a:p>
             <a:r>
               <a:rPr lang="en-US" dirty="0" smtClean="0"/>
-              <a:t>What is a p-value?</a:t>
+              <a:t>What is a null hypothesis?</a:t>
             </a:r>
             <a:endParaRPr lang="en-US" dirty="0"/>
           </a:p>
@@ -12222,26 +12400,91 @@
           <a:p>
             <a:r>
               <a:rPr lang="en-US" dirty="0" smtClean="0"/>
-              <a:t>A statistical test result </a:t>
-            </a:r>
+              <a:t>The claim that something measured in the world is equal to zero</a:t>
+            </a:r>
+          </a:p>
+          <a:p>
+            <a:pPr lvl="1"/>
             <a:r>
               <a:rPr lang="en-US" dirty="0" smtClean="0"/>
-              <a:t>used to evaluate the </a:t>
-            </a:r>
-            <a:r>
-              <a:rPr lang="en-US" b="1" dirty="0" smtClean="0"/>
-              <a:t>null hypothesis</a:t>
-            </a:r>
-          </a:p>
-          <a:p>
+              <a:t>For example:</a:t>
+            </a:r>
+          </a:p>
+          <a:p>
+            <a:pPr lvl="1"/>
             <a:r>
               <a:rPr lang="en-US" dirty="0" smtClean="0"/>
-              <a:t>It is based entirely on </a:t>
-            </a:r>
-            <a:r>
-              <a:rPr lang="en-US" b="1" dirty="0" smtClean="0"/>
-              <a:t>probability</a:t>
-            </a:r>
+              <a:t>That a vaccine has zero impact on infection rates </a:t>
+            </a:r>
+            <a:r>
+              <a:rPr lang="en-US" dirty="0" smtClean="0">
+                <a:solidFill>
+                  <a:schemeClr val="tx1">
+                    <a:lumMod val="50000"/>
+                    <a:lumOff val="50000"/>
+                  </a:schemeClr>
+                </a:solidFill>
+              </a:rPr>
+              <a:t>(a controlled experiment)</a:t>
+            </a:r>
+          </a:p>
+          <a:p>
+            <a:pPr lvl="1"/>
+            <a:r>
+              <a:rPr lang="en-US" dirty="0" smtClean="0"/>
+              <a:t>That the average height difference of boys and girls at age 5 is zero </a:t>
+            </a:r>
+            <a:r>
+              <a:rPr lang="en-US" dirty="0">
+                <a:solidFill>
+                  <a:schemeClr val="tx1">
+                    <a:lumMod val="50000"/>
+                    <a:lumOff val="50000"/>
+                  </a:schemeClr>
+                </a:solidFill>
+              </a:rPr>
+              <a:t>(population observation)</a:t>
+            </a:r>
+          </a:p>
+          <a:p>
+            <a:pPr lvl="1"/>
+            <a:r>
+              <a:rPr lang="en-US" dirty="0" smtClean="0"/>
+              <a:t>That there is zero difference in intelligence between immigrants and natives </a:t>
+            </a:r>
+            <a:r>
+              <a:rPr lang="en-US" dirty="0">
+                <a:solidFill>
+                  <a:schemeClr val="tx1">
+                    <a:lumMod val="50000"/>
+                    <a:lumOff val="50000"/>
+                  </a:schemeClr>
+                </a:solidFill>
+              </a:rPr>
+              <a:t>(population observation)</a:t>
+            </a:r>
+          </a:p>
+          <a:p>
+            <a:pPr lvl="1"/>
+            <a:r>
+              <a:rPr lang="en-US" dirty="0" smtClean="0"/>
+              <a:t>That income has zero effect on happiness after adjusting for religious beliefs </a:t>
+            </a:r>
+            <a:r>
+              <a:rPr lang="en-US" dirty="0">
+                <a:solidFill>
+                  <a:schemeClr val="tx1">
+                    <a:lumMod val="50000"/>
+                    <a:lumOff val="50000"/>
+                  </a:schemeClr>
+                </a:solidFill>
+              </a:rPr>
+              <a:t>(population observation, w/ adjustment) </a:t>
+            </a:r>
+          </a:p>
+          <a:p>
+            <a:pPr lvl="1"/>
+            <a:endParaRPr lang="en-US" b="1" dirty="0"/>
           </a:p>
         </p:txBody>
       </p:sp>
@@ -12271,7 +12514,7 @@
     </p:spTree>
     <p:extLst>
       <p:ext uri="{BB962C8B-B14F-4D97-AF65-F5344CB8AC3E}">
-        <p14:creationId xmlns:p14="http://schemas.microsoft.com/office/powerpoint/2010/main" val="1928094439"/>
+        <p14:creationId xmlns:p14="http://schemas.microsoft.com/office/powerpoint/2010/main" val="144928590"/>
       </p:ext>
     </p:extLst>
   </p:cSld>
@@ -12338,11 +12581,7 @@
           <a:p>
             <a:r>
               <a:rPr lang="en-US" dirty="0" smtClean="0"/>
-              <a:t>A statistical test result </a:t>
-            </a:r>
-            <a:r>
-              <a:rPr lang="en-US" dirty="0" smtClean="0"/>
-              <a:t>used to evaluate the </a:t>
+              <a:t>A statistical test result used to evaluate the </a:t>
             </a:r>
             <a:r>
               <a:rPr lang="en-US" b="1" dirty="0" smtClean="0"/>
@@ -12357,20 +12596,6 @@
             <a:r>
               <a:rPr lang="en-US" b="1" dirty="0" smtClean="0"/>
               <a:t>probability</a:t>
-            </a:r>
-          </a:p>
-          <a:p>
-            <a:r>
-              <a:rPr lang="en-US" dirty="0" smtClean="0"/>
-              <a:t>It is the </a:t>
-            </a:r>
-            <a:r>
-              <a:rPr lang="en-US" b="1" dirty="0" smtClean="0"/>
-              <a:t>probability of observing the data</a:t>
-            </a:r>
-            <a:r>
-              <a:rPr lang="en-US" dirty="0" smtClean="0"/>
-              <a:t> assuming the null hypothesis is correct</a:t>
             </a:r>
           </a:p>
         </p:txBody>
@@ -12401,7 +12626,7 @@
     </p:spTree>
     <p:extLst>
       <p:ext uri="{BB962C8B-B14F-4D97-AF65-F5344CB8AC3E}">
-        <p14:creationId xmlns:p14="http://schemas.microsoft.com/office/powerpoint/2010/main" val="3383868581"/>
+        <p14:creationId xmlns:p14="http://schemas.microsoft.com/office/powerpoint/2010/main" val="1928094439"/>
       </p:ext>
     </p:extLst>
   </p:cSld>
@@ -12468,11 +12693,133 @@
           <a:p>
             <a:r>
               <a:rPr lang="en-US" dirty="0" smtClean="0"/>
-              <a:t>A statistical test result </a:t>
-            </a:r>
+              <a:t>A statistical test result used to evaluate the </a:t>
+            </a:r>
+            <a:r>
+              <a:rPr lang="en-US" b="1" dirty="0" smtClean="0"/>
+              <a:t>null hypothesis</a:t>
+            </a:r>
+          </a:p>
+          <a:p>
             <a:r>
               <a:rPr lang="en-US" dirty="0" smtClean="0"/>
-              <a:t>used to evaluate the </a:t>
+              <a:t>It is based entirely on </a:t>
+            </a:r>
+            <a:r>
+              <a:rPr lang="en-US" b="1" dirty="0" smtClean="0"/>
+              <a:t>probability</a:t>
+            </a:r>
+          </a:p>
+          <a:p>
+            <a:r>
+              <a:rPr lang="en-US" dirty="0" smtClean="0"/>
+              <a:t>It is the </a:t>
+            </a:r>
+            <a:r>
+              <a:rPr lang="en-US" b="1" dirty="0" smtClean="0"/>
+              <a:t>probability of observing the data</a:t>
+            </a:r>
+            <a:r>
+              <a:rPr lang="en-US" dirty="0" smtClean="0"/>
+              <a:t> assuming the null hypothesis is correct</a:t>
+            </a:r>
+          </a:p>
+        </p:txBody>
+      </p:sp>
+      <p:sp>
+        <p:nvSpPr>
+          <p:cNvPr id="4" name="Slide Number Placeholder 3"/>
+          <p:cNvSpPr>
+            <a:spLocks noGrp="1"/>
+          </p:cNvSpPr>
+          <p:nvPr>
+            <p:ph type="sldNum" sz="quarter" idx="12"/>
+          </p:nvPr>
+        </p:nvSpPr>
+        <p:spPr/>
+        <p:txBody>
+          <a:bodyPr/>
+          <a:lstStyle/>
+          <a:p>
+            <a:fld id="{4929EDCA-EEB2-451C-BB62-AAACAE88A0BC}" type="slidenum">
+              <a:rPr lang="en-US" smtClean="0"/>
+              <a:t>7</a:t>
+            </a:fld>
+            <a:endParaRPr lang="en-US"/>
+          </a:p>
+        </p:txBody>
+      </p:sp>
+    </p:spTree>
+    <p:extLst>
+      <p:ext uri="{BB962C8B-B14F-4D97-AF65-F5344CB8AC3E}">
+        <p14:creationId xmlns:p14="http://schemas.microsoft.com/office/powerpoint/2010/main" val="3383868581"/>
+      </p:ext>
+    </p:extLst>
+  </p:cSld>
+  <p:clrMapOvr>
+    <a:masterClrMapping/>
+  </p:clrMapOvr>
+</p:sld>
+</file>
+
+<file path=ppt/slides/slide8.xml><?xml version="1.0" encoding="utf-8"?>
+<p:sld xmlns:a="http://schemas.openxmlformats.org/drawingml/2006/main" xmlns:r="http://schemas.openxmlformats.org/officeDocument/2006/relationships" xmlns:p="http://schemas.openxmlformats.org/presentationml/2006/main">
+  <p:cSld>
+    <p:spTree>
+      <p:nvGrpSpPr>
+        <p:cNvPr id="1" name=""/>
+        <p:cNvGrpSpPr/>
+        <p:nvPr/>
+      </p:nvGrpSpPr>
+      <p:grpSpPr>
+        <a:xfrm>
+          <a:off x="0" y="0"/>
+          <a:ext cx="0" cy="0"/>
+          <a:chOff x="0" y="0"/>
+          <a:chExt cx="0" cy="0"/>
+        </a:xfrm>
+      </p:grpSpPr>
+      <p:sp>
+        <p:nvSpPr>
+          <p:cNvPr id="2" name="Title 1"/>
+          <p:cNvSpPr>
+            <a:spLocks noGrp="1"/>
+          </p:cNvSpPr>
+          <p:nvPr>
+            <p:ph type="title"/>
+          </p:nvPr>
+        </p:nvSpPr>
+        <p:spPr/>
+        <p:txBody>
+          <a:bodyPr/>
+          <a:lstStyle/>
+          <a:p>
+            <a:r>
+              <a:rPr lang="en-US" dirty="0" smtClean="0"/>
+              <a:t>What is a p-value?</a:t>
+            </a:r>
+            <a:endParaRPr lang="en-US" dirty="0"/>
+          </a:p>
+        </p:txBody>
+      </p:sp>
+      <p:sp>
+        <p:nvSpPr>
+          <p:cNvPr id="3" name="Content Placeholder 2"/>
+          <p:cNvSpPr>
+            <a:spLocks noGrp="1"/>
+          </p:cNvSpPr>
+          <p:nvPr>
+            <p:ph idx="1"/>
+          </p:nvPr>
+        </p:nvSpPr>
+        <p:spPr/>
+        <p:txBody>
+          <a:bodyPr/>
+          <a:lstStyle/>
+          <a:p>
+            <a:r>
+              <a:rPr lang="en-US" dirty="0" smtClean="0"/>
+              <a:t>A statistical test result used to evaluate the </a:t>
             </a:r>
             <a:r>
               <a:rPr lang="en-US" b="1" dirty="0" smtClean="0"/>
@@ -12563,7 +12910,7 @@
           <a:p>
             <a:fld id="{4929EDCA-EEB2-451C-BB62-AAACAE88A0BC}" type="slidenum">
               <a:rPr lang="en-US" smtClean="0"/>
-              <a:t>7</a:t>
+              <a:t>8</a:t>
             </a:fld>
             <a:endParaRPr lang="en-US"/>
           </a:p>
@@ -12582,7 +12929,7 @@
 </p:sld>
 </file>
 
-<file path=ppt/slides/slide8.xml><?xml version="1.0" encoding="utf-8"?>
+<file path=ppt/slides/slide9.xml><?xml version="1.0" encoding="utf-8"?>
 <p:sld xmlns:a="http://schemas.openxmlformats.org/drawingml/2006/main" xmlns:r="http://schemas.openxmlformats.org/officeDocument/2006/relationships" xmlns:p="http://schemas.openxmlformats.org/presentationml/2006/main" showMasterSp="0">
   <p:cSld>
     <p:spTree>
@@ -12785,7 +13132,7 @@
           <a:p>
             <a:fld id="{4929EDCA-EEB2-451C-BB62-AAACAE88A0BC}" type="slidenum">
               <a:rPr lang="en-US" smtClean="0"/>
-              <a:t>8</a:t>
+              <a:t>9</a:t>
             </a:fld>
             <a:endParaRPr lang="en-US"/>
           </a:p>
@@ -12795,288 +13142,6 @@
     <p:extLst>
       <p:ext uri="{BB962C8B-B14F-4D97-AF65-F5344CB8AC3E}">
         <p14:creationId xmlns:p14="http://schemas.microsoft.com/office/powerpoint/2010/main" val="839435232"/>
-      </p:ext>
-    </p:extLst>
-  </p:cSld>
-  <p:clrMapOvr>
-    <a:masterClrMapping/>
-  </p:clrMapOvr>
-</p:sld>
-</file>
-
-<file path=ppt/slides/slide9.xml><?xml version="1.0" encoding="utf-8"?>
-<p:sld xmlns:a="http://schemas.openxmlformats.org/drawingml/2006/main" xmlns:r="http://schemas.openxmlformats.org/officeDocument/2006/relationships" xmlns:p="http://schemas.openxmlformats.org/presentationml/2006/main">
-  <p:cSld>
-    <p:spTree>
-      <p:nvGrpSpPr>
-        <p:cNvPr id="1" name=""/>
-        <p:cNvGrpSpPr/>
-        <p:nvPr/>
-      </p:nvGrpSpPr>
-      <p:grpSpPr>
-        <a:xfrm>
-          <a:off x="0" y="0"/>
-          <a:ext cx="0" cy="0"/>
-          <a:chOff x="0" y="0"/>
-          <a:chExt cx="0" cy="0"/>
-        </a:xfrm>
-      </p:grpSpPr>
-      <p:sp>
-        <p:nvSpPr>
-          <p:cNvPr id="2" name="Title 1"/>
-          <p:cNvSpPr>
-            <a:spLocks noGrp="1"/>
-          </p:cNvSpPr>
-          <p:nvPr>
-            <p:ph type="title"/>
-          </p:nvPr>
-        </p:nvSpPr>
-        <p:spPr/>
-        <p:txBody>
-          <a:bodyPr/>
-          <a:lstStyle/>
-          <a:p>
-            <a:r>
-              <a:rPr lang="en-US" dirty="0" smtClean="0"/>
-              <a:t>What is a p-value?</a:t>
-            </a:r>
-            <a:endParaRPr lang="en-US" dirty="0"/>
-          </a:p>
-        </p:txBody>
-      </p:sp>
-      <p:sp>
-        <p:nvSpPr>
-          <p:cNvPr id="3" name="Content Placeholder 2"/>
-          <p:cNvSpPr>
-            <a:spLocks noGrp="1"/>
-          </p:cNvSpPr>
-          <p:nvPr>
-            <p:ph idx="1"/>
-          </p:nvPr>
-        </p:nvSpPr>
-        <p:spPr/>
-        <p:txBody>
-          <a:bodyPr/>
-          <a:lstStyle/>
-          <a:p>
-            <a:r>
-              <a:rPr lang="en-US" dirty="0" smtClean="0"/>
-              <a:t>A statistical test result </a:t>
-            </a:r>
-            <a:r>
-              <a:rPr lang="en-US" dirty="0" smtClean="0"/>
-              <a:t>used to evaluate the </a:t>
-            </a:r>
-            <a:r>
-              <a:rPr lang="en-US" b="1" dirty="0" smtClean="0"/>
-              <a:t>null hypothesis</a:t>
-            </a:r>
-          </a:p>
-          <a:p>
-            <a:r>
-              <a:rPr lang="en-US" dirty="0" smtClean="0"/>
-              <a:t>It is based entirely on </a:t>
-            </a:r>
-            <a:r>
-              <a:rPr lang="en-US" b="1" dirty="0" smtClean="0"/>
-              <a:t>probability</a:t>
-            </a:r>
-          </a:p>
-          <a:p>
-            <a:r>
-              <a:rPr lang="en-US" dirty="0" smtClean="0"/>
-              <a:t>It is the </a:t>
-            </a:r>
-            <a:r>
-              <a:rPr lang="en-US" b="1" dirty="0" smtClean="0"/>
-              <a:t>probability of observing the data</a:t>
-            </a:r>
-            <a:r>
-              <a:rPr lang="en-US" dirty="0" smtClean="0"/>
-              <a:t> assuming the null hypothesis is correct</a:t>
-            </a:r>
-          </a:p>
-          <a:p>
-            <a:pPr lvl="1"/>
-            <a:r>
-              <a:rPr lang="en-US" dirty="0" smtClean="0"/>
-              <a:t>Assumes that the data were randomly sampled from a population</a:t>
-            </a:r>
-          </a:p>
-          <a:p>
-            <a:pPr lvl="1"/>
-            <a:r>
-              <a:rPr lang="en-US" dirty="0" smtClean="0"/>
-              <a:t>Assumes that the test is properly modeled </a:t>
-            </a:r>
-            <a:r>
-              <a:rPr lang="en-US" dirty="0" smtClean="0">
-                <a:solidFill>
-                  <a:schemeClr val="tx1">
-                    <a:lumMod val="50000"/>
-                    <a:lumOff val="50000"/>
-                  </a:schemeClr>
-                </a:solidFill>
-              </a:rPr>
-              <a:t>(e.g., improper: testing if getting sick or not makes one more likely to get a vaccine)</a:t>
-            </a:r>
-          </a:p>
-          <a:p>
-            <a:pPr lvl="1"/>
-            <a:r>
-              <a:rPr lang="en-US" dirty="0" smtClean="0"/>
-              <a:t>Assumes a </a:t>
-            </a:r>
-            <a:r>
-              <a:rPr lang="en-US" b="1" dirty="0" smtClean="0"/>
-              <a:t>normal distribution</a:t>
-            </a:r>
-            <a:r>
-              <a:rPr lang="en-US" dirty="0" smtClean="0"/>
-              <a:t> of observing the null hypothesis if it were true</a:t>
-            </a:r>
-            <a:endParaRPr lang="en-US" dirty="0"/>
-          </a:p>
-        </p:txBody>
-      </p:sp>
-      <p:sp>
-        <p:nvSpPr>
-          <p:cNvPr id="5" name="U-Turn Arrow 4"/>
-          <p:cNvSpPr/>
-          <p:nvPr/>
-        </p:nvSpPr>
-        <p:spPr>
-          <a:xfrm flipH="1">
-            <a:off x="8759378" y="1331462"/>
-            <a:ext cx="1676400" cy="696912"/>
-          </a:xfrm>
-          <a:prstGeom prst="uturnArrow">
-            <a:avLst/>
-          </a:prstGeom>
-          <a:solidFill>
-            <a:srgbClr val="7030A0"/>
-          </a:solidFill>
-          <a:ln>
-            <a:noFill/>
-          </a:ln>
-        </p:spPr>
-        <p:style>
-          <a:lnRef idx="2">
-            <a:schemeClr val="accent1">
-              <a:shade val="50000"/>
-            </a:schemeClr>
-          </a:lnRef>
-          <a:fillRef idx="1">
-            <a:schemeClr val="accent1"/>
-          </a:fillRef>
-          <a:effectRef idx="0">
-            <a:schemeClr val="accent1"/>
-          </a:effectRef>
-          <a:fontRef idx="minor">
-            <a:schemeClr val="lt1"/>
-          </a:fontRef>
-        </p:style>
-        <p:txBody>
-          <a:bodyPr rtlCol="0" anchor="ctr"/>
-          <a:lstStyle/>
-          <a:p>
-            <a:pPr algn="ctr"/>
-            <a:endParaRPr lang="en-US">
-              <a:solidFill>
-                <a:schemeClr val="tx1"/>
-              </a:solidFill>
-            </a:endParaRPr>
-          </a:p>
-        </p:txBody>
-      </p:sp>
-      <p:sp>
-        <p:nvSpPr>
-          <p:cNvPr id="6" name="TextBox 5"/>
-          <p:cNvSpPr txBox="1"/>
-          <p:nvPr/>
-        </p:nvSpPr>
-        <p:spPr>
-          <a:xfrm rot="19957888">
-            <a:off x="8591106" y="1886205"/>
-            <a:ext cx="3689343" cy="1508105"/>
-          </a:xfrm>
-          <a:prstGeom prst="rect">
-            <a:avLst/>
-          </a:prstGeom>
-          <a:solidFill>
-            <a:schemeClr val="bg1">
-              <a:lumMod val="85000"/>
-            </a:schemeClr>
-          </a:solidFill>
-        </p:spPr>
-        <p:txBody>
-          <a:bodyPr wrap="none" rtlCol="0">
-            <a:spAutoFit/>
-          </a:bodyPr>
-          <a:lstStyle/>
-          <a:p>
-            <a:pPr algn="ctr"/>
-            <a:r>
-              <a:rPr lang="en-US" sz="2800" dirty="0" smtClean="0"/>
-              <a:t>Also known as “</a:t>
-            </a:r>
-            <a:r>
-              <a:rPr lang="en-US" sz="3600" b="1" dirty="0" smtClean="0">
-                <a:solidFill>
-                  <a:srgbClr val="7030A0"/>
-                </a:solidFill>
-              </a:rPr>
-              <a:t>NHST</a:t>
-            </a:r>
-            <a:r>
-              <a:rPr lang="en-US" sz="2800" dirty="0" smtClean="0"/>
-              <a:t>”</a:t>
-            </a:r>
-          </a:p>
-          <a:p>
-            <a:pPr algn="ctr"/>
-            <a:r>
-              <a:rPr lang="en-US" sz="2800" dirty="0" smtClean="0"/>
-              <a:t>(Null Hypothesis </a:t>
-            </a:r>
-          </a:p>
-          <a:p>
-            <a:pPr algn="ctr"/>
-            <a:r>
-              <a:rPr lang="en-US" sz="2800" dirty="0" smtClean="0"/>
-              <a:t>Significance Testing)</a:t>
-            </a:r>
-            <a:endParaRPr lang="en-US" sz="2800" dirty="0"/>
-          </a:p>
-        </p:txBody>
-      </p:sp>
-      <p:sp>
-        <p:nvSpPr>
-          <p:cNvPr id="7" name="Slide Number Placeholder 6"/>
-          <p:cNvSpPr>
-            <a:spLocks noGrp="1"/>
-          </p:cNvSpPr>
-          <p:nvPr>
-            <p:ph type="sldNum" sz="quarter" idx="12"/>
-          </p:nvPr>
-        </p:nvSpPr>
-        <p:spPr/>
-        <p:txBody>
-          <a:bodyPr/>
-          <a:lstStyle/>
-          <a:p>
-            <a:fld id="{4929EDCA-EEB2-451C-BB62-AAACAE88A0BC}" type="slidenum">
-              <a:rPr lang="en-US" smtClean="0"/>
-              <a:t>9</a:t>
-            </a:fld>
-            <a:endParaRPr lang="en-US"/>
-          </a:p>
-        </p:txBody>
-      </p:sp>
-    </p:spTree>
-    <p:extLst>
-      <p:ext uri="{BB962C8B-B14F-4D97-AF65-F5344CB8AC3E}">
-        <p14:creationId xmlns:p14="http://schemas.microsoft.com/office/powerpoint/2010/main" val="163718531"/>
       </p:ext>
     </p:extLst>
   </p:cSld>

--- a/Breznau_Open_Science_P_Values.pptx
+++ b/Breznau_Open_Science_P_Values.pptx
@@ -243,7 +243,7 @@
           <a:p>
             <a:fld id="{50ACB44F-430F-49FD-B561-48ED81EECF75}" type="datetimeFigureOut">
               <a:rPr lang="en-US" smtClean="0"/>
-              <a:t>25-Oct-21</a:t>
+              <a:t>18-Nov-21</a:t>
             </a:fld>
             <a:endParaRPr lang="en-US"/>
           </a:p>
@@ -849,7 +849,7 @@
           <a:p>
             <a:fld id="{F9DB1203-D10D-42D1-A619-738F4F351BC0}" type="datetime1">
               <a:rPr lang="en-US" smtClean="0"/>
-              <a:t>25-Oct-21</a:t>
+              <a:t>18-Nov-21</a:t>
             </a:fld>
             <a:endParaRPr lang="en-US"/>
           </a:p>
@@ -1029,7 +1029,7 @@
           <a:p>
             <a:fld id="{37F1EB1F-438D-4167-B1FE-A1094BA37090}" type="datetime1">
               <a:rPr lang="en-US" smtClean="0"/>
-              <a:t>25-Oct-21</a:t>
+              <a:t>18-Nov-21</a:t>
             </a:fld>
             <a:endParaRPr lang="en-US"/>
           </a:p>
@@ -1199,7 +1199,7 @@
           <a:p>
             <a:fld id="{D8F3CC78-7857-45A0-A30F-69847EBB9028}" type="datetime1">
               <a:rPr lang="en-US" smtClean="0"/>
-              <a:t>25-Oct-21</a:t>
+              <a:t>18-Nov-21</a:t>
             </a:fld>
             <a:endParaRPr lang="en-US"/>
           </a:p>
@@ -1505,7 +1505,7 @@
           <a:p>
             <a:fld id="{526971D8-9D18-48FF-832D-DE6076BE01BE}" type="datetime1">
               <a:rPr lang="en-US" smtClean="0"/>
-              <a:t>25-Oct-21</a:t>
+              <a:t>18-Nov-21</a:t>
             </a:fld>
             <a:endParaRPr lang="en-US"/>
           </a:p>
@@ -1737,7 +1737,7 @@
           <a:p>
             <a:fld id="{29B1CD0C-90F1-4845-B650-D647D490CF03}" type="datetime1">
               <a:rPr lang="en-US" smtClean="0"/>
-              <a:t>25-Oct-21</a:t>
+              <a:t>18-Nov-21</a:t>
             </a:fld>
             <a:endParaRPr lang="en-US"/>
           </a:p>
@@ -2104,7 +2104,7 @@
           <a:p>
             <a:fld id="{289F6CD0-65F7-4D5D-9664-C4EB140B3C76}" type="datetime1">
               <a:rPr lang="en-US" smtClean="0"/>
-              <a:t>25-Oct-21</a:t>
+              <a:t>18-Nov-21</a:t>
             </a:fld>
             <a:endParaRPr lang="en-US"/>
           </a:p>
@@ -2222,7 +2222,7 @@
           <a:p>
             <a:fld id="{A9AA8F4C-4327-40FE-A067-ABA974CCD329}" type="datetime1">
               <a:rPr lang="en-US" smtClean="0"/>
-              <a:t>25-Oct-21</a:t>
+              <a:t>18-Nov-21</a:t>
             </a:fld>
             <a:endParaRPr lang="en-US"/>
           </a:p>
@@ -2317,7 +2317,7 @@
           <a:p>
             <a:fld id="{BACA24D5-6A1E-46E1-AD30-9AB869114CBE}" type="datetime1">
               <a:rPr lang="en-US" smtClean="0"/>
-              <a:t>25-Oct-21</a:t>
+              <a:t>18-Nov-21</a:t>
             </a:fld>
             <a:endParaRPr lang="en-US"/>
           </a:p>
@@ -2594,7 +2594,7 @@
           <a:p>
             <a:fld id="{16766582-61F8-4379-8743-D19DC8308C1B}" type="datetime1">
               <a:rPr lang="en-US" smtClean="0"/>
-              <a:t>25-Oct-21</a:t>
+              <a:t>18-Nov-21</a:t>
             </a:fld>
             <a:endParaRPr lang="en-US"/>
           </a:p>
@@ -2847,7 +2847,7 @@
           <a:p>
             <a:fld id="{85EE13E4-E712-4C19-962A-D4C57539FE24}" type="datetime1">
               <a:rPr lang="en-US" smtClean="0"/>
-              <a:t>25-Oct-21</a:t>
+              <a:t>18-Nov-21</a:t>
             </a:fld>
             <a:endParaRPr lang="en-US"/>
           </a:p>
@@ -3060,7 +3060,7 @@
           <a:p>
             <a:fld id="{66A8A8D8-15AC-4A57-B304-9F60BAC933A0}" type="datetime1">
               <a:rPr lang="en-US" smtClean="0"/>
-              <a:t>25-Oct-21</a:t>
+              <a:t>18-Nov-21</a:t>
             </a:fld>
             <a:endParaRPr lang="en-US"/>
           </a:p>
@@ -10670,7 +10670,15 @@
             </a:r>
             <a:r>
               <a:rPr lang="en-US" dirty="0"/>
-              <a:t>statistical test result used to evaluate the </a:t>
+              <a:t>statistical test result </a:t>
+            </a:r>
+            <a:r>
+              <a:rPr lang="en-US" dirty="0" smtClean="0"/>
+              <a:t>commonly used </a:t>
+            </a:r>
+            <a:r>
+              <a:rPr lang="en-US" dirty="0"/>
+              <a:t>to evaluate the </a:t>
             </a:r>
             <a:r>
               <a:rPr lang="en-US" b="1" dirty="0"/>
@@ -12233,7 +12241,15 @@
             </a:r>
             <a:r>
               <a:rPr lang="en-US" dirty="0"/>
-              <a:t>statistical test result used to evaluate the </a:t>
+              <a:t>statistical test result </a:t>
+            </a:r>
+            <a:r>
+              <a:rPr lang="en-US" dirty="0" smtClean="0"/>
+              <a:t>commonly used </a:t>
+            </a:r>
+            <a:r>
+              <a:rPr lang="en-US" dirty="0"/>
+              <a:t>to evaluate the </a:t>
             </a:r>
             <a:r>
               <a:rPr lang="en-US" b="1" dirty="0"/>
@@ -12247,8 +12263,16 @@
           <a:p>
             <a:pPr lvl="1"/>
             <a:r>
+              <a:rPr lang="en-US" i="1" dirty="0" smtClean="0"/>
+              <a:t>But: </a:t>
+            </a:r>
+            <a:r>
               <a:rPr lang="en-US" dirty="0" smtClean="0"/>
-              <a:t>Can be used to evaluate any hypothesis test (must not be null)</a:t>
+              <a:t>Can </a:t>
+            </a:r>
+            <a:r>
+              <a:rPr lang="en-US" dirty="0" smtClean="0"/>
+              <a:t>be used to evaluate any hypothesis test (must not be null)</a:t>
             </a:r>
           </a:p>
           <a:p>
@@ -12291,7 +12315,19 @@
           <a:p>
             <a:r>
               <a:rPr lang="en-US" dirty="0"/>
-              <a:t>‘what is the likelihood of observing this statistic if the hypothesized value is true</a:t>
+              <a:t>‘what is the likelihood of observing </a:t>
+            </a:r>
+            <a:r>
+              <a:rPr lang="en-US" b="1" dirty="0" smtClean="0"/>
+              <a:t>data that produces this </a:t>
+            </a:r>
+            <a:r>
+              <a:rPr lang="en-US" b="1" dirty="0"/>
+              <a:t>statistic </a:t>
+            </a:r>
+            <a:r>
+              <a:rPr lang="en-US" dirty="0"/>
+              <a:t>if the hypothesized value is true</a:t>
             </a:r>
             <a:r>
               <a:rPr lang="en-US" dirty="0" smtClean="0"/>

--- a/Breznau_Open_Science_P_Values.pptx
+++ b/Breznau_Open_Science_P_Values.pptx
@@ -247,7 +247,7 @@
           <a:p>
             <a:fld id="{50ACB44F-430F-49FD-B561-48ED81EECF75}" type="datetimeFigureOut">
               <a:rPr lang="en-US" smtClean="0"/>
-              <a:t>18-Nov-21</a:t>
+              <a:t>13-Dec-21</a:t>
             </a:fld>
             <a:endParaRPr lang="en-US"/>
           </a:p>
@@ -853,7 +853,7 @@
           <a:p>
             <a:fld id="{F9DB1203-D10D-42D1-A619-738F4F351BC0}" type="datetime1">
               <a:rPr lang="en-US" smtClean="0"/>
-              <a:t>18-Nov-21</a:t>
+              <a:t>13-Dec-21</a:t>
             </a:fld>
             <a:endParaRPr lang="en-US"/>
           </a:p>
@@ -1033,7 +1033,7 @@
           <a:p>
             <a:fld id="{37F1EB1F-438D-4167-B1FE-A1094BA37090}" type="datetime1">
               <a:rPr lang="en-US" smtClean="0"/>
-              <a:t>18-Nov-21</a:t>
+              <a:t>13-Dec-21</a:t>
             </a:fld>
             <a:endParaRPr lang="en-US"/>
           </a:p>
@@ -1203,7 +1203,7 @@
           <a:p>
             <a:fld id="{D8F3CC78-7857-45A0-A30F-69847EBB9028}" type="datetime1">
               <a:rPr lang="en-US" smtClean="0"/>
-              <a:t>18-Nov-21</a:t>
+              <a:t>13-Dec-21</a:t>
             </a:fld>
             <a:endParaRPr lang="en-US"/>
           </a:p>
@@ -1509,7 +1509,7 @@
           <a:p>
             <a:fld id="{526971D8-9D18-48FF-832D-DE6076BE01BE}" type="datetime1">
               <a:rPr lang="en-US" smtClean="0"/>
-              <a:t>18-Nov-21</a:t>
+              <a:t>13-Dec-21</a:t>
             </a:fld>
             <a:endParaRPr lang="en-US"/>
           </a:p>
@@ -1741,7 +1741,7 @@
           <a:p>
             <a:fld id="{29B1CD0C-90F1-4845-B650-D647D490CF03}" type="datetime1">
               <a:rPr lang="en-US" smtClean="0"/>
-              <a:t>18-Nov-21</a:t>
+              <a:t>13-Dec-21</a:t>
             </a:fld>
             <a:endParaRPr lang="en-US"/>
           </a:p>
@@ -2108,7 +2108,7 @@
           <a:p>
             <a:fld id="{289F6CD0-65F7-4D5D-9664-C4EB140B3C76}" type="datetime1">
               <a:rPr lang="en-US" smtClean="0"/>
-              <a:t>18-Nov-21</a:t>
+              <a:t>13-Dec-21</a:t>
             </a:fld>
             <a:endParaRPr lang="en-US"/>
           </a:p>
@@ -2226,7 +2226,7 @@
           <a:p>
             <a:fld id="{A9AA8F4C-4327-40FE-A067-ABA974CCD329}" type="datetime1">
               <a:rPr lang="en-US" smtClean="0"/>
-              <a:t>18-Nov-21</a:t>
+              <a:t>13-Dec-21</a:t>
             </a:fld>
             <a:endParaRPr lang="en-US"/>
           </a:p>
@@ -2321,7 +2321,7 @@
           <a:p>
             <a:fld id="{BACA24D5-6A1E-46E1-AD30-9AB869114CBE}" type="datetime1">
               <a:rPr lang="en-US" smtClean="0"/>
-              <a:t>18-Nov-21</a:t>
+              <a:t>13-Dec-21</a:t>
             </a:fld>
             <a:endParaRPr lang="en-US"/>
           </a:p>
@@ -2598,7 +2598,7 @@
           <a:p>
             <a:fld id="{16766582-61F8-4379-8743-D19DC8308C1B}" type="datetime1">
               <a:rPr lang="en-US" smtClean="0"/>
-              <a:t>18-Nov-21</a:t>
+              <a:t>13-Dec-21</a:t>
             </a:fld>
             <a:endParaRPr lang="en-US"/>
           </a:p>
@@ -2851,7 +2851,7 @@
           <a:p>
             <a:fld id="{85EE13E4-E712-4C19-962A-D4C57539FE24}" type="datetime1">
               <a:rPr lang="en-US" smtClean="0"/>
-              <a:t>18-Nov-21</a:t>
+              <a:t>13-Dec-21</a:t>
             </a:fld>
             <a:endParaRPr lang="en-US"/>
           </a:p>
@@ -3064,7 +3064,7 @@
           <a:p>
             <a:fld id="{66A8A8D8-15AC-4A57-B304-9F60BAC933A0}" type="datetime1">
               <a:rPr lang="en-US" smtClean="0"/>
-              <a:t>18-Nov-21</a:t>
+              <a:t>13-Dec-21</a:t>
             </a:fld>
             <a:endParaRPr lang="en-US"/>
           </a:p>
@@ -6653,7 +6653,19 @@
             </a:pPr>
             <a:r>
               <a:rPr lang="en-US" sz="2400" dirty="0" smtClean="0"/>
-              <a:t>Zero difference between adolescent test scores between schools with the introduction of different teaching techniques</a:t>
+              <a:t>Zero </a:t>
+            </a:r>
+            <a:r>
+              <a:rPr lang="en-US" sz="2400" smtClean="0"/>
+              <a:t>difference </a:t>
+            </a:r>
+            <a:r>
+              <a:rPr lang="en-US" sz="2400" smtClean="0"/>
+              <a:t>in </a:t>
+            </a:r>
+            <a:r>
+              <a:rPr lang="en-US" sz="2400" dirty="0" smtClean="0"/>
+              <a:t>adolescent test scores between schools with the introduction of different teaching techniques</a:t>
             </a:r>
           </a:p>
         </p:txBody>
